--- a/slides/klasse3.pptx
+++ b/slides/klasse3.pptx
@@ -2,7 +2,7 @@
 <file path=ppt/presentation.xml><?xml version="1.0" encoding="utf-8"?>
 <p:presentation xmlns:a="http://schemas.openxmlformats.org/drawingml/2006/main" xmlns:r="http://schemas.openxmlformats.org/officeDocument/2006/relationships" xmlns:p="http://schemas.openxmlformats.org/presentationml/2006/main" saveSubsetFonts="1" autoCompressPictures="0">
   <p:sldMasterIdLst>
-    <p:sldMasterId id="2147483660" r:id="rId1"/>
+    <p:sldMasterId id="2147483677" r:id="rId1"/>
   </p:sldMasterIdLst>
   <p:notesMasterIdLst>
     <p:notesMasterId r:id="rId15"/>
@@ -119,6 +119,22 @@
       </a:defRPr>
     </a:lvl9pPr>
   </p:defaultTextStyle>
+  <p:extLst>
+    <p:ext uri="{EFAFB233-063F-42B5-8137-9DF3F51BA10A}">
+      <p15:sldGuideLst xmlns:p15="http://schemas.microsoft.com/office/powerpoint/2012/main">
+        <p15:guide id="1" orient="horz" pos="2160">
+          <p15:clr>
+            <a:srgbClr val="A4A3A4"/>
+          </p15:clr>
+        </p15:guide>
+        <p15:guide id="2" pos="2880">
+          <p15:clr>
+            <a:srgbClr val="A4A3A4"/>
+          </p15:clr>
+        </p15:guide>
+      </p15:sldGuideLst>
+    </p:ext>
+  </p:extLst>
 </p:presentation>
 </file>
 
@@ -204,7 +220,7 @@
           <a:p>
             <a:fld id="{D9A72DD6-D08F-C144-8BEB-A944C9AF3748}" type="datetimeFigureOut">
               <a:rPr lang="en-US" smtClean="0"/>
-              <a:t>27/07/15</a:t>
+              <a:t>10/28/15</a:t>
             </a:fld>
             <a:endParaRPr lang="en-US"/>
           </a:p>
@@ -629,13 +645,8 @@
 </file>
 
 <file path=ppt/slideLayouts/slideLayout1.xml><?xml version="1.0" encoding="utf-8"?>
-<p:sldLayout xmlns:a="http://schemas.openxmlformats.org/drawingml/2006/main" xmlns:r="http://schemas.openxmlformats.org/officeDocument/2006/relationships" xmlns:p="http://schemas.openxmlformats.org/presentationml/2006/main" type="title" preserve="1">
+<p:sldLayout xmlns:a="http://schemas.openxmlformats.org/drawingml/2006/main" xmlns:r="http://schemas.openxmlformats.org/officeDocument/2006/relationships" xmlns:p="http://schemas.openxmlformats.org/presentationml/2006/main" showMasterSp="0" type="title" preserve="1">
   <p:cSld name="Title Slide">
-    <p:bg>
-      <p:bgRef idx="1003">
-        <a:schemeClr val="bg1"/>
-      </p:bgRef>
-    </p:bg>
     <p:spTree>
       <p:nvGrpSpPr>
         <p:cNvPr id="1" name=""/>
@@ -650,6 +661,196 @@
           <a:chExt cx="0" cy="0"/>
         </a:xfrm>
       </p:grpSpPr>
+      <p:grpSp>
+        <p:nvGrpSpPr>
+          <p:cNvPr id="16" name="Group 15"/>
+          <p:cNvGrpSpPr/>
+          <p:nvPr/>
+        </p:nvGrpSpPr>
+        <p:grpSpPr>
+          <a:xfrm>
+            <a:off x="4334933" y="1169931"/>
+            <a:ext cx="4814835" cy="4993802"/>
+            <a:chOff x="4334933" y="1169931"/>
+            <a:chExt cx="4814835" cy="4993802"/>
+          </a:xfrm>
+        </p:grpSpPr>
+        <p:cxnSp>
+          <p:nvCxnSpPr>
+            <p:cNvPr id="17" name="Straight Connector 16"/>
+            <p:cNvCxnSpPr/>
+            <p:nvPr/>
+          </p:nvCxnSpPr>
+          <p:spPr>
+            <a:xfrm flipH="1">
+              <a:off x="6009259" y="1169931"/>
+              <a:ext cx="3134741" cy="3134741"/>
+            </a:xfrm>
+            <a:prstGeom prst="line">
+              <a:avLst/>
+            </a:prstGeom>
+            <a:ln w="12700">
+              <a:solidFill>
+                <a:schemeClr val="tx1"/>
+              </a:solidFill>
+            </a:ln>
+          </p:spPr>
+          <p:style>
+            <a:lnRef idx="2">
+              <a:schemeClr val="accent1"/>
+            </a:lnRef>
+            <a:fillRef idx="0">
+              <a:schemeClr val="accent1"/>
+            </a:fillRef>
+            <a:effectRef idx="1">
+              <a:schemeClr val="accent1"/>
+            </a:effectRef>
+            <a:fontRef idx="minor">
+              <a:schemeClr val="tx1"/>
+            </a:fontRef>
+          </p:style>
+        </p:cxnSp>
+        <p:cxnSp>
+          <p:nvCxnSpPr>
+            <p:cNvPr id="19" name="Straight Connector 18"/>
+            <p:cNvCxnSpPr/>
+            <p:nvPr/>
+          </p:nvCxnSpPr>
+          <p:spPr>
+            <a:xfrm flipH="1">
+              <a:off x="4334933" y="1348898"/>
+              <a:ext cx="4814835" cy="4814835"/>
+            </a:xfrm>
+            <a:prstGeom prst="line">
+              <a:avLst/>
+            </a:prstGeom>
+            <a:ln w="12700">
+              <a:solidFill>
+                <a:schemeClr val="tx1"/>
+              </a:solidFill>
+            </a:ln>
+          </p:spPr>
+          <p:style>
+            <a:lnRef idx="2">
+              <a:schemeClr val="accent1"/>
+            </a:lnRef>
+            <a:fillRef idx="0">
+              <a:schemeClr val="accent1"/>
+            </a:fillRef>
+            <a:effectRef idx="1">
+              <a:schemeClr val="accent1"/>
+            </a:effectRef>
+            <a:fontRef idx="minor">
+              <a:schemeClr val="tx1"/>
+            </a:fontRef>
+          </p:style>
+        </p:cxnSp>
+        <p:cxnSp>
+          <p:nvCxnSpPr>
+            <p:cNvPr id="21" name="Straight Connector 20"/>
+            <p:cNvCxnSpPr/>
+            <p:nvPr/>
+          </p:nvCxnSpPr>
+          <p:spPr>
+            <a:xfrm flipH="1">
+              <a:off x="5225595" y="1469269"/>
+              <a:ext cx="3912054" cy="3912054"/>
+            </a:xfrm>
+            <a:prstGeom prst="line">
+              <a:avLst/>
+            </a:prstGeom>
+            <a:ln w="12700">
+              <a:solidFill>
+                <a:schemeClr val="tx1"/>
+              </a:solidFill>
+            </a:ln>
+          </p:spPr>
+          <p:style>
+            <a:lnRef idx="2">
+              <a:schemeClr val="accent1"/>
+            </a:lnRef>
+            <a:fillRef idx="0">
+              <a:schemeClr val="accent1"/>
+            </a:fillRef>
+            <a:effectRef idx="1">
+              <a:schemeClr val="accent1"/>
+            </a:effectRef>
+            <a:fontRef idx="minor">
+              <a:schemeClr val="tx1"/>
+            </a:fontRef>
+          </p:style>
+        </p:cxnSp>
+        <p:cxnSp>
+          <p:nvCxnSpPr>
+            <p:cNvPr id="22" name="Straight Connector 21"/>
+            <p:cNvCxnSpPr/>
+            <p:nvPr/>
+          </p:nvCxnSpPr>
+          <p:spPr>
+            <a:xfrm flipH="1">
+              <a:off x="5304588" y="1307856"/>
+              <a:ext cx="3839412" cy="3839412"/>
+            </a:xfrm>
+            <a:prstGeom prst="line">
+              <a:avLst/>
+            </a:prstGeom>
+            <a:ln w="31750">
+              <a:solidFill>
+                <a:schemeClr val="tx1"/>
+              </a:solidFill>
+            </a:ln>
+          </p:spPr>
+          <p:style>
+            <a:lnRef idx="2">
+              <a:schemeClr val="accent1"/>
+            </a:lnRef>
+            <a:fillRef idx="0">
+              <a:schemeClr val="accent1"/>
+            </a:fillRef>
+            <a:effectRef idx="1">
+              <a:schemeClr val="accent1"/>
+            </a:effectRef>
+            <a:fontRef idx="minor">
+              <a:schemeClr val="tx1"/>
+            </a:fontRef>
+          </p:style>
+        </p:cxnSp>
+        <p:cxnSp>
+          <p:nvCxnSpPr>
+            <p:cNvPr id="23" name="Straight Connector 22"/>
+            <p:cNvCxnSpPr/>
+            <p:nvPr/>
+          </p:nvCxnSpPr>
+          <p:spPr>
+            <a:xfrm flipH="1">
+              <a:off x="5707078" y="1770196"/>
+              <a:ext cx="3430571" cy="3430570"/>
+            </a:xfrm>
+            <a:prstGeom prst="line">
+              <a:avLst/>
+            </a:prstGeom>
+            <a:ln w="31750">
+              <a:solidFill>
+                <a:schemeClr val="tx1"/>
+              </a:solidFill>
+            </a:ln>
+          </p:spPr>
+          <p:style>
+            <a:lnRef idx="2">
+              <a:schemeClr val="accent1"/>
+            </a:lnRef>
+            <a:fillRef idx="0">
+              <a:schemeClr val="accent1"/>
+            </a:fillRef>
+            <a:effectRef idx="1">
+              <a:schemeClr val="accent1"/>
+            </a:effectRef>
+            <a:fontRef idx="minor">
+              <a:schemeClr val="tx1"/>
+            </a:fontRef>
+          </p:style>
+        </p:cxnSp>
+      </p:grpSp>
       <p:sp>
         <p:nvSpPr>
           <p:cNvPr id="2" name="Title 1"/>
@@ -662,18 +863,18 @@
         </p:nvSpPr>
         <p:spPr>
           <a:xfrm>
-            <a:off x="457199" y="1295400"/>
-            <a:ext cx="8228013" cy="1927225"/>
+            <a:off x="533400" y="533400"/>
+            <a:ext cx="6154713" cy="3124201"/>
           </a:xfrm>
         </p:spPr>
         <p:txBody>
-          <a:bodyPr tIns="0" bIns="0" anchor="b" anchorCtr="0"/>
+          <a:bodyPr anchor="b">
+            <a:normAutofit/>
+          </a:bodyPr>
           <a:lstStyle>
-            <a:lvl1pPr>
-              <a:defRPr sz="6000">
-                <a:solidFill>
-                  <a:schemeClr val="bg1"/>
-                </a:solidFill>
+            <a:lvl1pPr algn="l">
+              <a:defRPr sz="4400">
+                <a:effectLst/>
               </a:defRPr>
             </a:lvl1pPr>
           </a:lstStyle>
@@ -682,7 +883,7 @@
               <a:rPr lang="de-DE" smtClean="0"/>
               <a:t>Click to edit Master title style</a:t>
             </a:r>
-            <a:endParaRPr/>
+            <a:endParaRPr lang="en-US" dirty="0"/>
           </a:p>
         </p:txBody>
       </p:sp>
@@ -698,23 +899,23 @@
         </p:nvSpPr>
         <p:spPr>
           <a:xfrm>
-            <a:off x="457199" y="3307976"/>
-            <a:ext cx="8228013" cy="1066800"/>
+            <a:off x="533400" y="3843868"/>
+            <a:ext cx="4954250" cy="1913466"/>
           </a:xfrm>
         </p:spPr>
         <p:txBody>
-          <a:bodyPr tIns="0" bIns="0"/>
+          <a:bodyPr anchor="t">
+            <a:normAutofit/>
+          </a:bodyPr>
           <a:lstStyle>
-            <a:lvl1pPr marL="0" indent="0" algn="ctr">
-              <a:spcBef>
-                <a:spcPts val="300"/>
-              </a:spcBef>
+            <a:lvl1pPr marL="0" indent="0" algn="l">
               <a:buNone/>
-              <a:defRPr sz="1800">
+              <a:defRPr sz="2000">
                 <a:solidFill>
-                  <a:schemeClr val="bg1"/>
+                  <a:schemeClr val="bg2">
+                    <a:lumMod val="75000"/>
+                  </a:schemeClr>
                 </a:solidFill>
-                <a:latin typeface="+mj-lt"/>
               </a:defRPr>
             </a:lvl1pPr>
             <a:lvl2pPr marL="457200" indent="0" algn="ctr">
@@ -803,7 +1004,7 @@
               <a:rPr lang="de-DE" smtClean="0"/>
               <a:t>Click to edit Master subtitle style</a:t>
             </a:r>
-            <a:endParaRPr dirty="0"/>
+            <a:endParaRPr lang="en-US" dirty="0"/>
           </a:p>
         </p:txBody>
       </p:sp>
@@ -824,7 +1025,7 @@
           <a:p>
             <a:fld id="{2DF339BC-6F24-024F-B7C9-92814ECFBE50}" type="datetimeFigureOut">
               <a:rPr lang="en-US" smtClean="0"/>
-              <a:t>27/07/15</a:t>
+              <a:t>10/28/15</a:t>
             </a:fld>
             <a:endParaRPr lang="en-US"/>
           </a:p>
@@ -872,160 +1073,22 @@
           </a:p>
         </p:txBody>
       </p:sp>
-      <p:sp>
-        <p:nvSpPr>
-          <p:cNvPr id="8" name="TextBox 7"/>
-          <p:cNvSpPr txBox="1"/>
-          <p:nvPr/>
-        </p:nvSpPr>
-        <p:spPr>
-          <a:xfrm>
-            <a:off x="8292818" y="5804647"/>
-            <a:ext cx="367088" cy="677108"/>
-          </a:xfrm>
-          <a:prstGeom prst="rect">
-            <a:avLst/>
-          </a:prstGeom>
-          <a:noFill/>
-        </p:spPr>
-        <p:txBody>
-          <a:bodyPr wrap="none" lIns="0" tIns="0" rIns="0" bIns="0" rtlCol="0">
-            <a:spAutoFit/>
-          </a:bodyPr>
-          <a:lstStyle/>
-          <a:p>
-            <a:r>
-              <a:rPr sz="4400">
-                <a:solidFill>
-                  <a:schemeClr val="accent1"/>
-                </a:solidFill>
-                <a:latin typeface="Wingdings" pitchFamily="2" charset="2"/>
-              </a:rPr>
-              <a:t>S</a:t>
-            </a:r>
-          </a:p>
-        </p:txBody>
-      </p:sp>
     </p:spTree>
+    <p:extLst>
+      <p:ext uri="{BB962C8B-B14F-4D97-AF65-F5344CB8AC3E}">
+        <p14:creationId xmlns:p14="http://schemas.microsoft.com/office/powerpoint/2010/main" val="1012083735"/>
+      </p:ext>
+    </p:extLst>
   </p:cSld>
   <p:clrMapOvr>
-    <a:overrideClrMapping bg1="lt1" tx1="dk1" bg2="lt2" tx2="dk2" accent1="accent1" accent2="accent2" accent3="accent3" accent4="accent4" accent5="accent5" accent6="accent6" hlink="hlink" folHlink="folHlink"/>
+    <a:masterClrMapping/>
   </p:clrMapOvr>
 </p:sldLayout>
 </file>
 
 <file path=ppt/slideLayouts/slideLayout10.xml><?xml version="1.0" encoding="utf-8"?>
-<p:sldLayout xmlns:a="http://schemas.openxmlformats.org/drawingml/2006/main" xmlns:r="http://schemas.openxmlformats.org/officeDocument/2006/relationships" xmlns:p="http://schemas.openxmlformats.org/presentationml/2006/main" type="blank" preserve="1">
-  <p:cSld name="Blank">
-    <p:bg>
-      <p:bgRef idx="1001">
-        <a:schemeClr val="bg1"/>
-      </p:bgRef>
-    </p:bg>
-    <p:spTree>
-      <p:nvGrpSpPr>
-        <p:cNvPr id="1" name=""/>
-        <p:cNvGrpSpPr/>
-        <p:nvPr/>
-      </p:nvGrpSpPr>
-      <p:grpSpPr>
-        <a:xfrm>
-          <a:off x="0" y="0"/>
-          <a:ext cx="0" cy="0"/>
-          <a:chOff x="0" y="0"/>
-          <a:chExt cx="0" cy="0"/>
-        </a:xfrm>
-      </p:grpSpPr>
-      <p:sp>
-        <p:nvSpPr>
-          <p:cNvPr id="2" name="Date Placeholder 1"/>
-          <p:cNvSpPr>
-            <a:spLocks noGrp="1"/>
-          </p:cNvSpPr>
-          <p:nvPr>
-            <p:ph type="dt" sz="half" idx="10"/>
-          </p:nvPr>
-        </p:nvSpPr>
-        <p:spPr/>
-        <p:txBody>
-          <a:bodyPr/>
-          <a:lstStyle/>
-          <a:p>
-            <a:fld id="{2DF339BC-6F24-024F-B7C9-92814ECFBE50}" type="datetimeFigureOut">
-              <a:rPr lang="en-US" smtClean="0"/>
-              <a:t>27/07/15</a:t>
-            </a:fld>
-            <a:endParaRPr lang="en-US"/>
-          </a:p>
-        </p:txBody>
-      </p:sp>
-      <p:sp>
-        <p:nvSpPr>
-          <p:cNvPr id="3" name="Footer Placeholder 2"/>
-          <p:cNvSpPr>
-            <a:spLocks noGrp="1"/>
-          </p:cNvSpPr>
-          <p:nvPr>
-            <p:ph type="ftr" sz="quarter" idx="11"/>
-          </p:nvPr>
-        </p:nvSpPr>
-        <p:spPr/>
-        <p:txBody>
-          <a:bodyPr/>
-          <a:lstStyle/>
-          <a:p>
-            <a:endParaRPr lang="en-US"/>
-          </a:p>
-        </p:txBody>
-      </p:sp>
-      <p:sp>
-        <p:nvSpPr>
-          <p:cNvPr id="4" name="Slide Number Placeholder 3"/>
-          <p:cNvSpPr>
-            <a:spLocks noGrp="1"/>
-          </p:cNvSpPr>
-          <p:nvPr>
-            <p:ph type="sldNum" sz="quarter" idx="12"/>
-          </p:nvPr>
-        </p:nvSpPr>
-        <p:spPr/>
-        <p:txBody>
-          <a:bodyPr/>
-          <a:lstStyle/>
-          <a:p>
-            <a:fld id="{06470FF4-9DCD-3648-9EA5-775956410620}" type="slidenum">
-              <a:rPr lang="en-US" smtClean="0"/>
-              <a:t>‹#›</a:t>
-            </a:fld>
-            <a:endParaRPr lang="en-US"/>
-          </a:p>
-        </p:txBody>
-      </p:sp>
-    </p:spTree>
-  </p:cSld>
-  <p:clrMapOvr>
-    <a:overrideClrMapping bg1="lt1" tx1="dk1" bg2="lt2" tx2="dk2" accent1="accent1" accent2="accent2" accent3="accent3" accent4="accent4" accent5="accent5" accent6="accent6" hlink="hlink" folHlink="folHlink"/>
-  </p:clrMapOvr>
-</p:sldLayout>
-</file>
-
-<file path=ppt/slideLayouts/slideLayout11.xml><?xml version="1.0" encoding="utf-8"?>
-<p:sldLayout xmlns:a="http://schemas.openxmlformats.org/drawingml/2006/main" xmlns:r="http://schemas.openxmlformats.org/officeDocument/2006/relationships" xmlns:p="http://schemas.openxmlformats.org/presentationml/2006/main" type="objTx" preserve="1">
-  <p:cSld name="Content with Caption">
-    <p:bg>
-      <p:bgPr>
-        <a:blipFill dpi="0" rotWithShape="1">
-          <a:blip r:embed="rId2">
-            <a:lum/>
-          </a:blip>
-          <a:srcRect/>
-          <a:stretch>
-            <a:fillRect/>
-          </a:stretch>
-        </a:blipFill>
-        <a:effectLst/>
-      </p:bgPr>
-    </p:bg>
+<p:sldLayout xmlns:a="http://schemas.openxmlformats.org/drawingml/2006/main" xmlns:r="http://schemas.openxmlformats.org/officeDocument/2006/relationships" xmlns:p="http://schemas.openxmlformats.org/presentationml/2006/main" preserve="1">
+  <p:cSld name="Panoramic Picture with Caption">
     <p:spTree>
       <p:nvGrpSpPr>
         <p:cNvPr id="1" name=""/>
@@ -1052,74 +1115,155 @@
         </p:nvSpPr>
         <p:spPr>
           <a:xfrm>
-            <a:off x="457199" y="381001"/>
-            <a:ext cx="3509683" cy="2209800"/>
+            <a:off x="533400" y="4495800"/>
+            <a:ext cx="6554867" cy="1524000"/>
           </a:xfrm>
         </p:spPr>
         <p:txBody>
-          <a:bodyPr anchor="b"/>
-          <a:lstStyle>
-            <a:lvl1pPr algn="l">
-              <a:defRPr sz="4400" b="0"/>
-            </a:lvl1pPr>
-          </a:lstStyle>
+          <a:bodyPr/>
+          <a:lstStyle/>
           <a:p>
             <a:r>
               <a:rPr lang="de-DE" smtClean="0"/>
               <a:t>Click to edit Master title style</a:t>
             </a:r>
-            <a:endParaRPr/>
+            <a:endParaRPr lang="en-US" dirty="0"/>
           </a:p>
         </p:txBody>
       </p:sp>
       <p:sp>
         <p:nvSpPr>
-          <p:cNvPr id="3" name="Content Placeholder 2"/>
+          <p:cNvPr id="6" name="Picture Placeholder 2"/>
+          <p:cNvSpPr>
+            <a:spLocks noGrp="1" noChangeAspect="1"/>
+          </p:cNvSpPr>
+          <p:nvPr>
+            <p:ph type="pic" idx="13"/>
+          </p:nvPr>
+        </p:nvSpPr>
+        <p:spPr>
+          <a:xfrm>
+            <a:off x="533400" y="533400"/>
+            <a:ext cx="8077200" cy="3124200"/>
+          </a:xfrm>
+          <a:prstGeom prst="snip2DiagRect">
+            <a:avLst>
+              <a:gd name="adj1" fmla="val 10815"/>
+              <a:gd name="adj2" fmla="val 0"/>
+            </a:avLst>
+          </a:prstGeom>
+          <a:ln w="15875">
+            <a:solidFill>
+              <a:schemeClr val="tx1">
+                <a:alpha val="40000"/>
+              </a:schemeClr>
+            </a:solidFill>
+          </a:ln>
+          <a:effectLst>
+            <a:innerShdw blurRad="57150" dist="38100" dir="14460000">
+              <a:srgbClr val="000000">
+                <a:alpha val="70000"/>
+              </a:srgbClr>
+            </a:innerShdw>
+          </a:effectLst>
+        </p:spPr>
+        <p:txBody>
+          <a:bodyPr anchor="t">
+            <a:normAutofit/>
+          </a:bodyPr>
+          <a:lstStyle>
+            <a:lvl1pPr marL="0" indent="0" algn="ctr">
+              <a:buNone/>
+              <a:defRPr sz="1600"/>
+            </a:lvl1pPr>
+            <a:lvl2pPr marL="457200" indent="0">
+              <a:buNone/>
+              <a:defRPr sz="1600"/>
+            </a:lvl2pPr>
+            <a:lvl3pPr marL="914400" indent="0">
+              <a:buNone/>
+              <a:defRPr sz="1600"/>
+            </a:lvl3pPr>
+            <a:lvl4pPr marL="1371600" indent="0">
+              <a:buNone/>
+              <a:defRPr sz="1600"/>
+            </a:lvl4pPr>
+            <a:lvl5pPr marL="1828800" indent="0">
+              <a:buNone/>
+              <a:defRPr sz="1600"/>
+            </a:lvl5pPr>
+            <a:lvl6pPr marL="2286000" indent="0">
+              <a:buNone/>
+              <a:defRPr sz="1600"/>
+            </a:lvl6pPr>
+            <a:lvl7pPr marL="2743200" indent="0">
+              <a:buNone/>
+              <a:defRPr sz="1600"/>
+            </a:lvl7pPr>
+            <a:lvl8pPr marL="3200400" indent="0">
+              <a:buNone/>
+              <a:defRPr sz="1600"/>
+            </a:lvl8pPr>
+            <a:lvl9pPr marL="3657600" indent="0">
+              <a:buNone/>
+              <a:defRPr sz="1600"/>
+            </a:lvl9pPr>
+          </a:lstStyle>
+          <a:p>
+            <a:r>
+              <a:rPr lang="de-DE" smtClean="0"/>
+              <a:t>Drag picture to placeholder or click icon to add</a:t>
+            </a:r>
+            <a:endParaRPr lang="en-US" dirty="0"/>
+          </a:p>
+        </p:txBody>
+      </p:sp>
+      <p:sp>
+        <p:nvSpPr>
+          <p:cNvPr id="9" name="Text Placeholder 9"/>
           <p:cNvSpPr>
             <a:spLocks noGrp="1"/>
           </p:cNvSpPr>
           <p:nvPr>
-            <p:ph idx="1"/>
+            <p:ph type="body" sz="quarter" idx="14"/>
           </p:nvPr>
         </p:nvSpPr>
         <p:spPr>
           <a:xfrm>
-            <a:off x="5029200" y="273050"/>
-            <a:ext cx="3657600" cy="5853113"/>
+            <a:off x="762002" y="3843867"/>
+            <a:ext cx="7281332" cy="457200"/>
           </a:xfrm>
         </p:spPr>
         <p:txBody>
-          <a:bodyPr>
+          <a:bodyPr anchor="t">
             <a:normAutofit/>
           </a:bodyPr>
           <a:lstStyle>
-            <a:lvl1pPr>
-              <a:defRPr sz="2200"/>
+            <a:lvl1pPr marL="0" indent="0">
+              <a:buFontTx/>
+              <a:buNone/>
+              <a:defRPr sz="1600"/>
             </a:lvl1pPr>
-            <a:lvl2pPr>
-              <a:defRPr sz="2000"/>
+            <a:lvl2pPr marL="457200" indent="0">
+              <a:buFontTx/>
+              <a:buNone/>
+              <a:defRPr/>
             </a:lvl2pPr>
-            <a:lvl3pPr>
-              <a:defRPr sz="1800"/>
+            <a:lvl3pPr marL="914400" indent="0">
+              <a:buFontTx/>
+              <a:buNone/>
+              <a:defRPr/>
             </a:lvl3pPr>
-            <a:lvl4pPr>
-              <a:defRPr sz="1800"/>
+            <a:lvl4pPr marL="1371600" indent="0">
+              <a:buFontTx/>
+              <a:buNone/>
+              <a:defRPr/>
             </a:lvl4pPr>
-            <a:lvl5pPr>
-              <a:defRPr sz="1800"/>
+            <a:lvl5pPr marL="1828800" indent="0">
+              <a:buFontTx/>
+              <a:buNone/>
+              <a:defRPr/>
             </a:lvl5pPr>
-            <a:lvl6pPr marL="1946275" indent="-227013">
-              <a:defRPr sz="1600"/>
-            </a:lvl6pPr>
-            <a:lvl7pPr marL="2173288" indent="-227013">
-              <a:defRPr sz="1600"/>
-            </a:lvl7pPr>
-            <a:lvl8pPr marL="2398713" indent="-227013">
-              <a:defRPr sz="1600"/>
-            </a:lvl8pPr>
-            <a:lvl9pPr marL="2625725" indent="-227013">
-              <a:defRPr sz="1600"/>
-            </a:lvl9pPr>
           </a:lstStyle>
           <a:p>
             <a:pPr lvl="0"/>
@@ -1127,115 +1271,12 @@
               <a:rPr lang="de-DE" smtClean="0"/>
               <a:t>Click to edit Master text styles</a:t>
             </a:r>
-          </a:p>
-          <a:p>
-            <a:pPr lvl="1"/>
-            <a:r>
-              <a:rPr lang="de-DE" smtClean="0"/>
-              <a:t>Second level</a:t>
-            </a:r>
-          </a:p>
-          <a:p>
-            <a:pPr lvl="2"/>
-            <a:r>
-              <a:rPr lang="de-DE" smtClean="0"/>
-              <a:t>Third level</a:t>
-            </a:r>
-          </a:p>
-          <a:p>
-            <a:pPr lvl="3"/>
-            <a:r>
-              <a:rPr lang="de-DE" smtClean="0"/>
-              <a:t>Fourth level</a:t>
-            </a:r>
-          </a:p>
-          <a:p>
-            <a:pPr lvl="4"/>
-            <a:r>
-              <a:rPr lang="de-DE" smtClean="0"/>
-              <a:t>Fifth level</a:t>
-            </a:r>
-            <a:endParaRPr dirty="0"/>
           </a:p>
         </p:txBody>
       </p:sp>
       <p:sp>
         <p:nvSpPr>
-          <p:cNvPr id="4" name="Text Placeholder 3"/>
-          <p:cNvSpPr>
-            <a:spLocks noGrp="1"/>
-          </p:cNvSpPr>
-          <p:nvPr>
-            <p:ph type="body" sz="half" idx="2"/>
-          </p:nvPr>
-        </p:nvSpPr>
-        <p:spPr>
-          <a:xfrm>
-            <a:off x="457199" y="2649071"/>
-            <a:ext cx="3509683" cy="3388192"/>
-          </a:xfrm>
-        </p:spPr>
-        <p:txBody>
-          <a:bodyPr>
-            <a:normAutofit/>
-          </a:bodyPr>
-          <a:lstStyle>
-            <a:lvl1pPr marL="0" indent="0">
-              <a:spcBef>
-                <a:spcPts val="600"/>
-              </a:spcBef>
-              <a:buNone/>
-              <a:defRPr sz="2000">
-                <a:solidFill>
-                  <a:schemeClr val="bg1"/>
-                </a:solidFill>
-              </a:defRPr>
-            </a:lvl1pPr>
-            <a:lvl2pPr marL="457200" indent="0">
-              <a:buNone/>
-              <a:defRPr sz="1200"/>
-            </a:lvl2pPr>
-            <a:lvl3pPr marL="914400" indent="0">
-              <a:buNone/>
-              <a:defRPr sz="1000"/>
-            </a:lvl3pPr>
-            <a:lvl4pPr marL="1371600" indent="0">
-              <a:buNone/>
-              <a:defRPr sz="900"/>
-            </a:lvl4pPr>
-            <a:lvl5pPr marL="1828800" indent="0">
-              <a:buNone/>
-              <a:defRPr sz="900"/>
-            </a:lvl5pPr>
-            <a:lvl6pPr marL="2286000" indent="0">
-              <a:buNone/>
-              <a:defRPr sz="900"/>
-            </a:lvl6pPr>
-            <a:lvl7pPr marL="2743200" indent="0">
-              <a:buNone/>
-              <a:defRPr sz="900"/>
-            </a:lvl7pPr>
-            <a:lvl8pPr marL="3200400" indent="0">
-              <a:buNone/>
-              <a:defRPr sz="900"/>
-            </a:lvl8pPr>
-            <a:lvl9pPr marL="3657600" indent="0">
-              <a:buNone/>
-              <a:defRPr sz="900"/>
-            </a:lvl9pPr>
-          </a:lstStyle>
-          <a:p>
-            <a:pPr lvl="0"/>
-            <a:r>
-              <a:rPr lang="de-DE" smtClean="0"/>
-              <a:t>Click to edit Master text styles</a:t>
-            </a:r>
-          </a:p>
-        </p:txBody>
-      </p:sp>
-      <p:sp>
-        <p:nvSpPr>
-          <p:cNvPr id="5" name="Date Placeholder 4"/>
+          <p:cNvPr id="3" name="Date Placeholder 2"/>
           <p:cNvSpPr>
             <a:spLocks noGrp="1"/>
           </p:cNvSpPr>
@@ -1246,19 +1287,11 @@
         <p:spPr/>
         <p:txBody>
           <a:bodyPr/>
-          <a:lstStyle>
-            <a:lvl1pPr>
-              <a:defRPr>
-                <a:solidFill>
-                  <a:schemeClr val="bg1"/>
-                </a:solidFill>
-              </a:defRPr>
-            </a:lvl1pPr>
-          </a:lstStyle>
+          <a:lstStyle/>
           <a:p>
             <a:fld id="{2DF339BC-6F24-024F-B7C9-92814ECFBE50}" type="datetimeFigureOut">
               <a:rPr lang="en-US" smtClean="0"/>
-              <a:t>27/07/15</a:t>
+              <a:t>10/28/15</a:t>
             </a:fld>
             <a:endParaRPr lang="en-US"/>
           </a:p>
@@ -1266,7 +1299,7 @@
       </p:sp>
       <p:sp>
         <p:nvSpPr>
-          <p:cNvPr id="6" name="Footer Placeholder 5"/>
+          <p:cNvPr id="4" name="Footer Placeholder 3"/>
           <p:cNvSpPr>
             <a:spLocks noGrp="1"/>
           </p:cNvSpPr>
@@ -1285,7 +1318,7 @@
       </p:sp>
       <p:sp>
         <p:nvSpPr>
-          <p:cNvPr id="7" name="Slide Number Placeholder 6"/>
+          <p:cNvPr id="5" name="Slide Number Placeholder 4"/>
           <p:cNvSpPr>
             <a:spLocks noGrp="1"/>
           </p:cNvSpPr>
@@ -1307,6 +1340,11 @@
         </p:txBody>
       </p:sp>
     </p:spTree>
+    <p:extLst>
+      <p:ext uri="{BB962C8B-B14F-4D97-AF65-F5344CB8AC3E}">
+        <p14:creationId xmlns:p14="http://schemas.microsoft.com/office/powerpoint/2010/main" val="1269579984"/>
+      </p:ext>
+    </p:extLst>
   </p:cSld>
   <p:clrMapOvr>
     <a:masterClrMapping/>
@@ -1314,23 +1352,9 @@
 </p:sldLayout>
 </file>
 
-<file path=ppt/slideLayouts/slideLayout12.xml><?xml version="1.0" encoding="utf-8"?>
+<file path=ppt/slideLayouts/slideLayout11.xml><?xml version="1.0" encoding="utf-8"?>
 <p:sldLayout xmlns:a="http://schemas.openxmlformats.org/drawingml/2006/main" xmlns:r="http://schemas.openxmlformats.org/officeDocument/2006/relationships" xmlns:p="http://schemas.openxmlformats.org/presentationml/2006/main" preserve="1">
-  <p:cSld name="Picture with Caption">
-    <p:bg>
-      <p:bgPr>
-        <a:blipFill dpi="0" rotWithShape="1">
-          <a:blip r:embed="rId2">
-            <a:lum/>
-          </a:blip>
-          <a:srcRect/>
-          <a:stretch>
-            <a:fillRect/>
-          </a:stretch>
-        </a:blipFill>
-        <a:effectLst/>
-      </p:bgPr>
-    </p:bg>
+  <p:cSld name="Title and Caption">
     <p:spTree>
       <p:nvGrpSpPr>
         <p:cNvPr id="1" name=""/>
@@ -1357,1309 +1381,25 @@
         </p:nvSpPr>
         <p:spPr>
           <a:xfrm>
-            <a:off x="5051425" y="381001"/>
-            <a:ext cx="3635375" cy="2209800"/>
+            <a:off x="533400" y="533400"/>
+            <a:ext cx="8077200" cy="2895600"/>
           </a:xfrm>
         </p:spPr>
         <p:txBody>
-          <a:bodyPr anchor="b"/>
-          <a:lstStyle>
-            <a:lvl1pPr algn="l">
-              <a:defRPr sz="4400" b="0">
-                <a:solidFill>
-                  <a:schemeClr val="tx1"/>
-                </a:solidFill>
-              </a:defRPr>
-            </a:lvl1pPr>
-          </a:lstStyle>
-          <a:p>
-            <a:r>
-              <a:rPr lang="de-DE" smtClean="0"/>
-              <a:t>Click to edit Master title style</a:t>
-            </a:r>
-            <a:endParaRPr/>
-          </a:p>
-        </p:txBody>
-      </p:sp>
-      <p:sp>
-        <p:nvSpPr>
-          <p:cNvPr id="4" name="Text Placeholder 3"/>
-          <p:cNvSpPr>
-            <a:spLocks noGrp="1"/>
-          </p:cNvSpPr>
-          <p:nvPr>
-            <p:ph type="body" sz="half" idx="2"/>
-          </p:nvPr>
-        </p:nvSpPr>
-        <p:spPr>
-          <a:xfrm>
-            <a:off x="5051425" y="2649070"/>
-            <a:ext cx="3635375" cy="3505667"/>
-          </a:xfrm>
-        </p:spPr>
-        <p:txBody>
-          <a:bodyPr>
+          <a:bodyPr anchor="ctr">
             <a:normAutofit/>
           </a:bodyPr>
           <a:lstStyle>
-            <a:lvl1pPr marL="0" indent="0">
-              <a:spcBef>
-                <a:spcPts val="600"/>
-              </a:spcBef>
-              <a:buNone/>
-              <a:defRPr sz="2000">
-                <a:solidFill>
-                  <a:schemeClr val="tx1">
-                    <a:lumMod val="65000"/>
-                    <a:lumOff val="35000"/>
-                  </a:schemeClr>
-                </a:solidFill>
-              </a:defRPr>
-            </a:lvl1pPr>
-            <a:lvl2pPr marL="457200" indent="0">
-              <a:buNone/>
-              <a:defRPr sz="1200"/>
-            </a:lvl2pPr>
-            <a:lvl3pPr marL="914400" indent="0">
-              <a:buNone/>
-              <a:defRPr sz="1000"/>
-            </a:lvl3pPr>
-            <a:lvl4pPr marL="1371600" indent="0">
-              <a:buNone/>
-              <a:defRPr sz="900"/>
-            </a:lvl4pPr>
-            <a:lvl5pPr marL="1828800" indent="0">
-              <a:buNone/>
-              <a:defRPr sz="900"/>
-            </a:lvl5pPr>
-            <a:lvl6pPr marL="2286000" indent="0">
-              <a:buNone/>
-              <a:defRPr sz="900"/>
-            </a:lvl6pPr>
-            <a:lvl7pPr marL="2743200" indent="0">
-              <a:buNone/>
-              <a:defRPr sz="900"/>
-            </a:lvl7pPr>
-            <a:lvl8pPr marL="3200400" indent="0">
-              <a:buNone/>
-              <a:defRPr sz="900"/>
-            </a:lvl8pPr>
-            <a:lvl9pPr marL="3657600" indent="0">
-              <a:buNone/>
-              <a:defRPr sz="900"/>
-            </a:lvl9pPr>
-          </a:lstStyle>
-          <a:p>
-            <a:pPr lvl="0"/>
-            <a:r>
-              <a:rPr lang="de-DE" smtClean="0"/>
-              <a:t>Click to edit Master text styles</a:t>
-            </a:r>
-          </a:p>
-        </p:txBody>
-      </p:sp>
-      <p:sp>
-        <p:nvSpPr>
-          <p:cNvPr id="5" name="Date Placeholder 4"/>
-          <p:cNvSpPr>
-            <a:spLocks noGrp="1"/>
-          </p:cNvSpPr>
-          <p:nvPr>
-            <p:ph type="dt" sz="half" idx="10"/>
-          </p:nvPr>
-        </p:nvSpPr>
-        <p:spPr/>
-        <p:txBody>
-          <a:bodyPr/>
-          <a:lstStyle>
-            <a:lvl1pPr>
-              <a:defRPr>
-                <a:solidFill>
-                  <a:schemeClr val="bg1"/>
-                </a:solidFill>
-              </a:defRPr>
+            <a:lvl1pPr algn="l">
+              <a:defRPr sz="2800" b="0" cap="all"/>
             </a:lvl1pPr>
           </a:lstStyle>
           <a:p>
-            <a:fld id="{2DF339BC-6F24-024F-B7C9-92814ECFBE50}" type="datetimeFigureOut">
-              <a:rPr lang="en-US" smtClean="0"/>
-              <a:t>27/07/15</a:t>
-            </a:fld>
-            <a:endParaRPr lang="en-US"/>
-          </a:p>
-        </p:txBody>
-      </p:sp>
-      <p:sp>
-        <p:nvSpPr>
-          <p:cNvPr id="6" name="Footer Placeholder 5"/>
-          <p:cNvSpPr>
-            <a:spLocks noGrp="1"/>
-          </p:cNvSpPr>
-          <p:nvPr>
-            <p:ph type="ftr" sz="quarter" idx="11"/>
-          </p:nvPr>
-        </p:nvSpPr>
-        <p:spPr/>
-        <p:txBody>
-          <a:bodyPr/>
-          <a:lstStyle/>
-          <a:p>
-            <a:endParaRPr lang="en-US"/>
-          </a:p>
-        </p:txBody>
-      </p:sp>
-      <p:sp>
-        <p:nvSpPr>
-          <p:cNvPr id="7" name="Slide Number Placeholder 6"/>
-          <p:cNvSpPr>
-            <a:spLocks noGrp="1"/>
-          </p:cNvSpPr>
-          <p:nvPr>
-            <p:ph type="sldNum" sz="quarter" idx="12"/>
-          </p:nvPr>
-        </p:nvSpPr>
-        <p:spPr/>
-        <p:txBody>
-          <a:bodyPr/>
-          <a:lstStyle/>
-          <a:p>
-            <a:fld id="{06470FF4-9DCD-3648-9EA5-775956410620}" type="slidenum">
-              <a:rPr lang="en-US" smtClean="0"/>
-              <a:t>‹#›</a:t>
-            </a:fld>
-            <a:endParaRPr lang="en-US"/>
-          </a:p>
-        </p:txBody>
-      </p:sp>
-      <p:sp>
-        <p:nvSpPr>
-          <p:cNvPr id="9" name="Picture Placeholder 8"/>
-          <p:cNvSpPr>
-            <a:spLocks noGrp="1"/>
-          </p:cNvSpPr>
-          <p:nvPr>
-            <p:ph type="pic" sz="quarter" idx="13"/>
-          </p:nvPr>
-        </p:nvSpPr>
-        <p:spPr>
-          <a:xfrm>
-            <a:off x="228600" y="1143000"/>
-            <a:ext cx="4267200" cy="4267200"/>
-          </a:xfrm>
-          <a:prstGeom prst="ellipse">
-            <a:avLst/>
-          </a:prstGeom>
-          <a:ln w="28575">
-            <a:solidFill>
-              <a:schemeClr val="accent1"/>
-            </a:solidFill>
-          </a:ln>
-        </p:spPr>
-        <p:txBody>
-          <a:bodyPr/>
-          <a:lstStyle>
-            <a:lvl1pPr marL="0" indent="0">
-              <a:buNone/>
-              <a:defRPr>
-                <a:solidFill>
-                  <a:schemeClr val="bg1"/>
-                </a:solidFill>
-              </a:defRPr>
-            </a:lvl1pPr>
-          </a:lstStyle>
-          <a:p>
-            <a:r>
-              <a:rPr lang="de-DE" smtClean="0"/>
-              <a:t>Drag picture to placeholder or click icon to add</a:t>
-            </a:r>
-            <a:endParaRPr/>
-          </a:p>
-        </p:txBody>
-      </p:sp>
-    </p:spTree>
-  </p:cSld>
-  <p:clrMapOvr>
-    <a:masterClrMapping/>
-  </p:clrMapOvr>
-</p:sldLayout>
-</file>
-
-<file path=ppt/slideLayouts/slideLayout13.xml><?xml version="1.0" encoding="utf-8"?>
-<p:sldLayout xmlns:a="http://schemas.openxmlformats.org/drawingml/2006/main" xmlns:r="http://schemas.openxmlformats.org/officeDocument/2006/relationships" xmlns:p="http://schemas.openxmlformats.org/presentationml/2006/main" preserve="1">
-  <p:cSld name="3 Pictures with Caption">
-    <p:bg>
-      <p:bgPr>
-        <a:blipFill dpi="0" rotWithShape="1">
-          <a:blip r:embed="rId2">
-            <a:lum/>
-          </a:blip>
-          <a:srcRect/>
-          <a:stretch>
-            <a:fillRect/>
-          </a:stretch>
-        </a:blipFill>
-        <a:effectLst/>
-      </p:bgPr>
-    </p:bg>
-    <p:spTree>
-      <p:nvGrpSpPr>
-        <p:cNvPr id="1" name=""/>
-        <p:cNvGrpSpPr/>
-        <p:nvPr/>
-      </p:nvGrpSpPr>
-      <p:grpSpPr>
-        <a:xfrm>
-          <a:off x="0" y="0"/>
-          <a:ext cx="0" cy="0"/>
-          <a:chOff x="0" y="0"/>
-          <a:chExt cx="0" cy="0"/>
-        </a:xfrm>
-      </p:grpSpPr>
-      <p:sp>
-        <p:nvSpPr>
-          <p:cNvPr id="2" name="Title 1"/>
-          <p:cNvSpPr>
-            <a:spLocks noGrp="1"/>
-          </p:cNvSpPr>
-          <p:nvPr>
-            <p:ph type="title"/>
-          </p:nvPr>
-        </p:nvSpPr>
-        <p:spPr>
-          <a:xfrm>
-            <a:off x="5051425" y="381001"/>
-            <a:ext cx="3635375" cy="2209800"/>
-          </a:xfrm>
-        </p:spPr>
-        <p:txBody>
-          <a:bodyPr anchor="b"/>
-          <a:lstStyle>
-            <a:lvl1pPr algn="l">
-              <a:defRPr sz="4400" b="0">
-                <a:solidFill>
-                  <a:schemeClr val="tx1"/>
-                </a:solidFill>
-              </a:defRPr>
-            </a:lvl1pPr>
-          </a:lstStyle>
-          <a:p>
             <a:r>
               <a:rPr lang="de-DE" smtClean="0"/>
               <a:t>Click to edit Master title style</a:t>
             </a:r>
-            <a:endParaRPr/>
-          </a:p>
-        </p:txBody>
-      </p:sp>
-      <p:sp>
-        <p:nvSpPr>
-          <p:cNvPr id="4" name="Text Placeholder 3"/>
-          <p:cNvSpPr>
-            <a:spLocks noGrp="1"/>
-          </p:cNvSpPr>
-          <p:nvPr>
-            <p:ph type="body" sz="half" idx="2"/>
-          </p:nvPr>
-        </p:nvSpPr>
-        <p:spPr>
-          <a:xfrm>
-            <a:off x="5051425" y="2649070"/>
-            <a:ext cx="3635375" cy="3505667"/>
-          </a:xfrm>
-        </p:spPr>
-        <p:txBody>
-          <a:bodyPr>
-            <a:normAutofit/>
-          </a:bodyPr>
-          <a:lstStyle>
-            <a:lvl1pPr marL="0" indent="0">
-              <a:spcBef>
-                <a:spcPts val="600"/>
-              </a:spcBef>
-              <a:buNone/>
-              <a:defRPr sz="2000">
-                <a:solidFill>
-                  <a:schemeClr val="tx1">
-                    <a:lumMod val="65000"/>
-                    <a:lumOff val="35000"/>
-                  </a:schemeClr>
-                </a:solidFill>
-              </a:defRPr>
-            </a:lvl1pPr>
-            <a:lvl2pPr marL="457200" indent="0">
-              <a:buNone/>
-              <a:defRPr sz="1200"/>
-            </a:lvl2pPr>
-            <a:lvl3pPr marL="914400" indent="0">
-              <a:buNone/>
-              <a:defRPr sz="1000"/>
-            </a:lvl3pPr>
-            <a:lvl4pPr marL="1371600" indent="0">
-              <a:buNone/>
-              <a:defRPr sz="900"/>
-            </a:lvl4pPr>
-            <a:lvl5pPr marL="1828800" indent="0">
-              <a:buNone/>
-              <a:defRPr sz="900"/>
-            </a:lvl5pPr>
-            <a:lvl6pPr marL="2286000" indent="0">
-              <a:buNone/>
-              <a:defRPr sz="900"/>
-            </a:lvl6pPr>
-            <a:lvl7pPr marL="2743200" indent="0">
-              <a:buNone/>
-              <a:defRPr sz="900"/>
-            </a:lvl7pPr>
-            <a:lvl8pPr marL="3200400" indent="0">
-              <a:buNone/>
-              <a:defRPr sz="900"/>
-            </a:lvl8pPr>
-            <a:lvl9pPr marL="3657600" indent="0">
-              <a:buNone/>
-              <a:defRPr sz="900"/>
-            </a:lvl9pPr>
-          </a:lstStyle>
-          <a:p>
-            <a:pPr lvl="0"/>
-            <a:r>
-              <a:rPr lang="de-DE" smtClean="0"/>
-              <a:t>Click to edit Master text styles</a:t>
-            </a:r>
-          </a:p>
-        </p:txBody>
-      </p:sp>
-      <p:sp>
-        <p:nvSpPr>
-          <p:cNvPr id="5" name="Date Placeholder 4"/>
-          <p:cNvSpPr>
-            <a:spLocks noGrp="1"/>
-          </p:cNvSpPr>
-          <p:nvPr>
-            <p:ph type="dt" sz="half" idx="10"/>
-          </p:nvPr>
-        </p:nvSpPr>
-        <p:spPr/>
-        <p:txBody>
-          <a:bodyPr/>
-          <a:lstStyle>
-            <a:lvl1pPr>
-              <a:defRPr>
-                <a:solidFill>
-                  <a:schemeClr val="bg1"/>
-                </a:solidFill>
-              </a:defRPr>
-            </a:lvl1pPr>
-          </a:lstStyle>
-          <a:p>
-            <a:fld id="{2DF339BC-6F24-024F-B7C9-92814ECFBE50}" type="datetimeFigureOut">
-              <a:rPr lang="en-US" smtClean="0"/>
-              <a:t>27/07/15</a:t>
-            </a:fld>
-            <a:endParaRPr lang="en-US"/>
-          </a:p>
-        </p:txBody>
-      </p:sp>
-      <p:sp>
-        <p:nvSpPr>
-          <p:cNvPr id="6" name="Footer Placeholder 5"/>
-          <p:cNvSpPr>
-            <a:spLocks noGrp="1"/>
-          </p:cNvSpPr>
-          <p:nvPr>
-            <p:ph type="ftr" sz="quarter" idx="11"/>
-          </p:nvPr>
-        </p:nvSpPr>
-        <p:spPr/>
-        <p:txBody>
-          <a:bodyPr/>
-          <a:lstStyle/>
-          <a:p>
-            <a:endParaRPr lang="en-US"/>
-          </a:p>
-        </p:txBody>
-      </p:sp>
-      <p:sp>
-        <p:nvSpPr>
-          <p:cNvPr id="7" name="Slide Number Placeholder 6"/>
-          <p:cNvSpPr>
-            <a:spLocks noGrp="1"/>
-          </p:cNvSpPr>
-          <p:nvPr>
-            <p:ph type="sldNum" sz="quarter" idx="12"/>
-          </p:nvPr>
-        </p:nvSpPr>
-        <p:spPr/>
-        <p:txBody>
-          <a:bodyPr/>
-          <a:lstStyle/>
-          <a:p>
-            <a:fld id="{06470FF4-9DCD-3648-9EA5-775956410620}" type="slidenum">
-              <a:rPr lang="en-US" smtClean="0"/>
-              <a:t>‹#›</a:t>
-            </a:fld>
-            <a:endParaRPr lang="en-US"/>
-          </a:p>
-        </p:txBody>
-      </p:sp>
-      <p:sp>
-        <p:nvSpPr>
-          <p:cNvPr id="9" name="Picture Placeholder 8"/>
-          <p:cNvSpPr>
-            <a:spLocks noGrp="1"/>
-          </p:cNvSpPr>
-          <p:nvPr>
-            <p:ph type="pic" sz="quarter" idx="13"/>
-          </p:nvPr>
-        </p:nvSpPr>
-        <p:spPr>
-          <a:xfrm>
-            <a:off x="990600" y="2590800"/>
-            <a:ext cx="3505200" cy="3505200"/>
-          </a:xfrm>
-          <a:prstGeom prst="ellipse">
-            <a:avLst/>
-          </a:prstGeom>
-          <a:ln w="28575">
-            <a:solidFill>
-              <a:schemeClr val="accent1"/>
-            </a:solidFill>
-          </a:ln>
-        </p:spPr>
-        <p:txBody>
-          <a:bodyPr/>
-          <a:lstStyle>
-            <a:lvl1pPr marL="0" indent="0">
-              <a:buNone/>
-              <a:defRPr>
-                <a:solidFill>
-                  <a:schemeClr val="bg1"/>
-                </a:solidFill>
-              </a:defRPr>
-            </a:lvl1pPr>
-          </a:lstStyle>
-          <a:p>
-            <a:r>
-              <a:rPr lang="de-DE" smtClean="0"/>
-              <a:t>Drag picture to placeholder or click icon to add</a:t>
-            </a:r>
-            <a:endParaRPr/>
-          </a:p>
-        </p:txBody>
-      </p:sp>
-      <p:sp>
-        <p:nvSpPr>
-          <p:cNvPr id="8" name="Picture Placeholder 8"/>
-          <p:cNvSpPr>
-            <a:spLocks noGrp="1"/>
-          </p:cNvSpPr>
-          <p:nvPr>
-            <p:ph type="pic" sz="quarter" idx="14"/>
-          </p:nvPr>
-        </p:nvSpPr>
-        <p:spPr>
-          <a:xfrm>
-            <a:off x="2479675" y="1260475"/>
-            <a:ext cx="1254125" cy="1254125"/>
-          </a:xfrm>
-          <a:prstGeom prst="ellipse">
-            <a:avLst/>
-          </a:prstGeom>
-          <a:ln w="28575">
-            <a:solidFill>
-              <a:schemeClr val="accent1"/>
-            </a:solidFill>
-          </a:ln>
-        </p:spPr>
-        <p:txBody>
-          <a:bodyPr>
-            <a:normAutofit/>
-          </a:bodyPr>
-          <a:lstStyle>
-            <a:lvl1pPr marL="0" indent="0">
-              <a:buNone/>
-              <a:defRPr sz="1400">
-                <a:solidFill>
-                  <a:schemeClr val="bg1"/>
-                </a:solidFill>
-              </a:defRPr>
-            </a:lvl1pPr>
-          </a:lstStyle>
-          <a:p>
-            <a:r>
-              <a:rPr lang="de-DE" smtClean="0"/>
-              <a:t>Drag picture to placeholder or click icon to add</a:t>
-            </a:r>
-            <a:endParaRPr/>
-          </a:p>
-        </p:txBody>
-      </p:sp>
-      <p:sp>
-        <p:nvSpPr>
-          <p:cNvPr id="10" name="Picture Placeholder 8"/>
-          <p:cNvSpPr>
-            <a:spLocks noGrp="1"/>
-          </p:cNvSpPr>
-          <p:nvPr>
-            <p:ph type="pic" sz="quarter" idx="15"/>
-          </p:nvPr>
-        </p:nvSpPr>
-        <p:spPr>
-          <a:xfrm>
-            <a:off x="269875" y="762000"/>
-            <a:ext cx="2092325" cy="2092325"/>
-          </a:xfrm>
-          <a:prstGeom prst="ellipse">
-            <a:avLst/>
-          </a:prstGeom>
-          <a:ln w="28575">
-            <a:solidFill>
-              <a:schemeClr val="accent1"/>
-            </a:solidFill>
-          </a:ln>
-        </p:spPr>
-        <p:txBody>
-          <a:bodyPr>
-            <a:normAutofit/>
-          </a:bodyPr>
-          <a:lstStyle>
-            <a:lvl1pPr marL="0" indent="0">
-              <a:buNone/>
-              <a:defRPr sz="1800">
-                <a:solidFill>
-                  <a:schemeClr val="bg1"/>
-                </a:solidFill>
-              </a:defRPr>
-            </a:lvl1pPr>
-          </a:lstStyle>
-          <a:p>
-            <a:r>
-              <a:rPr lang="de-DE" smtClean="0"/>
-              <a:t>Drag picture to placeholder or click icon to add</a:t>
-            </a:r>
-            <a:endParaRPr/>
-          </a:p>
-        </p:txBody>
-      </p:sp>
-    </p:spTree>
-  </p:cSld>
-  <p:clrMapOvr>
-    <a:masterClrMapping/>
-  </p:clrMapOvr>
-</p:sldLayout>
-</file>
-
-<file path=ppt/slideLayouts/slideLayout14.xml><?xml version="1.0" encoding="utf-8"?>
-<p:sldLayout xmlns:a="http://schemas.openxmlformats.org/drawingml/2006/main" xmlns:r="http://schemas.openxmlformats.org/officeDocument/2006/relationships" xmlns:p="http://schemas.openxmlformats.org/presentationml/2006/main" type="vertTx" preserve="1">
-  <p:cSld name="Title and Vertical Text">
-    <p:spTree>
-      <p:nvGrpSpPr>
-        <p:cNvPr id="1" name=""/>
-        <p:cNvGrpSpPr/>
-        <p:nvPr/>
-      </p:nvGrpSpPr>
-      <p:grpSpPr>
-        <a:xfrm>
-          <a:off x="0" y="0"/>
-          <a:ext cx="0" cy="0"/>
-          <a:chOff x="0" y="0"/>
-          <a:chExt cx="0" cy="0"/>
-        </a:xfrm>
-      </p:grpSpPr>
-      <p:sp>
-        <p:nvSpPr>
-          <p:cNvPr id="2" name="Title 1"/>
-          <p:cNvSpPr>
-            <a:spLocks noGrp="1"/>
-          </p:cNvSpPr>
-          <p:nvPr>
-            <p:ph type="title"/>
-          </p:nvPr>
-        </p:nvSpPr>
-        <p:spPr/>
-        <p:txBody>
-          <a:bodyPr/>
-          <a:lstStyle/>
-          <a:p>
-            <a:r>
-              <a:rPr lang="de-DE" smtClean="0"/>
-              <a:t>Click to edit Master title style</a:t>
-            </a:r>
-            <a:endParaRPr/>
-          </a:p>
-        </p:txBody>
-      </p:sp>
-      <p:sp>
-        <p:nvSpPr>
-          <p:cNvPr id="3" name="Vertical Text Placeholder 2"/>
-          <p:cNvSpPr>
-            <a:spLocks noGrp="1"/>
-          </p:cNvSpPr>
-          <p:nvPr>
-            <p:ph type="body" orient="vert" idx="1"/>
-          </p:nvPr>
-        </p:nvSpPr>
-        <p:spPr>
-          <a:xfrm>
-            <a:off x="457200" y="2568388"/>
-            <a:ext cx="8228013" cy="3468875"/>
-          </a:xfrm>
-        </p:spPr>
-        <p:txBody>
-          <a:bodyPr vert="eaVert"/>
-          <a:lstStyle>
-            <a:lvl5pPr>
-              <a:defRPr/>
-            </a:lvl5pPr>
-            <a:lvl6pPr marL="1719072">
-              <a:defRPr/>
-            </a:lvl6pPr>
-            <a:lvl7pPr marL="1719072">
-              <a:defRPr/>
-            </a:lvl7pPr>
-            <a:lvl8pPr marL="1719072">
-              <a:defRPr/>
-            </a:lvl8pPr>
-            <a:lvl9pPr marL="1719072">
-              <a:defRPr/>
-            </a:lvl9pPr>
-          </a:lstStyle>
-          <a:p>
-            <a:pPr lvl="0"/>
-            <a:r>
-              <a:rPr lang="de-DE" smtClean="0"/>
-              <a:t>Click to edit Master text styles</a:t>
-            </a:r>
-          </a:p>
-          <a:p>
-            <a:pPr lvl="1"/>
-            <a:r>
-              <a:rPr lang="de-DE" smtClean="0"/>
-              <a:t>Second level</a:t>
-            </a:r>
-          </a:p>
-          <a:p>
-            <a:pPr lvl="2"/>
-            <a:r>
-              <a:rPr lang="de-DE" smtClean="0"/>
-              <a:t>Third level</a:t>
-            </a:r>
-          </a:p>
-          <a:p>
-            <a:pPr lvl="3"/>
-            <a:r>
-              <a:rPr lang="de-DE" smtClean="0"/>
-              <a:t>Fourth level</a:t>
-            </a:r>
-          </a:p>
-          <a:p>
-            <a:pPr lvl="4"/>
-            <a:r>
-              <a:rPr lang="de-DE" smtClean="0"/>
-              <a:t>Fifth level</a:t>
-            </a:r>
-            <a:endParaRPr dirty="0"/>
-          </a:p>
-        </p:txBody>
-      </p:sp>
-      <p:sp>
-        <p:nvSpPr>
-          <p:cNvPr id="4" name="Date Placeholder 3"/>
-          <p:cNvSpPr>
-            <a:spLocks noGrp="1"/>
-          </p:cNvSpPr>
-          <p:nvPr>
-            <p:ph type="dt" sz="half" idx="10"/>
-          </p:nvPr>
-        </p:nvSpPr>
-        <p:spPr/>
-        <p:txBody>
-          <a:bodyPr/>
-          <a:lstStyle/>
-          <a:p>
-            <a:fld id="{2DF339BC-6F24-024F-B7C9-92814ECFBE50}" type="datetimeFigureOut">
-              <a:rPr lang="en-US" smtClean="0"/>
-              <a:t>27/07/15</a:t>
-            </a:fld>
-            <a:endParaRPr lang="en-US"/>
-          </a:p>
-        </p:txBody>
-      </p:sp>
-      <p:sp>
-        <p:nvSpPr>
-          <p:cNvPr id="5" name="Footer Placeholder 4"/>
-          <p:cNvSpPr>
-            <a:spLocks noGrp="1"/>
-          </p:cNvSpPr>
-          <p:nvPr>
-            <p:ph type="ftr" sz="quarter" idx="11"/>
-          </p:nvPr>
-        </p:nvSpPr>
-        <p:spPr/>
-        <p:txBody>
-          <a:bodyPr/>
-          <a:lstStyle/>
-          <a:p>
-            <a:endParaRPr lang="en-US"/>
-          </a:p>
-        </p:txBody>
-      </p:sp>
-      <p:sp>
-        <p:nvSpPr>
-          <p:cNvPr id="6" name="Slide Number Placeholder 5"/>
-          <p:cNvSpPr>
-            <a:spLocks noGrp="1"/>
-          </p:cNvSpPr>
-          <p:nvPr>
-            <p:ph type="sldNum" sz="quarter" idx="12"/>
-          </p:nvPr>
-        </p:nvSpPr>
-        <p:spPr/>
-        <p:txBody>
-          <a:bodyPr/>
-          <a:lstStyle/>
-          <a:p>
-            <a:fld id="{06470FF4-9DCD-3648-9EA5-775956410620}" type="slidenum">
-              <a:rPr lang="en-US" smtClean="0"/>
-              <a:t>‹#›</a:t>
-            </a:fld>
-            <a:endParaRPr lang="en-US"/>
-          </a:p>
-        </p:txBody>
-      </p:sp>
-    </p:spTree>
-  </p:cSld>
-  <p:clrMapOvr>
-    <a:masterClrMapping/>
-  </p:clrMapOvr>
-</p:sldLayout>
-</file>
-
-<file path=ppt/slideLayouts/slideLayout15.xml><?xml version="1.0" encoding="utf-8"?>
-<p:sldLayout xmlns:a="http://schemas.openxmlformats.org/drawingml/2006/main" xmlns:r="http://schemas.openxmlformats.org/officeDocument/2006/relationships" xmlns:p="http://schemas.openxmlformats.org/presentationml/2006/main" type="vertTitleAndTx" preserve="1">
-  <p:cSld name="Vertical Title and Text">
-    <p:bg>
-      <p:bgPr>
-        <a:blipFill dpi="0" rotWithShape="1">
-          <a:blip r:embed="rId2">
-            <a:lum/>
-          </a:blip>
-          <a:srcRect/>
-          <a:stretch>
-            <a:fillRect/>
-          </a:stretch>
-        </a:blipFill>
-        <a:effectLst/>
-      </p:bgPr>
-    </p:bg>
-    <p:spTree>
-      <p:nvGrpSpPr>
-        <p:cNvPr id="1" name=""/>
-        <p:cNvGrpSpPr/>
-        <p:nvPr/>
-      </p:nvGrpSpPr>
-      <p:grpSpPr>
-        <a:xfrm>
-          <a:off x="0" y="0"/>
-          <a:ext cx="0" cy="0"/>
-          <a:chOff x="0" y="0"/>
-          <a:chExt cx="0" cy="0"/>
-        </a:xfrm>
-      </p:grpSpPr>
-      <p:sp>
-        <p:nvSpPr>
-          <p:cNvPr id="2" name="Vertical Title 1"/>
-          <p:cNvSpPr>
-            <a:spLocks noGrp="1"/>
-          </p:cNvSpPr>
-          <p:nvPr>
-            <p:ph type="title" orient="vert"/>
-          </p:nvPr>
-        </p:nvSpPr>
-        <p:spPr>
-          <a:xfrm>
-            <a:off x="7086600" y="274638"/>
-            <a:ext cx="1524000" cy="5851525"/>
-          </a:xfrm>
-        </p:spPr>
-        <p:txBody>
-          <a:bodyPr vert="eaVert" anchor="t" anchorCtr="0"/>
-          <a:lstStyle/>
-          <a:p>
-            <a:r>
-              <a:rPr lang="de-DE" smtClean="0"/>
-              <a:t>Click to edit Master title style</a:t>
-            </a:r>
-            <a:endParaRPr/>
-          </a:p>
-        </p:txBody>
-      </p:sp>
-      <p:sp>
-        <p:nvSpPr>
-          <p:cNvPr id="3" name="Vertical Text Placeholder 2"/>
-          <p:cNvSpPr>
-            <a:spLocks noGrp="1"/>
-          </p:cNvSpPr>
-          <p:nvPr>
-            <p:ph type="body" orient="vert" idx="1"/>
-          </p:nvPr>
-        </p:nvSpPr>
-        <p:spPr>
-          <a:xfrm>
-            <a:off x="457200" y="416859"/>
-            <a:ext cx="6019800" cy="5615642"/>
-          </a:xfrm>
-        </p:spPr>
-        <p:txBody>
-          <a:bodyPr vert="eaVert"/>
-          <a:lstStyle>
-            <a:lvl5pPr>
-              <a:defRPr/>
-            </a:lvl5pPr>
-          </a:lstStyle>
-          <a:p>
-            <a:pPr lvl="0"/>
-            <a:r>
-              <a:rPr lang="de-DE" smtClean="0"/>
-              <a:t>Click to edit Master text styles</a:t>
-            </a:r>
-          </a:p>
-          <a:p>
-            <a:pPr lvl="1"/>
-            <a:r>
-              <a:rPr lang="de-DE" smtClean="0"/>
-              <a:t>Second level</a:t>
-            </a:r>
-          </a:p>
-          <a:p>
-            <a:pPr lvl="2"/>
-            <a:r>
-              <a:rPr lang="de-DE" smtClean="0"/>
-              <a:t>Third level</a:t>
-            </a:r>
-          </a:p>
-          <a:p>
-            <a:pPr lvl="3"/>
-            <a:r>
-              <a:rPr lang="de-DE" smtClean="0"/>
-              <a:t>Fourth level</a:t>
-            </a:r>
-          </a:p>
-          <a:p>
-            <a:pPr lvl="4"/>
-            <a:r>
-              <a:rPr lang="de-DE" smtClean="0"/>
-              <a:t>Fifth level</a:t>
-            </a:r>
-            <a:endParaRPr dirty="0"/>
-          </a:p>
-        </p:txBody>
-      </p:sp>
-      <p:sp>
-        <p:nvSpPr>
-          <p:cNvPr id="4" name="Date Placeholder 3"/>
-          <p:cNvSpPr>
-            <a:spLocks noGrp="1"/>
-          </p:cNvSpPr>
-          <p:nvPr>
-            <p:ph type="dt" sz="half" idx="10"/>
-          </p:nvPr>
-        </p:nvSpPr>
-        <p:spPr/>
-        <p:txBody>
-          <a:bodyPr/>
-          <a:lstStyle/>
-          <a:p>
-            <a:fld id="{2DF339BC-6F24-024F-B7C9-92814ECFBE50}" type="datetimeFigureOut">
-              <a:rPr lang="en-US" smtClean="0"/>
-              <a:t>27/07/15</a:t>
-            </a:fld>
-            <a:endParaRPr lang="en-US"/>
-          </a:p>
-        </p:txBody>
-      </p:sp>
-      <p:sp>
-        <p:nvSpPr>
-          <p:cNvPr id="5" name="Footer Placeholder 4"/>
-          <p:cNvSpPr>
-            <a:spLocks noGrp="1"/>
-          </p:cNvSpPr>
-          <p:nvPr>
-            <p:ph type="ftr" sz="quarter" idx="11"/>
-          </p:nvPr>
-        </p:nvSpPr>
-        <p:spPr/>
-        <p:txBody>
-          <a:bodyPr/>
-          <a:lstStyle/>
-          <a:p>
-            <a:endParaRPr lang="en-US"/>
-          </a:p>
-        </p:txBody>
-      </p:sp>
-      <p:sp>
-        <p:nvSpPr>
-          <p:cNvPr id="6" name="Slide Number Placeholder 5"/>
-          <p:cNvSpPr>
-            <a:spLocks noGrp="1"/>
-          </p:cNvSpPr>
-          <p:nvPr>
-            <p:ph type="sldNum" sz="quarter" idx="12"/>
-          </p:nvPr>
-        </p:nvSpPr>
-        <p:spPr/>
-        <p:txBody>
-          <a:bodyPr/>
-          <a:lstStyle/>
-          <a:p>
-            <a:fld id="{06470FF4-9DCD-3648-9EA5-775956410620}" type="slidenum">
-              <a:rPr lang="en-US" smtClean="0"/>
-              <a:t>‹#›</a:t>
-            </a:fld>
-            <a:endParaRPr lang="en-US"/>
-          </a:p>
-        </p:txBody>
-      </p:sp>
-    </p:spTree>
-  </p:cSld>
-  <p:clrMapOvr>
-    <a:masterClrMapping/>
-  </p:clrMapOvr>
-</p:sldLayout>
-</file>
-
-<file path=ppt/slideLayouts/slideLayout16.xml><?xml version="1.0" encoding="utf-8"?>
-<p:sldLayout xmlns:a="http://schemas.openxmlformats.org/drawingml/2006/main" xmlns:r="http://schemas.openxmlformats.org/officeDocument/2006/relationships" xmlns:p="http://schemas.openxmlformats.org/presentationml/2006/main" preserve="1">
-  <p:cSld name="Closing">
-    <p:bg>
-      <p:bgPr>
-        <a:blipFill dpi="0" rotWithShape="1">
-          <a:blip r:embed="rId2">
-            <a:lum/>
-          </a:blip>
-          <a:srcRect/>
-          <a:stretch>
-            <a:fillRect/>
-          </a:stretch>
-        </a:blipFill>
-        <a:effectLst/>
-      </p:bgPr>
-    </p:bg>
-    <p:spTree>
-      <p:nvGrpSpPr>
-        <p:cNvPr id="1" name=""/>
-        <p:cNvGrpSpPr/>
-        <p:nvPr/>
-      </p:nvGrpSpPr>
-      <p:grpSpPr>
-        <a:xfrm>
-          <a:off x="0" y="0"/>
-          <a:ext cx="0" cy="0"/>
-          <a:chOff x="0" y="0"/>
-          <a:chExt cx="0" cy="0"/>
-        </a:xfrm>
-      </p:grpSpPr>
-      <p:sp>
-        <p:nvSpPr>
-          <p:cNvPr id="3" name="Date Placeholder 2"/>
-          <p:cNvSpPr>
-            <a:spLocks noGrp="1"/>
-          </p:cNvSpPr>
-          <p:nvPr>
-            <p:ph type="dt" sz="half" idx="10"/>
-          </p:nvPr>
-        </p:nvSpPr>
-        <p:spPr/>
-        <p:txBody>
-          <a:bodyPr/>
-          <a:lstStyle/>
-          <a:p>
-            <a:fld id="{2DF339BC-6F24-024F-B7C9-92814ECFBE50}" type="datetimeFigureOut">
-              <a:rPr lang="en-US" smtClean="0"/>
-              <a:t>27/07/15</a:t>
-            </a:fld>
-            <a:endParaRPr lang="en-US"/>
-          </a:p>
-        </p:txBody>
-      </p:sp>
-      <p:sp>
-        <p:nvSpPr>
-          <p:cNvPr id="4" name="Footer Placeholder 3"/>
-          <p:cNvSpPr>
-            <a:spLocks noGrp="1"/>
-          </p:cNvSpPr>
-          <p:nvPr>
-            <p:ph type="ftr" sz="quarter" idx="11"/>
-          </p:nvPr>
-        </p:nvSpPr>
-        <p:spPr/>
-        <p:txBody>
-          <a:bodyPr/>
-          <a:lstStyle/>
-          <a:p>
-            <a:endParaRPr lang="en-US"/>
-          </a:p>
-        </p:txBody>
-      </p:sp>
-      <p:sp>
-        <p:nvSpPr>
-          <p:cNvPr id="5" name="Slide Number Placeholder 4"/>
-          <p:cNvSpPr>
-            <a:spLocks noGrp="1"/>
-          </p:cNvSpPr>
-          <p:nvPr>
-            <p:ph type="sldNum" sz="quarter" idx="12"/>
-          </p:nvPr>
-        </p:nvSpPr>
-        <p:spPr/>
-        <p:txBody>
-          <a:bodyPr/>
-          <a:lstStyle/>
-          <a:p>
-            <a:fld id="{06470FF4-9DCD-3648-9EA5-775956410620}" type="slidenum">
-              <a:rPr lang="en-US" smtClean="0"/>
-              <a:t>‹#›</a:t>
-            </a:fld>
-            <a:endParaRPr lang="en-US"/>
-          </a:p>
-        </p:txBody>
-      </p:sp>
-    </p:spTree>
-  </p:cSld>
-  <p:clrMapOvr>
-    <a:overrideClrMapping bg1="lt1" tx1="dk1" bg2="lt2" tx2="dk2" accent1="accent1" accent2="accent2" accent3="accent3" accent4="accent4" accent5="accent5" accent6="accent6" hlink="hlink" folHlink="folHlink"/>
-  </p:clrMapOvr>
-</p:sldLayout>
-</file>
-
-<file path=ppt/slideLayouts/slideLayout2.xml><?xml version="1.0" encoding="utf-8"?>
-<p:sldLayout xmlns:a="http://schemas.openxmlformats.org/drawingml/2006/main" xmlns:r="http://schemas.openxmlformats.org/officeDocument/2006/relationships" xmlns:p="http://schemas.openxmlformats.org/presentationml/2006/main" type="obj" preserve="1">
-  <p:cSld name="Title and Content">
-    <p:spTree>
-      <p:nvGrpSpPr>
-        <p:cNvPr id="1" name=""/>
-        <p:cNvGrpSpPr/>
-        <p:nvPr/>
-      </p:nvGrpSpPr>
-      <p:grpSpPr>
-        <a:xfrm>
-          <a:off x="0" y="0"/>
-          <a:ext cx="0" cy="0"/>
-          <a:chOff x="0" y="0"/>
-          <a:chExt cx="0" cy="0"/>
-        </a:xfrm>
-      </p:grpSpPr>
-      <p:sp>
-        <p:nvSpPr>
-          <p:cNvPr id="2" name="Title 1"/>
-          <p:cNvSpPr>
-            <a:spLocks noGrp="1"/>
-          </p:cNvSpPr>
-          <p:nvPr>
-            <p:ph type="title"/>
-          </p:nvPr>
-        </p:nvSpPr>
-        <p:spPr/>
-        <p:txBody>
-          <a:bodyPr/>
-          <a:lstStyle/>
-          <a:p>
-            <a:r>
-              <a:rPr lang="de-DE" smtClean="0"/>
-              <a:t>Click to edit Master title style</a:t>
-            </a:r>
-            <a:endParaRPr/>
-          </a:p>
-        </p:txBody>
-      </p:sp>
-      <p:sp>
-        <p:nvSpPr>
-          <p:cNvPr id="3" name="Content Placeholder 2"/>
-          <p:cNvSpPr>
-            <a:spLocks noGrp="1"/>
-          </p:cNvSpPr>
-          <p:nvPr>
-            <p:ph idx="1"/>
-          </p:nvPr>
-        </p:nvSpPr>
-        <p:spPr/>
-        <p:txBody>
-          <a:bodyPr/>
-          <a:lstStyle>
-            <a:lvl5pPr>
-              <a:defRPr/>
-            </a:lvl5pPr>
-          </a:lstStyle>
-          <a:p>
-            <a:pPr lvl="0"/>
-            <a:r>
-              <a:rPr lang="de-DE" smtClean="0"/>
-              <a:t>Click to edit Master text styles</a:t>
-            </a:r>
-          </a:p>
-          <a:p>
-            <a:pPr lvl="1"/>
-            <a:r>
-              <a:rPr lang="de-DE" smtClean="0"/>
-              <a:t>Second level</a:t>
-            </a:r>
-          </a:p>
-          <a:p>
-            <a:pPr lvl="2"/>
-            <a:r>
-              <a:rPr lang="de-DE" smtClean="0"/>
-              <a:t>Third level</a:t>
-            </a:r>
-          </a:p>
-          <a:p>
-            <a:pPr lvl="3"/>
-            <a:r>
-              <a:rPr lang="de-DE" smtClean="0"/>
-              <a:t>Fourth level</a:t>
-            </a:r>
-          </a:p>
-          <a:p>
-            <a:pPr lvl="4"/>
-            <a:r>
-              <a:rPr lang="de-DE" smtClean="0"/>
-              <a:t>Fifth level</a:t>
-            </a:r>
-            <a:endParaRPr dirty="0"/>
-          </a:p>
-        </p:txBody>
-      </p:sp>
-      <p:sp>
-        <p:nvSpPr>
-          <p:cNvPr id="4" name="Date Placeholder 3"/>
-          <p:cNvSpPr>
-            <a:spLocks noGrp="1"/>
-          </p:cNvSpPr>
-          <p:nvPr>
-            <p:ph type="dt" sz="half" idx="10"/>
-          </p:nvPr>
-        </p:nvSpPr>
-        <p:spPr/>
-        <p:txBody>
-          <a:bodyPr/>
-          <a:lstStyle/>
-          <a:p>
-            <a:fld id="{2DF339BC-6F24-024F-B7C9-92814ECFBE50}" type="datetimeFigureOut">
-              <a:rPr lang="en-US" smtClean="0"/>
-              <a:t>27/07/15</a:t>
-            </a:fld>
-            <a:endParaRPr lang="en-US"/>
-          </a:p>
-        </p:txBody>
-      </p:sp>
-      <p:sp>
-        <p:nvSpPr>
-          <p:cNvPr id="5" name="Footer Placeholder 4"/>
-          <p:cNvSpPr>
-            <a:spLocks noGrp="1"/>
-          </p:cNvSpPr>
-          <p:nvPr>
-            <p:ph type="ftr" sz="quarter" idx="11"/>
-          </p:nvPr>
-        </p:nvSpPr>
-        <p:spPr/>
-        <p:txBody>
-          <a:bodyPr/>
-          <a:lstStyle/>
-          <a:p>
-            <a:endParaRPr lang="en-US"/>
-          </a:p>
-        </p:txBody>
-      </p:sp>
-      <p:sp>
-        <p:nvSpPr>
-          <p:cNvPr id="6" name="Slide Number Placeholder 5"/>
-          <p:cNvSpPr>
-            <a:spLocks noGrp="1"/>
-          </p:cNvSpPr>
-          <p:nvPr>
-            <p:ph type="sldNum" sz="quarter" idx="12"/>
-          </p:nvPr>
-        </p:nvSpPr>
-        <p:spPr/>
-        <p:txBody>
-          <a:bodyPr/>
-          <a:lstStyle/>
-          <a:p>
-            <a:fld id="{06470FF4-9DCD-3648-9EA5-775956410620}" type="slidenum">
-              <a:rPr lang="en-US" smtClean="0"/>
-              <a:t>‹#›</a:t>
-            </a:fld>
-            <a:endParaRPr lang="en-US"/>
-          </a:p>
-        </p:txBody>
-      </p:sp>
-    </p:spTree>
-  </p:cSld>
-  <p:clrMapOvr>
-    <a:masterClrMapping/>
-  </p:clrMapOvr>
-</p:sldLayout>
-</file>
-
-<file path=ppt/slideLayouts/slideLayout3.xml><?xml version="1.0" encoding="utf-8"?>
-<p:sldLayout xmlns:a="http://schemas.openxmlformats.org/drawingml/2006/main" xmlns:r="http://schemas.openxmlformats.org/officeDocument/2006/relationships" xmlns:p="http://schemas.openxmlformats.org/presentationml/2006/main" type="secHead" preserve="1">
-  <p:cSld name="Section Header">
-    <p:bg>
-      <p:bgPr>
-        <a:blipFill dpi="0" rotWithShape="1">
-          <a:blip r:embed="rId2">
-            <a:lum/>
-          </a:blip>
-          <a:srcRect/>
-          <a:stretch>
-            <a:fillRect/>
-          </a:stretch>
-        </a:blipFill>
-        <a:effectLst/>
-      </p:bgPr>
-    </p:bg>
-    <p:spTree>
-      <p:nvGrpSpPr>
-        <p:cNvPr id="1" name=""/>
-        <p:cNvGrpSpPr/>
-        <p:nvPr/>
-      </p:nvGrpSpPr>
-      <p:grpSpPr>
-        <a:xfrm>
-          <a:off x="0" y="0"/>
-          <a:ext cx="0" cy="0"/>
-          <a:chOff x="0" y="0"/>
-          <a:chExt cx="0" cy="0"/>
-        </a:xfrm>
-      </p:grpSpPr>
-      <p:sp>
-        <p:nvSpPr>
-          <p:cNvPr id="2" name="Title 1"/>
-          <p:cNvSpPr>
-            <a:spLocks noGrp="1"/>
-          </p:cNvSpPr>
-          <p:nvPr>
-            <p:ph type="title"/>
-          </p:nvPr>
-        </p:nvSpPr>
-        <p:spPr>
-          <a:xfrm>
-            <a:off x="457200" y="2236694"/>
-            <a:ext cx="6400800" cy="1362075"/>
-          </a:xfrm>
-        </p:spPr>
-        <p:txBody>
-          <a:bodyPr anchor="b" anchorCtr="0"/>
-          <a:lstStyle>
-            <a:lvl1pPr algn="r">
-              <a:defRPr sz="4600" b="0" cap="none" baseline="0"/>
-            </a:lvl1pPr>
-          </a:lstStyle>
-          <a:p>
-            <a:r>
-              <a:rPr lang="de-DE" smtClean="0"/>
-              <a:t>Click to edit Master title style</a:t>
-            </a:r>
-            <a:endParaRPr/>
+            <a:endParaRPr lang="en-US" dirty="0"/>
           </a:p>
         </p:txBody>
       </p:sp>
@@ -2675,21 +1415,22 @@
         </p:nvSpPr>
         <p:spPr>
           <a:xfrm>
-            <a:off x="1676399" y="3609695"/>
-            <a:ext cx="5181601" cy="1500187"/>
+            <a:off x="533400" y="4114800"/>
+            <a:ext cx="6383552" cy="1905000"/>
           </a:xfrm>
         </p:spPr>
         <p:txBody>
-          <a:bodyPr anchor="t" anchorCtr="0"/>
+          <a:bodyPr anchor="ctr">
+            <a:normAutofit/>
+          </a:bodyPr>
           <a:lstStyle>
-            <a:lvl1pPr marL="0" indent="0" algn="r">
-              <a:spcBef>
-                <a:spcPts val="300"/>
-              </a:spcBef>
+            <a:lvl1pPr marL="0" indent="0" algn="l">
               <a:buNone/>
-              <a:defRPr sz="1800" baseline="0">
+              <a:defRPr sz="1800">
                 <a:solidFill>
-                  <a:schemeClr val="bg1"/>
+                  <a:schemeClr val="bg2">
+                    <a:lumMod val="75000"/>
+                  </a:schemeClr>
                 </a:solidFill>
               </a:defRPr>
             </a:lvl1pPr>
@@ -2796,19 +1537,11 @@
         <p:spPr/>
         <p:txBody>
           <a:bodyPr/>
-          <a:lstStyle>
-            <a:lvl1pPr>
-              <a:defRPr>
-                <a:solidFill>
-                  <a:schemeClr val="bg1"/>
-                </a:solidFill>
-              </a:defRPr>
-            </a:lvl1pPr>
-          </a:lstStyle>
+          <a:lstStyle/>
           <a:p>
             <a:fld id="{2DF339BC-6F24-024F-B7C9-92814ECFBE50}" type="datetimeFigureOut">
               <a:rPr lang="en-US" smtClean="0"/>
-              <a:t>27/07/15</a:t>
+              <a:t>10/28/15</a:t>
             </a:fld>
             <a:endParaRPr lang="en-US"/>
           </a:p>
@@ -2824,12 +1557,7 @@
             <p:ph type="ftr" sz="quarter" idx="11"/>
           </p:nvPr>
         </p:nvSpPr>
-        <p:spPr>
-          <a:xfrm>
-            <a:off x="7238999" y="6356350"/>
-            <a:ext cx="1446213" cy="365125"/>
-          </a:xfrm>
-        </p:spPr>
+        <p:spPr/>
         <p:txBody>
           <a:bodyPr/>
           <a:lstStyle/>
@@ -2851,15 +1579,7 @@
         <p:spPr/>
         <p:txBody>
           <a:bodyPr/>
-          <a:lstStyle>
-            <a:lvl1pPr>
-              <a:defRPr>
-                <a:solidFill>
-                  <a:schemeClr val="bg1"/>
-                </a:solidFill>
-              </a:defRPr>
-            </a:lvl1pPr>
-          </a:lstStyle>
+          <a:lstStyle/>
           <a:p>
             <a:fld id="{06470FF4-9DCD-3648-9EA5-775956410620}" type="slidenum">
               <a:rPr lang="en-US" smtClean="0"/>
@@ -2869,41 +1589,2109 @@
           </a:p>
         </p:txBody>
       </p:sp>
+    </p:spTree>
+    <p:extLst>
+      <p:ext uri="{BB962C8B-B14F-4D97-AF65-F5344CB8AC3E}">
+        <p14:creationId xmlns:p14="http://schemas.microsoft.com/office/powerpoint/2010/main" val="433274496"/>
+      </p:ext>
+    </p:extLst>
+  </p:cSld>
+  <p:clrMapOvr>
+    <a:masterClrMapping/>
+  </p:clrMapOvr>
+</p:sldLayout>
+</file>
+
+<file path=ppt/slideLayouts/slideLayout12.xml><?xml version="1.0" encoding="utf-8"?>
+<p:sldLayout xmlns:a="http://schemas.openxmlformats.org/drawingml/2006/main" xmlns:r="http://schemas.openxmlformats.org/officeDocument/2006/relationships" xmlns:p="http://schemas.openxmlformats.org/presentationml/2006/main" preserve="1">
+  <p:cSld name="Quote with Caption">
+    <p:spTree>
+      <p:nvGrpSpPr>
+        <p:cNvPr id="1" name=""/>
+        <p:cNvGrpSpPr/>
+        <p:nvPr/>
+      </p:nvGrpSpPr>
+      <p:grpSpPr>
+        <a:xfrm>
+          <a:off x="0" y="0"/>
+          <a:ext cx="0" cy="0"/>
+          <a:chOff x="0" y="0"/>
+          <a:chExt cx="0" cy="0"/>
+        </a:xfrm>
+      </p:grpSpPr>
       <p:sp>
         <p:nvSpPr>
-          <p:cNvPr id="8" name="TextBox 7"/>
+          <p:cNvPr id="2" name="Title 1"/>
+          <p:cNvSpPr>
+            <a:spLocks noGrp="1"/>
+          </p:cNvSpPr>
+          <p:nvPr>
+            <p:ph type="title"/>
+          </p:nvPr>
+        </p:nvSpPr>
+        <p:spPr>
+          <a:xfrm>
+            <a:off x="856283" y="533400"/>
+            <a:ext cx="6859787" cy="2895600"/>
+          </a:xfrm>
+        </p:spPr>
+        <p:txBody>
+          <a:bodyPr anchor="ctr">
+            <a:normAutofit/>
+          </a:bodyPr>
+          <a:lstStyle>
+            <a:lvl1pPr algn="l">
+              <a:defRPr sz="2800" b="0" cap="all">
+                <a:solidFill>
+                  <a:schemeClr val="tx1"/>
+                </a:solidFill>
+              </a:defRPr>
+            </a:lvl1pPr>
+          </a:lstStyle>
+          <a:p>
+            <a:r>
+              <a:rPr lang="de-DE" smtClean="0"/>
+              <a:t>Click to edit Master title style</a:t>
+            </a:r>
+            <a:endParaRPr lang="en-US" dirty="0"/>
+          </a:p>
+        </p:txBody>
+      </p:sp>
+      <p:sp>
+        <p:nvSpPr>
+          <p:cNvPr id="10" name="Text Placeholder 9"/>
+          <p:cNvSpPr>
+            <a:spLocks noGrp="1"/>
+          </p:cNvSpPr>
+          <p:nvPr>
+            <p:ph type="body" sz="quarter" idx="13"/>
+          </p:nvPr>
+        </p:nvSpPr>
+        <p:spPr>
+          <a:xfrm>
+            <a:off x="1066800" y="3429000"/>
+            <a:ext cx="6402467" cy="482600"/>
+          </a:xfrm>
+        </p:spPr>
+        <p:txBody>
+          <a:bodyPr anchor="ctr"/>
+          <a:lstStyle>
+            <a:lvl1pPr marL="0" indent="0">
+              <a:buFontTx/>
+              <a:buNone/>
+              <a:defRPr/>
+            </a:lvl1pPr>
+            <a:lvl2pPr marL="457200" indent="0">
+              <a:buFontTx/>
+              <a:buNone/>
+              <a:defRPr/>
+            </a:lvl2pPr>
+            <a:lvl3pPr marL="914400" indent="0">
+              <a:buFontTx/>
+              <a:buNone/>
+              <a:defRPr/>
+            </a:lvl3pPr>
+            <a:lvl4pPr marL="1371600" indent="0">
+              <a:buFontTx/>
+              <a:buNone/>
+              <a:defRPr/>
+            </a:lvl4pPr>
+            <a:lvl5pPr marL="1828800" indent="0">
+              <a:buFontTx/>
+              <a:buNone/>
+              <a:defRPr/>
+            </a:lvl5pPr>
+          </a:lstStyle>
+          <a:p>
+            <a:pPr lvl="0"/>
+            <a:r>
+              <a:rPr lang="de-DE" smtClean="0"/>
+              <a:t>Click to edit Master text styles</a:t>
+            </a:r>
+          </a:p>
+        </p:txBody>
+      </p:sp>
+      <p:sp>
+        <p:nvSpPr>
+          <p:cNvPr id="3" name="Text Placeholder 2"/>
+          <p:cNvSpPr>
+            <a:spLocks noGrp="1"/>
+          </p:cNvSpPr>
+          <p:nvPr>
+            <p:ph type="body" idx="1"/>
+          </p:nvPr>
+        </p:nvSpPr>
+        <p:spPr>
+          <a:xfrm>
+            <a:off x="533400" y="4301070"/>
+            <a:ext cx="6382361" cy="1718730"/>
+          </a:xfrm>
+        </p:spPr>
+        <p:txBody>
+          <a:bodyPr anchor="ctr">
+            <a:normAutofit/>
+          </a:bodyPr>
+          <a:lstStyle>
+            <a:lvl1pPr marL="0" indent="0" algn="l">
+              <a:buNone/>
+              <a:defRPr sz="2000">
+                <a:solidFill>
+                  <a:schemeClr val="bg2">
+                    <a:lumMod val="75000"/>
+                  </a:schemeClr>
+                </a:solidFill>
+              </a:defRPr>
+            </a:lvl1pPr>
+            <a:lvl2pPr marL="457200" indent="0">
+              <a:buNone/>
+              <a:defRPr sz="1800">
+                <a:solidFill>
+                  <a:schemeClr val="tx1">
+                    <a:tint val="75000"/>
+                  </a:schemeClr>
+                </a:solidFill>
+              </a:defRPr>
+            </a:lvl2pPr>
+            <a:lvl3pPr marL="914400" indent="0">
+              <a:buNone/>
+              <a:defRPr sz="1600">
+                <a:solidFill>
+                  <a:schemeClr val="tx1">
+                    <a:tint val="75000"/>
+                  </a:schemeClr>
+                </a:solidFill>
+              </a:defRPr>
+            </a:lvl3pPr>
+            <a:lvl4pPr marL="1371600" indent="0">
+              <a:buNone/>
+              <a:defRPr sz="1400">
+                <a:solidFill>
+                  <a:schemeClr val="tx1">
+                    <a:tint val="75000"/>
+                  </a:schemeClr>
+                </a:solidFill>
+              </a:defRPr>
+            </a:lvl4pPr>
+            <a:lvl5pPr marL="1828800" indent="0">
+              <a:buNone/>
+              <a:defRPr sz="1400">
+                <a:solidFill>
+                  <a:schemeClr val="tx1">
+                    <a:tint val="75000"/>
+                  </a:schemeClr>
+                </a:solidFill>
+              </a:defRPr>
+            </a:lvl5pPr>
+            <a:lvl6pPr marL="2286000" indent="0">
+              <a:buNone/>
+              <a:defRPr sz="1400">
+                <a:solidFill>
+                  <a:schemeClr val="tx1">
+                    <a:tint val="75000"/>
+                  </a:schemeClr>
+                </a:solidFill>
+              </a:defRPr>
+            </a:lvl6pPr>
+            <a:lvl7pPr marL="2743200" indent="0">
+              <a:buNone/>
+              <a:defRPr sz="1400">
+                <a:solidFill>
+                  <a:schemeClr val="tx1">
+                    <a:tint val="75000"/>
+                  </a:schemeClr>
+                </a:solidFill>
+              </a:defRPr>
+            </a:lvl7pPr>
+            <a:lvl8pPr marL="3200400" indent="0">
+              <a:buNone/>
+              <a:defRPr sz="1400">
+                <a:solidFill>
+                  <a:schemeClr val="tx1">
+                    <a:tint val="75000"/>
+                  </a:schemeClr>
+                </a:solidFill>
+              </a:defRPr>
+            </a:lvl8pPr>
+            <a:lvl9pPr marL="3657600" indent="0">
+              <a:buNone/>
+              <a:defRPr sz="1400">
+                <a:solidFill>
+                  <a:schemeClr val="tx1">
+                    <a:tint val="75000"/>
+                  </a:schemeClr>
+                </a:solidFill>
+              </a:defRPr>
+            </a:lvl9pPr>
+          </a:lstStyle>
+          <a:p>
+            <a:pPr lvl="0"/>
+            <a:r>
+              <a:rPr lang="de-DE" smtClean="0"/>
+              <a:t>Click to edit Master text styles</a:t>
+            </a:r>
+          </a:p>
+        </p:txBody>
+      </p:sp>
+      <p:sp>
+        <p:nvSpPr>
+          <p:cNvPr id="4" name="Date Placeholder 3"/>
+          <p:cNvSpPr>
+            <a:spLocks noGrp="1"/>
+          </p:cNvSpPr>
+          <p:nvPr>
+            <p:ph type="dt" sz="half" idx="10"/>
+          </p:nvPr>
+        </p:nvSpPr>
+        <p:spPr/>
+        <p:txBody>
+          <a:bodyPr/>
+          <a:lstStyle/>
+          <a:p>
+            <a:fld id="{2DF339BC-6F24-024F-B7C9-92814ECFBE50}" type="datetimeFigureOut">
+              <a:rPr lang="en-US" smtClean="0"/>
+              <a:t>10/28/15</a:t>
+            </a:fld>
+            <a:endParaRPr lang="en-US"/>
+          </a:p>
+        </p:txBody>
+      </p:sp>
+      <p:sp>
+        <p:nvSpPr>
+          <p:cNvPr id="5" name="Footer Placeholder 4"/>
+          <p:cNvSpPr>
+            <a:spLocks noGrp="1"/>
+          </p:cNvSpPr>
+          <p:nvPr>
+            <p:ph type="ftr" sz="quarter" idx="11"/>
+          </p:nvPr>
+        </p:nvSpPr>
+        <p:spPr/>
+        <p:txBody>
+          <a:bodyPr/>
+          <a:lstStyle/>
+          <a:p>
+            <a:endParaRPr lang="en-US"/>
+          </a:p>
+        </p:txBody>
+      </p:sp>
+      <p:sp>
+        <p:nvSpPr>
+          <p:cNvPr id="6" name="Slide Number Placeholder 5"/>
+          <p:cNvSpPr>
+            <a:spLocks noGrp="1"/>
+          </p:cNvSpPr>
+          <p:nvPr>
+            <p:ph type="sldNum" sz="quarter" idx="12"/>
+          </p:nvPr>
+        </p:nvSpPr>
+        <p:spPr/>
+        <p:txBody>
+          <a:bodyPr/>
+          <a:lstStyle/>
+          <a:p>
+            <a:fld id="{06470FF4-9DCD-3648-9EA5-775956410620}" type="slidenum">
+              <a:rPr lang="en-US" smtClean="0"/>
+              <a:t>‹#›</a:t>
+            </a:fld>
+            <a:endParaRPr lang="en-US"/>
+          </a:p>
+        </p:txBody>
+      </p:sp>
+      <p:sp>
+        <p:nvSpPr>
+          <p:cNvPr id="14" name="TextBox 13"/>
           <p:cNvSpPr txBox="1"/>
           <p:nvPr/>
         </p:nvSpPr>
         <p:spPr>
           <a:xfrm>
-            <a:off x="8292818" y="5804647"/>
-            <a:ext cx="367088" cy="677108"/>
+            <a:off x="228600" y="710624"/>
+            <a:ext cx="457319" cy="584776"/>
           </a:xfrm>
           <a:prstGeom prst="rect">
             <a:avLst/>
           </a:prstGeom>
-          <a:noFill/>
         </p:spPr>
         <p:txBody>
-          <a:bodyPr wrap="none" lIns="0" tIns="0" rIns="0" bIns="0" rtlCol="0">
-            <a:spAutoFit/>
+          <a:bodyPr vert="horz" lIns="91440" tIns="45720" rIns="91440" bIns="45720" rtlCol="0" anchor="ctr">
+            <a:noAutofit/>
           </a:bodyPr>
           <a:lstStyle/>
           <a:p>
-            <a:r>
-              <a:rPr sz="4400">
+            <a:pPr lvl="0"/>
+            <a:r>
+              <a:rPr lang="en-US" sz="8000" dirty="0">
                 <a:solidFill>
-                  <a:schemeClr val="accent1"/>
+                  <a:schemeClr val="tx1"/>
                 </a:solidFill>
-                <a:latin typeface="Wingdings" pitchFamily="2" charset="2"/>
+                <a:effectLst/>
               </a:rPr>
-              <a:t>S</a:t>
+              <a:t>“</a:t>
+            </a:r>
+          </a:p>
+        </p:txBody>
+      </p:sp>
+      <p:sp>
+        <p:nvSpPr>
+          <p:cNvPr id="15" name="TextBox 14"/>
+          <p:cNvSpPr txBox="1"/>
+          <p:nvPr/>
+        </p:nvSpPr>
+        <p:spPr>
+          <a:xfrm>
+            <a:off x="7696200" y="2768601"/>
+            <a:ext cx="457319" cy="584776"/>
+          </a:xfrm>
+          <a:prstGeom prst="rect">
+            <a:avLst/>
+          </a:prstGeom>
+        </p:spPr>
+        <p:txBody>
+          <a:bodyPr vert="horz" lIns="91440" tIns="45720" rIns="91440" bIns="45720" rtlCol="0" anchor="ctr">
+            <a:noAutofit/>
+          </a:bodyPr>
+          <a:lstStyle/>
+          <a:p>
+            <a:pPr lvl="0" algn="r"/>
+            <a:r>
+              <a:rPr lang="en-US" sz="8000" dirty="0">
+                <a:solidFill>
+                  <a:schemeClr val="tx1"/>
+                </a:solidFill>
+                <a:effectLst/>
+              </a:rPr>
+              <a:t>”</a:t>
             </a:r>
           </a:p>
         </p:txBody>
       </p:sp>
     </p:spTree>
+    <p:extLst>
+      <p:ext uri="{BB962C8B-B14F-4D97-AF65-F5344CB8AC3E}">
+        <p14:creationId xmlns:p14="http://schemas.microsoft.com/office/powerpoint/2010/main" val="2074890942"/>
+      </p:ext>
+    </p:extLst>
+  </p:cSld>
+  <p:clrMapOvr>
+    <a:masterClrMapping/>
+  </p:clrMapOvr>
+</p:sldLayout>
+</file>
+
+<file path=ppt/slideLayouts/slideLayout13.xml><?xml version="1.0" encoding="utf-8"?>
+<p:sldLayout xmlns:a="http://schemas.openxmlformats.org/drawingml/2006/main" xmlns:r="http://schemas.openxmlformats.org/officeDocument/2006/relationships" xmlns:p="http://schemas.openxmlformats.org/presentationml/2006/main" preserve="1">
+  <p:cSld name="Name Card">
+    <p:spTree>
+      <p:nvGrpSpPr>
+        <p:cNvPr id="1" name=""/>
+        <p:cNvGrpSpPr/>
+        <p:nvPr/>
+      </p:nvGrpSpPr>
+      <p:grpSpPr>
+        <a:xfrm>
+          <a:off x="0" y="0"/>
+          <a:ext cx="0" cy="0"/>
+          <a:chOff x="0" y="0"/>
+          <a:chExt cx="0" cy="0"/>
+        </a:xfrm>
+      </p:grpSpPr>
+      <p:sp>
+        <p:nvSpPr>
+          <p:cNvPr id="2" name="Title 1"/>
+          <p:cNvSpPr>
+            <a:spLocks noGrp="1"/>
+          </p:cNvSpPr>
+          <p:nvPr>
+            <p:ph type="title"/>
+          </p:nvPr>
+        </p:nvSpPr>
+        <p:spPr>
+          <a:xfrm>
+            <a:off x="533400" y="3429000"/>
+            <a:ext cx="6382361" cy="1697400"/>
+          </a:xfrm>
+        </p:spPr>
+        <p:txBody>
+          <a:bodyPr anchor="b">
+            <a:normAutofit/>
+          </a:bodyPr>
+          <a:lstStyle>
+            <a:lvl1pPr algn="l">
+              <a:defRPr sz="2800" b="0" cap="all"/>
+            </a:lvl1pPr>
+          </a:lstStyle>
+          <a:p>
+            <a:r>
+              <a:rPr lang="de-DE" smtClean="0"/>
+              <a:t>Click to edit Master title style</a:t>
+            </a:r>
+            <a:endParaRPr lang="en-US" dirty="0"/>
+          </a:p>
+        </p:txBody>
+      </p:sp>
+      <p:sp>
+        <p:nvSpPr>
+          <p:cNvPr id="3" name="Text Placeholder 2"/>
+          <p:cNvSpPr>
+            <a:spLocks noGrp="1"/>
+          </p:cNvSpPr>
+          <p:nvPr>
+            <p:ph type="body" idx="1"/>
+          </p:nvPr>
+        </p:nvSpPr>
+        <p:spPr>
+          <a:xfrm>
+            <a:off x="533400" y="5132980"/>
+            <a:ext cx="6383552" cy="886819"/>
+          </a:xfrm>
+        </p:spPr>
+        <p:txBody>
+          <a:bodyPr anchor="t">
+            <a:normAutofit/>
+          </a:bodyPr>
+          <a:lstStyle>
+            <a:lvl1pPr marL="0" indent="0" algn="l">
+              <a:buNone/>
+              <a:defRPr sz="1800">
+                <a:solidFill>
+                  <a:schemeClr val="bg2">
+                    <a:lumMod val="75000"/>
+                  </a:schemeClr>
+                </a:solidFill>
+              </a:defRPr>
+            </a:lvl1pPr>
+            <a:lvl2pPr marL="457200" indent="0">
+              <a:buNone/>
+              <a:defRPr sz="1800">
+                <a:solidFill>
+                  <a:schemeClr val="tx1">
+                    <a:tint val="75000"/>
+                  </a:schemeClr>
+                </a:solidFill>
+              </a:defRPr>
+            </a:lvl2pPr>
+            <a:lvl3pPr marL="914400" indent="0">
+              <a:buNone/>
+              <a:defRPr sz="1600">
+                <a:solidFill>
+                  <a:schemeClr val="tx1">
+                    <a:tint val="75000"/>
+                  </a:schemeClr>
+                </a:solidFill>
+              </a:defRPr>
+            </a:lvl3pPr>
+            <a:lvl4pPr marL="1371600" indent="0">
+              <a:buNone/>
+              <a:defRPr sz="1400">
+                <a:solidFill>
+                  <a:schemeClr val="tx1">
+                    <a:tint val="75000"/>
+                  </a:schemeClr>
+                </a:solidFill>
+              </a:defRPr>
+            </a:lvl4pPr>
+            <a:lvl5pPr marL="1828800" indent="0">
+              <a:buNone/>
+              <a:defRPr sz="1400">
+                <a:solidFill>
+                  <a:schemeClr val="tx1">
+                    <a:tint val="75000"/>
+                  </a:schemeClr>
+                </a:solidFill>
+              </a:defRPr>
+            </a:lvl5pPr>
+            <a:lvl6pPr marL="2286000" indent="0">
+              <a:buNone/>
+              <a:defRPr sz="1400">
+                <a:solidFill>
+                  <a:schemeClr val="tx1">
+                    <a:tint val="75000"/>
+                  </a:schemeClr>
+                </a:solidFill>
+              </a:defRPr>
+            </a:lvl6pPr>
+            <a:lvl7pPr marL="2743200" indent="0">
+              <a:buNone/>
+              <a:defRPr sz="1400">
+                <a:solidFill>
+                  <a:schemeClr val="tx1">
+                    <a:tint val="75000"/>
+                  </a:schemeClr>
+                </a:solidFill>
+              </a:defRPr>
+            </a:lvl7pPr>
+            <a:lvl8pPr marL="3200400" indent="0">
+              <a:buNone/>
+              <a:defRPr sz="1400">
+                <a:solidFill>
+                  <a:schemeClr val="tx1">
+                    <a:tint val="75000"/>
+                  </a:schemeClr>
+                </a:solidFill>
+              </a:defRPr>
+            </a:lvl8pPr>
+            <a:lvl9pPr marL="3657600" indent="0">
+              <a:buNone/>
+              <a:defRPr sz="1400">
+                <a:solidFill>
+                  <a:schemeClr val="tx1">
+                    <a:tint val="75000"/>
+                  </a:schemeClr>
+                </a:solidFill>
+              </a:defRPr>
+            </a:lvl9pPr>
+          </a:lstStyle>
+          <a:p>
+            <a:pPr lvl="0"/>
+            <a:r>
+              <a:rPr lang="de-DE" smtClean="0"/>
+              <a:t>Click to edit Master text styles</a:t>
+            </a:r>
+          </a:p>
+        </p:txBody>
+      </p:sp>
+      <p:sp>
+        <p:nvSpPr>
+          <p:cNvPr id="4" name="Date Placeholder 3"/>
+          <p:cNvSpPr>
+            <a:spLocks noGrp="1"/>
+          </p:cNvSpPr>
+          <p:nvPr>
+            <p:ph type="dt" sz="half" idx="10"/>
+          </p:nvPr>
+        </p:nvSpPr>
+        <p:spPr/>
+        <p:txBody>
+          <a:bodyPr/>
+          <a:lstStyle/>
+          <a:p>
+            <a:fld id="{2DF339BC-6F24-024F-B7C9-92814ECFBE50}" type="datetimeFigureOut">
+              <a:rPr lang="en-US" smtClean="0"/>
+              <a:t>10/28/15</a:t>
+            </a:fld>
+            <a:endParaRPr lang="en-US"/>
+          </a:p>
+        </p:txBody>
+      </p:sp>
+      <p:sp>
+        <p:nvSpPr>
+          <p:cNvPr id="5" name="Footer Placeholder 4"/>
+          <p:cNvSpPr>
+            <a:spLocks noGrp="1"/>
+          </p:cNvSpPr>
+          <p:nvPr>
+            <p:ph type="ftr" sz="quarter" idx="11"/>
+          </p:nvPr>
+        </p:nvSpPr>
+        <p:spPr/>
+        <p:txBody>
+          <a:bodyPr/>
+          <a:lstStyle/>
+          <a:p>
+            <a:endParaRPr lang="en-US"/>
+          </a:p>
+        </p:txBody>
+      </p:sp>
+      <p:sp>
+        <p:nvSpPr>
+          <p:cNvPr id="6" name="Slide Number Placeholder 5"/>
+          <p:cNvSpPr>
+            <a:spLocks noGrp="1"/>
+          </p:cNvSpPr>
+          <p:nvPr>
+            <p:ph type="sldNum" sz="quarter" idx="12"/>
+          </p:nvPr>
+        </p:nvSpPr>
+        <p:spPr/>
+        <p:txBody>
+          <a:bodyPr/>
+          <a:lstStyle/>
+          <a:p>
+            <a:fld id="{06470FF4-9DCD-3648-9EA5-775956410620}" type="slidenum">
+              <a:rPr lang="en-US" smtClean="0"/>
+              <a:t>‹#›</a:t>
+            </a:fld>
+            <a:endParaRPr lang="en-US"/>
+          </a:p>
+        </p:txBody>
+      </p:sp>
+    </p:spTree>
+    <p:extLst>
+      <p:ext uri="{BB962C8B-B14F-4D97-AF65-F5344CB8AC3E}">
+        <p14:creationId xmlns:p14="http://schemas.microsoft.com/office/powerpoint/2010/main" val="1852602208"/>
+      </p:ext>
+    </p:extLst>
+  </p:cSld>
+  <p:clrMapOvr>
+    <a:masterClrMapping/>
+  </p:clrMapOvr>
+</p:sldLayout>
+</file>
+
+<file path=ppt/slideLayouts/slideLayout14.xml><?xml version="1.0" encoding="utf-8"?>
+<p:sldLayout xmlns:a="http://schemas.openxmlformats.org/drawingml/2006/main" xmlns:r="http://schemas.openxmlformats.org/officeDocument/2006/relationships" xmlns:p="http://schemas.openxmlformats.org/presentationml/2006/main" preserve="1">
+  <p:cSld name="Quote Name Card">
+    <p:spTree>
+      <p:nvGrpSpPr>
+        <p:cNvPr id="1" name=""/>
+        <p:cNvGrpSpPr/>
+        <p:nvPr/>
+      </p:nvGrpSpPr>
+      <p:grpSpPr>
+        <a:xfrm>
+          <a:off x="0" y="0"/>
+          <a:ext cx="0" cy="0"/>
+          <a:chOff x="0" y="0"/>
+          <a:chExt cx="0" cy="0"/>
+        </a:xfrm>
+      </p:grpSpPr>
+      <p:sp>
+        <p:nvSpPr>
+          <p:cNvPr id="2" name="Title 1"/>
+          <p:cNvSpPr>
+            <a:spLocks noGrp="1"/>
+          </p:cNvSpPr>
+          <p:nvPr>
+            <p:ph type="title"/>
+          </p:nvPr>
+        </p:nvSpPr>
+        <p:spPr>
+          <a:xfrm>
+            <a:off x="856284" y="533400"/>
+            <a:ext cx="6859786" cy="2895600"/>
+          </a:xfrm>
+        </p:spPr>
+        <p:txBody>
+          <a:bodyPr anchor="ctr">
+            <a:normAutofit/>
+          </a:bodyPr>
+          <a:lstStyle>
+            <a:lvl1pPr algn="l">
+              <a:defRPr sz="2800" b="0" cap="all">
+                <a:solidFill>
+                  <a:schemeClr val="tx1"/>
+                </a:solidFill>
+              </a:defRPr>
+            </a:lvl1pPr>
+          </a:lstStyle>
+          <a:p>
+            <a:r>
+              <a:rPr lang="de-DE" smtClean="0"/>
+              <a:t>Click to edit Master title style</a:t>
+            </a:r>
+            <a:endParaRPr lang="en-US" dirty="0"/>
+          </a:p>
+        </p:txBody>
+      </p:sp>
+      <p:sp>
+        <p:nvSpPr>
+          <p:cNvPr id="10" name="Text Placeholder 9"/>
+          <p:cNvSpPr>
+            <a:spLocks noGrp="1"/>
+          </p:cNvSpPr>
+          <p:nvPr>
+            <p:ph type="body" sz="quarter" idx="13"/>
+          </p:nvPr>
+        </p:nvSpPr>
+        <p:spPr>
+          <a:xfrm>
+            <a:off x="533400" y="3886200"/>
+            <a:ext cx="6382361" cy="1049866"/>
+          </a:xfrm>
+        </p:spPr>
+        <p:txBody>
+          <a:bodyPr vert="horz" lIns="91440" tIns="45720" rIns="91440" bIns="45720" rtlCol="0" anchor="b">
+            <a:normAutofit/>
+          </a:bodyPr>
+          <a:lstStyle>
+            <a:lvl1pPr>
+              <a:buNone/>
+              <a:defRPr lang="en-US" sz="2000" b="0" cap="all" dirty="0">
+                <a:ln w="3175" cmpd="sng">
+                  <a:noFill/>
+                </a:ln>
+                <a:solidFill>
+                  <a:schemeClr val="tx1"/>
+                </a:solidFill>
+                <a:effectLst/>
+              </a:defRPr>
+            </a:lvl1pPr>
+          </a:lstStyle>
+          <a:p>
+            <a:pPr marL="0" lvl="0">
+              <a:spcBef>
+                <a:spcPct val="0"/>
+              </a:spcBef>
+              <a:buNone/>
+            </a:pPr>
+            <a:r>
+              <a:rPr lang="de-DE" smtClean="0"/>
+              <a:t>Click to edit Master text styles</a:t>
+            </a:r>
+          </a:p>
+        </p:txBody>
+      </p:sp>
+      <p:sp>
+        <p:nvSpPr>
+          <p:cNvPr id="3" name="Text Placeholder 2"/>
+          <p:cNvSpPr>
+            <a:spLocks noGrp="1"/>
+          </p:cNvSpPr>
+          <p:nvPr>
+            <p:ph type="body" idx="1"/>
+          </p:nvPr>
+        </p:nvSpPr>
+        <p:spPr>
+          <a:xfrm>
+            <a:off x="533400" y="4953000"/>
+            <a:ext cx="6382360" cy="1066800"/>
+          </a:xfrm>
+        </p:spPr>
+        <p:txBody>
+          <a:bodyPr anchor="t">
+            <a:normAutofit/>
+          </a:bodyPr>
+          <a:lstStyle>
+            <a:lvl1pPr marL="0" indent="0" algn="l">
+              <a:buNone/>
+              <a:defRPr sz="1800">
+                <a:solidFill>
+                  <a:schemeClr val="bg2">
+                    <a:lumMod val="75000"/>
+                  </a:schemeClr>
+                </a:solidFill>
+              </a:defRPr>
+            </a:lvl1pPr>
+            <a:lvl2pPr marL="457200" indent="0">
+              <a:buNone/>
+              <a:defRPr sz="1800">
+                <a:solidFill>
+                  <a:schemeClr val="tx1">
+                    <a:tint val="75000"/>
+                  </a:schemeClr>
+                </a:solidFill>
+              </a:defRPr>
+            </a:lvl2pPr>
+            <a:lvl3pPr marL="914400" indent="0">
+              <a:buNone/>
+              <a:defRPr sz="1600">
+                <a:solidFill>
+                  <a:schemeClr val="tx1">
+                    <a:tint val="75000"/>
+                  </a:schemeClr>
+                </a:solidFill>
+              </a:defRPr>
+            </a:lvl3pPr>
+            <a:lvl4pPr marL="1371600" indent="0">
+              <a:buNone/>
+              <a:defRPr sz="1400">
+                <a:solidFill>
+                  <a:schemeClr val="tx1">
+                    <a:tint val="75000"/>
+                  </a:schemeClr>
+                </a:solidFill>
+              </a:defRPr>
+            </a:lvl4pPr>
+            <a:lvl5pPr marL="1828800" indent="0">
+              <a:buNone/>
+              <a:defRPr sz="1400">
+                <a:solidFill>
+                  <a:schemeClr val="tx1">
+                    <a:tint val="75000"/>
+                  </a:schemeClr>
+                </a:solidFill>
+              </a:defRPr>
+            </a:lvl5pPr>
+            <a:lvl6pPr marL="2286000" indent="0">
+              <a:buNone/>
+              <a:defRPr sz="1400">
+                <a:solidFill>
+                  <a:schemeClr val="tx1">
+                    <a:tint val="75000"/>
+                  </a:schemeClr>
+                </a:solidFill>
+              </a:defRPr>
+            </a:lvl6pPr>
+            <a:lvl7pPr marL="2743200" indent="0">
+              <a:buNone/>
+              <a:defRPr sz="1400">
+                <a:solidFill>
+                  <a:schemeClr val="tx1">
+                    <a:tint val="75000"/>
+                  </a:schemeClr>
+                </a:solidFill>
+              </a:defRPr>
+            </a:lvl7pPr>
+            <a:lvl8pPr marL="3200400" indent="0">
+              <a:buNone/>
+              <a:defRPr sz="1400">
+                <a:solidFill>
+                  <a:schemeClr val="tx1">
+                    <a:tint val="75000"/>
+                  </a:schemeClr>
+                </a:solidFill>
+              </a:defRPr>
+            </a:lvl8pPr>
+            <a:lvl9pPr marL="3657600" indent="0">
+              <a:buNone/>
+              <a:defRPr sz="1400">
+                <a:solidFill>
+                  <a:schemeClr val="tx1">
+                    <a:tint val="75000"/>
+                  </a:schemeClr>
+                </a:solidFill>
+              </a:defRPr>
+            </a:lvl9pPr>
+          </a:lstStyle>
+          <a:p>
+            <a:pPr lvl="0"/>
+            <a:r>
+              <a:rPr lang="de-DE" smtClean="0"/>
+              <a:t>Click to edit Master text styles</a:t>
+            </a:r>
+          </a:p>
+        </p:txBody>
+      </p:sp>
+      <p:sp>
+        <p:nvSpPr>
+          <p:cNvPr id="4" name="Date Placeholder 3"/>
+          <p:cNvSpPr>
+            <a:spLocks noGrp="1"/>
+          </p:cNvSpPr>
+          <p:nvPr>
+            <p:ph type="dt" sz="half" idx="10"/>
+          </p:nvPr>
+        </p:nvSpPr>
+        <p:spPr/>
+        <p:txBody>
+          <a:bodyPr/>
+          <a:lstStyle/>
+          <a:p>
+            <a:fld id="{2DF339BC-6F24-024F-B7C9-92814ECFBE50}" type="datetimeFigureOut">
+              <a:rPr lang="en-US" smtClean="0"/>
+              <a:t>10/28/15</a:t>
+            </a:fld>
+            <a:endParaRPr lang="en-US"/>
+          </a:p>
+        </p:txBody>
+      </p:sp>
+      <p:sp>
+        <p:nvSpPr>
+          <p:cNvPr id="5" name="Footer Placeholder 4"/>
+          <p:cNvSpPr>
+            <a:spLocks noGrp="1"/>
+          </p:cNvSpPr>
+          <p:nvPr>
+            <p:ph type="ftr" sz="quarter" idx="11"/>
+          </p:nvPr>
+        </p:nvSpPr>
+        <p:spPr/>
+        <p:txBody>
+          <a:bodyPr/>
+          <a:lstStyle/>
+          <a:p>
+            <a:endParaRPr lang="en-US"/>
+          </a:p>
+        </p:txBody>
+      </p:sp>
+      <p:sp>
+        <p:nvSpPr>
+          <p:cNvPr id="6" name="Slide Number Placeholder 5"/>
+          <p:cNvSpPr>
+            <a:spLocks noGrp="1"/>
+          </p:cNvSpPr>
+          <p:nvPr>
+            <p:ph type="sldNum" sz="quarter" idx="12"/>
+          </p:nvPr>
+        </p:nvSpPr>
+        <p:spPr/>
+        <p:txBody>
+          <a:bodyPr/>
+          <a:lstStyle/>
+          <a:p>
+            <a:fld id="{06470FF4-9DCD-3648-9EA5-775956410620}" type="slidenum">
+              <a:rPr lang="en-US" smtClean="0"/>
+              <a:t>‹#›</a:t>
+            </a:fld>
+            <a:endParaRPr lang="en-US"/>
+          </a:p>
+        </p:txBody>
+      </p:sp>
+      <p:sp>
+        <p:nvSpPr>
+          <p:cNvPr id="14" name="TextBox 13"/>
+          <p:cNvSpPr txBox="1"/>
+          <p:nvPr/>
+        </p:nvSpPr>
+        <p:spPr>
+          <a:xfrm>
+            <a:off x="228600" y="710624"/>
+            <a:ext cx="457319" cy="584776"/>
+          </a:xfrm>
+          <a:prstGeom prst="rect">
+            <a:avLst/>
+          </a:prstGeom>
+        </p:spPr>
+        <p:txBody>
+          <a:bodyPr vert="horz" lIns="91440" tIns="45720" rIns="91440" bIns="45720" rtlCol="0" anchor="ctr">
+            <a:noAutofit/>
+          </a:bodyPr>
+          <a:lstStyle/>
+          <a:p>
+            <a:pPr lvl="0"/>
+            <a:r>
+              <a:rPr lang="en-US" sz="8000" dirty="0">
+                <a:solidFill>
+                  <a:schemeClr val="tx1"/>
+                </a:solidFill>
+                <a:effectLst/>
+              </a:rPr>
+              <a:t>“</a:t>
+            </a:r>
+          </a:p>
+        </p:txBody>
+      </p:sp>
+      <p:sp>
+        <p:nvSpPr>
+          <p:cNvPr id="15" name="TextBox 14"/>
+          <p:cNvSpPr txBox="1"/>
+          <p:nvPr/>
+        </p:nvSpPr>
+        <p:spPr>
+          <a:xfrm>
+            <a:off x="7696200" y="2768601"/>
+            <a:ext cx="457319" cy="584776"/>
+          </a:xfrm>
+          <a:prstGeom prst="rect">
+            <a:avLst/>
+          </a:prstGeom>
+        </p:spPr>
+        <p:txBody>
+          <a:bodyPr vert="horz" lIns="91440" tIns="45720" rIns="91440" bIns="45720" rtlCol="0" anchor="ctr">
+            <a:noAutofit/>
+          </a:bodyPr>
+          <a:lstStyle/>
+          <a:p>
+            <a:pPr lvl="0" algn="r"/>
+            <a:r>
+              <a:rPr lang="en-US" sz="8000" dirty="0">
+                <a:solidFill>
+                  <a:schemeClr val="tx1"/>
+                </a:solidFill>
+                <a:effectLst/>
+              </a:rPr>
+              <a:t>”</a:t>
+            </a:r>
+          </a:p>
+        </p:txBody>
+      </p:sp>
+    </p:spTree>
+    <p:extLst>
+      <p:ext uri="{BB962C8B-B14F-4D97-AF65-F5344CB8AC3E}">
+        <p14:creationId xmlns:p14="http://schemas.microsoft.com/office/powerpoint/2010/main" val="319912003"/>
+      </p:ext>
+    </p:extLst>
+  </p:cSld>
+  <p:clrMapOvr>
+    <a:masterClrMapping/>
+  </p:clrMapOvr>
+</p:sldLayout>
+</file>
+
+<file path=ppt/slideLayouts/slideLayout15.xml><?xml version="1.0" encoding="utf-8"?>
+<p:sldLayout xmlns:a="http://schemas.openxmlformats.org/drawingml/2006/main" xmlns:r="http://schemas.openxmlformats.org/officeDocument/2006/relationships" xmlns:p="http://schemas.openxmlformats.org/presentationml/2006/main" preserve="1">
+  <p:cSld name="True or False">
+    <p:spTree>
+      <p:nvGrpSpPr>
+        <p:cNvPr id="1" name=""/>
+        <p:cNvGrpSpPr/>
+        <p:nvPr/>
+      </p:nvGrpSpPr>
+      <p:grpSpPr>
+        <a:xfrm>
+          <a:off x="0" y="0"/>
+          <a:ext cx="0" cy="0"/>
+          <a:chOff x="0" y="0"/>
+          <a:chExt cx="0" cy="0"/>
+        </a:xfrm>
+      </p:grpSpPr>
+      <p:sp>
+        <p:nvSpPr>
+          <p:cNvPr id="2" name="Title 1"/>
+          <p:cNvSpPr>
+            <a:spLocks noGrp="1"/>
+          </p:cNvSpPr>
+          <p:nvPr>
+            <p:ph type="title"/>
+          </p:nvPr>
+        </p:nvSpPr>
+        <p:spPr>
+          <a:xfrm>
+            <a:off x="533400" y="533400"/>
+            <a:ext cx="7525658" cy="2895600"/>
+          </a:xfrm>
+        </p:spPr>
+        <p:txBody>
+          <a:bodyPr vert="horz" lIns="91440" tIns="45720" rIns="91440" bIns="45720" rtlCol="0" anchor="ctr">
+            <a:normAutofit/>
+          </a:bodyPr>
+          <a:lstStyle>
+            <a:lvl1pPr>
+              <a:defRPr lang="en-US" sz="2800" b="0" dirty="0"/>
+            </a:lvl1pPr>
+          </a:lstStyle>
+          <a:p>
+            <a:pPr marL="0" lvl="0"/>
+            <a:r>
+              <a:rPr lang="de-DE" smtClean="0"/>
+              <a:t>Click to edit Master title style</a:t>
+            </a:r>
+            <a:endParaRPr lang="en-US" dirty="0"/>
+          </a:p>
+        </p:txBody>
+      </p:sp>
+      <p:sp>
+        <p:nvSpPr>
+          <p:cNvPr id="10" name="Text Placeholder 9"/>
+          <p:cNvSpPr>
+            <a:spLocks noGrp="1"/>
+          </p:cNvSpPr>
+          <p:nvPr>
+            <p:ph type="body" sz="quarter" idx="13"/>
+          </p:nvPr>
+        </p:nvSpPr>
+        <p:spPr>
+          <a:xfrm>
+            <a:off x="533400" y="3928534"/>
+            <a:ext cx="6382361" cy="838200"/>
+          </a:xfrm>
+        </p:spPr>
+        <p:txBody>
+          <a:bodyPr vert="horz" lIns="91440" tIns="45720" rIns="91440" bIns="45720" rtlCol="0" anchor="b">
+            <a:normAutofit/>
+          </a:bodyPr>
+          <a:lstStyle>
+            <a:lvl1pPr>
+              <a:buNone/>
+              <a:defRPr lang="en-US" sz="2000" b="0" cap="all" dirty="0">
+                <a:ln w="3175" cmpd="sng">
+                  <a:noFill/>
+                </a:ln>
+                <a:solidFill>
+                  <a:schemeClr val="tx1"/>
+                </a:solidFill>
+                <a:effectLst/>
+              </a:defRPr>
+            </a:lvl1pPr>
+          </a:lstStyle>
+          <a:p>
+            <a:pPr marL="0" lvl="0">
+              <a:spcBef>
+                <a:spcPct val="0"/>
+              </a:spcBef>
+              <a:buNone/>
+            </a:pPr>
+            <a:r>
+              <a:rPr lang="de-DE" smtClean="0"/>
+              <a:t>Click to edit Master text styles</a:t>
+            </a:r>
+          </a:p>
+        </p:txBody>
+      </p:sp>
+      <p:sp>
+        <p:nvSpPr>
+          <p:cNvPr id="3" name="Text Placeholder 2"/>
+          <p:cNvSpPr>
+            <a:spLocks noGrp="1"/>
+          </p:cNvSpPr>
+          <p:nvPr>
+            <p:ph type="body" idx="1"/>
+          </p:nvPr>
+        </p:nvSpPr>
+        <p:spPr>
+          <a:xfrm>
+            <a:off x="533400" y="4766735"/>
+            <a:ext cx="6382360" cy="1253065"/>
+          </a:xfrm>
+        </p:spPr>
+        <p:txBody>
+          <a:bodyPr anchor="t">
+            <a:normAutofit/>
+          </a:bodyPr>
+          <a:lstStyle>
+            <a:lvl1pPr marL="0" indent="0" algn="l">
+              <a:buNone/>
+              <a:defRPr sz="1800">
+                <a:solidFill>
+                  <a:schemeClr val="bg2">
+                    <a:lumMod val="75000"/>
+                  </a:schemeClr>
+                </a:solidFill>
+              </a:defRPr>
+            </a:lvl1pPr>
+            <a:lvl2pPr marL="457200" indent="0">
+              <a:buNone/>
+              <a:defRPr sz="1800">
+                <a:solidFill>
+                  <a:schemeClr val="tx1">
+                    <a:tint val="75000"/>
+                  </a:schemeClr>
+                </a:solidFill>
+              </a:defRPr>
+            </a:lvl2pPr>
+            <a:lvl3pPr marL="914400" indent="0">
+              <a:buNone/>
+              <a:defRPr sz="1600">
+                <a:solidFill>
+                  <a:schemeClr val="tx1">
+                    <a:tint val="75000"/>
+                  </a:schemeClr>
+                </a:solidFill>
+              </a:defRPr>
+            </a:lvl3pPr>
+            <a:lvl4pPr marL="1371600" indent="0">
+              <a:buNone/>
+              <a:defRPr sz="1400">
+                <a:solidFill>
+                  <a:schemeClr val="tx1">
+                    <a:tint val="75000"/>
+                  </a:schemeClr>
+                </a:solidFill>
+              </a:defRPr>
+            </a:lvl4pPr>
+            <a:lvl5pPr marL="1828800" indent="0">
+              <a:buNone/>
+              <a:defRPr sz="1400">
+                <a:solidFill>
+                  <a:schemeClr val="tx1">
+                    <a:tint val="75000"/>
+                  </a:schemeClr>
+                </a:solidFill>
+              </a:defRPr>
+            </a:lvl5pPr>
+            <a:lvl6pPr marL="2286000" indent="0">
+              <a:buNone/>
+              <a:defRPr sz="1400">
+                <a:solidFill>
+                  <a:schemeClr val="tx1">
+                    <a:tint val="75000"/>
+                  </a:schemeClr>
+                </a:solidFill>
+              </a:defRPr>
+            </a:lvl6pPr>
+            <a:lvl7pPr marL="2743200" indent="0">
+              <a:buNone/>
+              <a:defRPr sz="1400">
+                <a:solidFill>
+                  <a:schemeClr val="tx1">
+                    <a:tint val="75000"/>
+                  </a:schemeClr>
+                </a:solidFill>
+              </a:defRPr>
+            </a:lvl7pPr>
+            <a:lvl8pPr marL="3200400" indent="0">
+              <a:buNone/>
+              <a:defRPr sz="1400">
+                <a:solidFill>
+                  <a:schemeClr val="tx1">
+                    <a:tint val="75000"/>
+                  </a:schemeClr>
+                </a:solidFill>
+              </a:defRPr>
+            </a:lvl8pPr>
+            <a:lvl9pPr marL="3657600" indent="0">
+              <a:buNone/>
+              <a:defRPr sz="1400">
+                <a:solidFill>
+                  <a:schemeClr val="tx1">
+                    <a:tint val="75000"/>
+                  </a:schemeClr>
+                </a:solidFill>
+              </a:defRPr>
+            </a:lvl9pPr>
+          </a:lstStyle>
+          <a:p>
+            <a:pPr lvl="0"/>
+            <a:r>
+              <a:rPr lang="de-DE" smtClean="0"/>
+              <a:t>Click to edit Master text styles</a:t>
+            </a:r>
+          </a:p>
+        </p:txBody>
+      </p:sp>
+      <p:sp>
+        <p:nvSpPr>
+          <p:cNvPr id="4" name="Date Placeholder 3"/>
+          <p:cNvSpPr>
+            <a:spLocks noGrp="1"/>
+          </p:cNvSpPr>
+          <p:nvPr>
+            <p:ph type="dt" sz="half" idx="10"/>
+          </p:nvPr>
+        </p:nvSpPr>
+        <p:spPr/>
+        <p:txBody>
+          <a:bodyPr/>
+          <a:lstStyle/>
+          <a:p>
+            <a:fld id="{2DF339BC-6F24-024F-B7C9-92814ECFBE50}" type="datetimeFigureOut">
+              <a:rPr lang="en-US" smtClean="0"/>
+              <a:t>10/28/15</a:t>
+            </a:fld>
+            <a:endParaRPr lang="en-US"/>
+          </a:p>
+        </p:txBody>
+      </p:sp>
+      <p:sp>
+        <p:nvSpPr>
+          <p:cNvPr id="5" name="Footer Placeholder 4"/>
+          <p:cNvSpPr>
+            <a:spLocks noGrp="1"/>
+          </p:cNvSpPr>
+          <p:nvPr>
+            <p:ph type="ftr" sz="quarter" idx="11"/>
+          </p:nvPr>
+        </p:nvSpPr>
+        <p:spPr/>
+        <p:txBody>
+          <a:bodyPr/>
+          <a:lstStyle/>
+          <a:p>
+            <a:endParaRPr lang="en-US"/>
+          </a:p>
+        </p:txBody>
+      </p:sp>
+      <p:sp>
+        <p:nvSpPr>
+          <p:cNvPr id="6" name="Slide Number Placeholder 5"/>
+          <p:cNvSpPr>
+            <a:spLocks noGrp="1"/>
+          </p:cNvSpPr>
+          <p:nvPr>
+            <p:ph type="sldNum" sz="quarter" idx="12"/>
+          </p:nvPr>
+        </p:nvSpPr>
+        <p:spPr/>
+        <p:txBody>
+          <a:bodyPr/>
+          <a:lstStyle/>
+          <a:p>
+            <a:fld id="{06470FF4-9DCD-3648-9EA5-775956410620}" type="slidenum">
+              <a:rPr lang="en-US" smtClean="0"/>
+              <a:t>‹#›</a:t>
+            </a:fld>
+            <a:endParaRPr lang="en-US"/>
+          </a:p>
+        </p:txBody>
+      </p:sp>
+    </p:spTree>
+    <p:extLst>
+      <p:ext uri="{BB962C8B-B14F-4D97-AF65-F5344CB8AC3E}">
+        <p14:creationId xmlns:p14="http://schemas.microsoft.com/office/powerpoint/2010/main" val="1609465980"/>
+      </p:ext>
+    </p:extLst>
+  </p:cSld>
+  <p:clrMapOvr>
+    <a:masterClrMapping/>
+  </p:clrMapOvr>
+</p:sldLayout>
+</file>
+
+<file path=ppt/slideLayouts/slideLayout16.xml><?xml version="1.0" encoding="utf-8"?>
+<p:sldLayout xmlns:a="http://schemas.openxmlformats.org/drawingml/2006/main" xmlns:r="http://schemas.openxmlformats.org/officeDocument/2006/relationships" xmlns:p="http://schemas.openxmlformats.org/presentationml/2006/main" type="vertTx" preserve="1">
+  <p:cSld name="Title and Vertical Text">
+    <p:spTree>
+      <p:nvGrpSpPr>
+        <p:cNvPr id="1" name=""/>
+        <p:cNvGrpSpPr/>
+        <p:nvPr/>
+      </p:nvGrpSpPr>
+      <p:grpSpPr>
+        <a:xfrm>
+          <a:off x="0" y="0"/>
+          <a:ext cx="0" cy="0"/>
+          <a:chOff x="0" y="0"/>
+          <a:chExt cx="0" cy="0"/>
+        </a:xfrm>
+      </p:grpSpPr>
+      <p:sp>
+        <p:nvSpPr>
+          <p:cNvPr id="2" name="Title 1"/>
+          <p:cNvSpPr>
+            <a:spLocks noGrp="1"/>
+          </p:cNvSpPr>
+          <p:nvPr>
+            <p:ph type="title"/>
+          </p:nvPr>
+        </p:nvSpPr>
+        <p:spPr>
+          <a:xfrm>
+            <a:off x="533400" y="4495800"/>
+            <a:ext cx="6554867" cy="1524000"/>
+          </a:xfrm>
+        </p:spPr>
+        <p:txBody>
+          <a:bodyPr>
+            <a:normAutofit/>
+          </a:bodyPr>
+          <a:lstStyle>
+            <a:lvl1pPr algn="l">
+              <a:defRPr sz="2800"/>
+            </a:lvl1pPr>
+          </a:lstStyle>
+          <a:p>
+            <a:r>
+              <a:rPr lang="de-DE" smtClean="0"/>
+              <a:t>Click to edit Master title style</a:t>
+            </a:r>
+            <a:endParaRPr lang="en-US" dirty="0"/>
+          </a:p>
+        </p:txBody>
+      </p:sp>
+      <p:sp>
+        <p:nvSpPr>
+          <p:cNvPr id="3" name="Vertical Text Placeholder 2"/>
+          <p:cNvSpPr>
+            <a:spLocks noGrp="1"/>
+          </p:cNvSpPr>
+          <p:nvPr>
+            <p:ph type="body" orient="vert" idx="1"/>
+          </p:nvPr>
+        </p:nvSpPr>
+        <p:spPr>
+          <a:xfrm>
+            <a:off x="533400" y="533401"/>
+            <a:ext cx="6554867" cy="3767670"/>
+          </a:xfrm>
+        </p:spPr>
+        <p:txBody>
+          <a:bodyPr vert="eaVert" anchor="t"/>
+          <a:lstStyle/>
+          <a:p>
+            <a:pPr lvl="0"/>
+            <a:r>
+              <a:rPr lang="de-DE" smtClean="0"/>
+              <a:t>Click to edit Master text styles</a:t>
+            </a:r>
+          </a:p>
+          <a:p>
+            <a:pPr lvl="1"/>
+            <a:r>
+              <a:rPr lang="de-DE" smtClean="0"/>
+              <a:t>Second level</a:t>
+            </a:r>
+          </a:p>
+          <a:p>
+            <a:pPr lvl="2"/>
+            <a:r>
+              <a:rPr lang="de-DE" smtClean="0"/>
+              <a:t>Third level</a:t>
+            </a:r>
+          </a:p>
+          <a:p>
+            <a:pPr lvl="3"/>
+            <a:r>
+              <a:rPr lang="de-DE" smtClean="0"/>
+              <a:t>Fourth level</a:t>
+            </a:r>
+          </a:p>
+          <a:p>
+            <a:pPr lvl="4"/>
+            <a:r>
+              <a:rPr lang="de-DE" smtClean="0"/>
+              <a:t>Fifth level</a:t>
+            </a:r>
+            <a:endParaRPr lang="en-US" dirty="0"/>
+          </a:p>
+        </p:txBody>
+      </p:sp>
+      <p:sp>
+        <p:nvSpPr>
+          <p:cNvPr id="4" name="Date Placeholder 3"/>
+          <p:cNvSpPr>
+            <a:spLocks noGrp="1"/>
+          </p:cNvSpPr>
+          <p:nvPr>
+            <p:ph type="dt" sz="half" idx="10"/>
+          </p:nvPr>
+        </p:nvSpPr>
+        <p:spPr/>
+        <p:txBody>
+          <a:bodyPr/>
+          <a:lstStyle/>
+          <a:p>
+            <a:fld id="{2DF339BC-6F24-024F-B7C9-92814ECFBE50}" type="datetimeFigureOut">
+              <a:rPr lang="en-US" smtClean="0"/>
+              <a:t>10/28/15</a:t>
+            </a:fld>
+            <a:endParaRPr lang="en-US"/>
+          </a:p>
+        </p:txBody>
+      </p:sp>
+      <p:sp>
+        <p:nvSpPr>
+          <p:cNvPr id="5" name="Footer Placeholder 4"/>
+          <p:cNvSpPr>
+            <a:spLocks noGrp="1"/>
+          </p:cNvSpPr>
+          <p:nvPr>
+            <p:ph type="ftr" sz="quarter" idx="11"/>
+          </p:nvPr>
+        </p:nvSpPr>
+        <p:spPr/>
+        <p:txBody>
+          <a:bodyPr/>
+          <a:lstStyle/>
+          <a:p>
+            <a:endParaRPr lang="en-US"/>
+          </a:p>
+        </p:txBody>
+      </p:sp>
+      <p:sp>
+        <p:nvSpPr>
+          <p:cNvPr id="6" name="Slide Number Placeholder 5"/>
+          <p:cNvSpPr>
+            <a:spLocks noGrp="1"/>
+          </p:cNvSpPr>
+          <p:nvPr>
+            <p:ph type="sldNum" sz="quarter" idx="12"/>
+          </p:nvPr>
+        </p:nvSpPr>
+        <p:spPr/>
+        <p:txBody>
+          <a:bodyPr/>
+          <a:lstStyle/>
+          <a:p>
+            <a:fld id="{06470FF4-9DCD-3648-9EA5-775956410620}" type="slidenum">
+              <a:rPr lang="en-US" smtClean="0"/>
+              <a:t>‹#›</a:t>
+            </a:fld>
+            <a:endParaRPr lang="en-US"/>
+          </a:p>
+        </p:txBody>
+      </p:sp>
+    </p:spTree>
+    <p:extLst>
+      <p:ext uri="{BB962C8B-B14F-4D97-AF65-F5344CB8AC3E}">
+        <p14:creationId xmlns:p14="http://schemas.microsoft.com/office/powerpoint/2010/main" val="590708248"/>
+      </p:ext>
+    </p:extLst>
+  </p:cSld>
+  <p:clrMapOvr>
+    <a:masterClrMapping/>
+  </p:clrMapOvr>
+</p:sldLayout>
+</file>
+
+<file path=ppt/slideLayouts/slideLayout17.xml><?xml version="1.0" encoding="utf-8"?>
+<p:sldLayout xmlns:a="http://schemas.openxmlformats.org/drawingml/2006/main" xmlns:r="http://schemas.openxmlformats.org/officeDocument/2006/relationships" xmlns:p="http://schemas.openxmlformats.org/presentationml/2006/main" type="vertTitleAndTx" preserve="1">
+  <p:cSld name="Vertical Title and Text">
+    <p:spTree>
+      <p:nvGrpSpPr>
+        <p:cNvPr id="1" name=""/>
+        <p:cNvGrpSpPr/>
+        <p:nvPr/>
+      </p:nvGrpSpPr>
+      <p:grpSpPr>
+        <a:xfrm>
+          <a:off x="0" y="0"/>
+          <a:ext cx="0" cy="0"/>
+          <a:chOff x="0" y="0"/>
+          <a:chExt cx="0" cy="0"/>
+        </a:xfrm>
+      </p:grpSpPr>
+      <p:sp>
+        <p:nvSpPr>
+          <p:cNvPr id="2" name="Vertical Title 1"/>
+          <p:cNvSpPr>
+            <a:spLocks noGrp="1"/>
+          </p:cNvSpPr>
+          <p:nvPr>
+            <p:ph type="title" orient="vert"/>
+          </p:nvPr>
+        </p:nvSpPr>
+        <p:spPr>
+          <a:xfrm>
+            <a:off x="6566406" y="533400"/>
+            <a:ext cx="2044194" cy="4419600"/>
+          </a:xfrm>
+        </p:spPr>
+        <p:txBody>
+          <a:bodyPr vert="eaVert">
+            <a:normAutofit/>
+          </a:bodyPr>
+          <a:lstStyle>
+            <a:lvl1pPr>
+              <a:defRPr sz="2800"/>
+            </a:lvl1pPr>
+          </a:lstStyle>
+          <a:p>
+            <a:r>
+              <a:rPr lang="de-DE" smtClean="0"/>
+              <a:t>Click to edit Master title style</a:t>
+            </a:r>
+            <a:endParaRPr lang="en-US" dirty="0"/>
+          </a:p>
+        </p:txBody>
+      </p:sp>
+      <p:sp>
+        <p:nvSpPr>
+          <p:cNvPr id="3" name="Vertical Text Placeholder 2"/>
+          <p:cNvSpPr>
+            <a:spLocks noGrp="1"/>
+          </p:cNvSpPr>
+          <p:nvPr>
+            <p:ph type="body" orient="vert" idx="1"/>
+          </p:nvPr>
+        </p:nvSpPr>
+        <p:spPr>
+          <a:xfrm>
+            <a:off x="533400" y="533400"/>
+            <a:ext cx="5850012" cy="5486400"/>
+          </a:xfrm>
+        </p:spPr>
+        <p:txBody>
+          <a:bodyPr vert="eaVert" anchor="t"/>
+          <a:lstStyle/>
+          <a:p>
+            <a:pPr lvl="0"/>
+            <a:r>
+              <a:rPr lang="de-DE" smtClean="0"/>
+              <a:t>Click to edit Master text styles</a:t>
+            </a:r>
+          </a:p>
+          <a:p>
+            <a:pPr lvl="1"/>
+            <a:r>
+              <a:rPr lang="de-DE" smtClean="0"/>
+              <a:t>Second level</a:t>
+            </a:r>
+          </a:p>
+          <a:p>
+            <a:pPr lvl="2"/>
+            <a:r>
+              <a:rPr lang="de-DE" smtClean="0"/>
+              <a:t>Third level</a:t>
+            </a:r>
+          </a:p>
+          <a:p>
+            <a:pPr lvl="3"/>
+            <a:r>
+              <a:rPr lang="de-DE" smtClean="0"/>
+              <a:t>Fourth level</a:t>
+            </a:r>
+          </a:p>
+          <a:p>
+            <a:pPr lvl="4"/>
+            <a:r>
+              <a:rPr lang="de-DE" smtClean="0"/>
+              <a:t>Fifth level</a:t>
+            </a:r>
+            <a:endParaRPr lang="en-US" dirty="0"/>
+          </a:p>
+        </p:txBody>
+      </p:sp>
+      <p:sp>
+        <p:nvSpPr>
+          <p:cNvPr id="4" name="Date Placeholder 3"/>
+          <p:cNvSpPr>
+            <a:spLocks noGrp="1"/>
+          </p:cNvSpPr>
+          <p:nvPr>
+            <p:ph type="dt" sz="half" idx="10"/>
+          </p:nvPr>
+        </p:nvSpPr>
+        <p:spPr/>
+        <p:txBody>
+          <a:bodyPr/>
+          <a:lstStyle/>
+          <a:p>
+            <a:fld id="{2DF339BC-6F24-024F-B7C9-92814ECFBE50}" type="datetimeFigureOut">
+              <a:rPr lang="en-US" smtClean="0"/>
+              <a:t>10/28/15</a:t>
+            </a:fld>
+            <a:endParaRPr lang="en-US"/>
+          </a:p>
+        </p:txBody>
+      </p:sp>
+      <p:sp>
+        <p:nvSpPr>
+          <p:cNvPr id="5" name="Footer Placeholder 4"/>
+          <p:cNvSpPr>
+            <a:spLocks noGrp="1"/>
+          </p:cNvSpPr>
+          <p:nvPr>
+            <p:ph type="ftr" sz="quarter" idx="11"/>
+          </p:nvPr>
+        </p:nvSpPr>
+        <p:spPr/>
+        <p:txBody>
+          <a:bodyPr/>
+          <a:lstStyle/>
+          <a:p>
+            <a:endParaRPr lang="en-US"/>
+          </a:p>
+        </p:txBody>
+      </p:sp>
+      <p:sp>
+        <p:nvSpPr>
+          <p:cNvPr id="6" name="Slide Number Placeholder 5"/>
+          <p:cNvSpPr>
+            <a:spLocks noGrp="1"/>
+          </p:cNvSpPr>
+          <p:nvPr>
+            <p:ph type="sldNum" sz="quarter" idx="12"/>
+          </p:nvPr>
+        </p:nvSpPr>
+        <p:spPr/>
+        <p:txBody>
+          <a:bodyPr/>
+          <a:lstStyle/>
+          <a:p>
+            <a:fld id="{06470FF4-9DCD-3648-9EA5-775956410620}" type="slidenum">
+              <a:rPr lang="en-US" smtClean="0"/>
+              <a:t>‹#›</a:t>
+            </a:fld>
+            <a:endParaRPr lang="en-US"/>
+          </a:p>
+        </p:txBody>
+      </p:sp>
+    </p:spTree>
+    <p:extLst>
+      <p:ext uri="{BB962C8B-B14F-4D97-AF65-F5344CB8AC3E}">
+        <p14:creationId xmlns:p14="http://schemas.microsoft.com/office/powerpoint/2010/main" val="216624055"/>
+      </p:ext>
+    </p:extLst>
+  </p:cSld>
+  <p:clrMapOvr>
+    <a:masterClrMapping/>
+  </p:clrMapOvr>
+</p:sldLayout>
+</file>
+
+<file path=ppt/slideLayouts/slideLayout2.xml><?xml version="1.0" encoding="utf-8"?>
+<p:sldLayout xmlns:a="http://schemas.openxmlformats.org/drawingml/2006/main" xmlns:r="http://schemas.openxmlformats.org/officeDocument/2006/relationships" xmlns:p="http://schemas.openxmlformats.org/presentationml/2006/main" type="obj" preserve="1">
+  <p:cSld name="Title and Content">
+    <p:spTree>
+      <p:nvGrpSpPr>
+        <p:cNvPr id="1" name=""/>
+        <p:cNvGrpSpPr/>
+        <p:nvPr/>
+      </p:nvGrpSpPr>
+      <p:grpSpPr>
+        <a:xfrm>
+          <a:off x="0" y="0"/>
+          <a:ext cx="0" cy="0"/>
+          <a:chOff x="0" y="0"/>
+          <a:chExt cx="0" cy="0"/>
+        </a:xfrm>
+      </p:grpSpPr>
+      <p:sp>
+        <p:nvSpPr>
+          <p:cNvPr id="2" name="Title 1"/>
+          <p:cNvSpPr>
+            <a:spLocks noGrp="1"/>
+          </p:cNvSpPr>
+          <p:nvPr>
+            <p:ph type="title"/>
+          </p:nvPr>
+        </p:nvSpPr>
+        <p:spPr>
+          <a:xfrm>
+            <a:off x="533400" y="4495800"/>
+            <a:ext cx="6554867" cy="1524000"/>
+          </a:xfrm>
+        </p:spPr>
+        <p:txBody>
+          <a:bodyPr/>
+          <a:lstStyle/>
+          <a:p>
+            <a:r>
+              <a:rPr lang="de-DE" smtClean="0"/>
+              <a:t>Click to edit Master title style</a:t>
+            </a:r>
+            <a:endParaRPr lang="en-US" dirty="0"/>
+          </a:p>
+        </p:txBody>
+      </p:sp>
+      <p:sp>
+        <p:nvSpPr>
+          <p:cNvPr id="3" name="Content Placeholder 2"/>
+          <p:cNvSpPr>
+            <a:spLocks noGrp="1"/>
+          </p:cNvSpPr>
+          <p:nvPr>
+            <p:ph idx="1"/>
+          </p:nvPr>
+        </p:nvSpPr>
+        <p:spPr>
+          <a:xfrm>
+            <a:off x="533400" y="533400"/>
+            <a:ext cx="6554867" cy="3767670"/>
+          </a:xfrm>
+        </p:spPr>
+        <p:txBody>
+          <a:bodyPr anchor="ctr"/>
+          <a:lstStyle/>
+          <a:p>
+            <a:pPr lvl="0"/>
+            <a:r>
+              <a:rPr lang="de-DE" smtClean="0"/>
+              <a:t>Click to edit Master text styles</a:t>
+            </a:r>
+          </a:p>
+          <a:p>
+            <a:pPr lvl="1"/>
+            <a:r>
+              <a:rPr lang="de-DE" smtClean="0"/>
+              <a:t>Second level</a:t>
+            </a:r>
+          </a:p>
+          <a:p>
+            <a:pPr lvl="2"/>
+            <a:r>
+              <a:rPr lang="de-DE" smtClean="0"/>
+              <a:t>Third level</a:t>
+            </a:r>
+          </a:p>
+          <a:p>
+            <a:pPr lvl="3"/>
+            <a:r>
+              <a:rPr lang="de-DE" smtClean="0"/>
+              <a:t>Fourth level</a:t>
+            </a:r>
+          </a:p>
+          <a:p>
+            <a:pPr lvl="4"/>
+            <a:r>
+              <a:rPr lang="de-DE" smtClean="0"/>
+              <a:t>Fifth level</a:t>
+            </a:r>
+            <a:endParaRPr lang="en-US" dirty="0"/>
+          </a:p>
+        </p:txBody>
+      </p:sp>
+      <p:sp>
+        <p:nvSpPr>
+          <p:cNvPr id="4" name="Date Placeholder 3"/>
+          <p:cNvSpPr>
+            <a:spLocks noGrp="1"/>
+          </p:cNvSpPr>
+          <p:nvPr>
+            <p:ph type="dt" sz="half" idx="10"/>
+          </p:nvPr>
+        </p:nvSpPr>
+        <p:spPr/>
+        <p:txBody>
+          <a:bodyPr/>
+          <a:lstStyle/>
+          <a:p>
+            <a:fld id="{2DF339BC-6F24-024F-B7C9-92814ECFBE50}" type="datetimeFigureOut">
+              <a:rPr lang="en-US" smtClean="0"/>
+              <a:t>10/28/15</a:t>
+            </a:fld>
+            <a:endParaRPr lang="en-US"/>
+          </a:p>
+        </p:txBody>
+      </p:sp>
+      <p:sp>
+        <p:nvSpPr>
+          <p:cNvPr id="5" name="Footer Placeholder 4"/>
+          <p:cNvSpPr>
+            <a:spLocks noGrp="1"/>
+          </p:cNvSpPr>
+          <p:nvPr>
+            <p:ph type="ftr" sz="quarter" idx="11"/>
+          </p:nvPr>
+        </p:nvSpPr>
+        <p:spPr/>
+        <p:txBody>
+          <a:bodyPr/>
+          <a:lstStyle/>
+          <a:p>
+            <a:endParaRPr lang="en-US"/>
+          </a:p>
+        </p:txBody>
+      </p:sp>
+      <p:sp>
+        <p:nvSpPr>
+          <p:cNvPr id="6" name="Slide Number Placeholder 5"/>
+          <p:cNvSpPr>
+            <a:spLocks noGrp="1"/>
+          </p:cNvSpPr>
+          <p:nvPr>
+            <p:ph type="sldNum" sz="quarter" idx="12"/>
+          </p:nvPr>
+        </p:nvSpPr>
+        <p:spPr/>
+        <p:txBody>
+          <a:bodyPr/>
+          <a:lstStyle/>
+          <a:p>
+            <a:fld id="{06470FF4-9DCD-3648-9EA5-775956410620}" type="slidenum">
+              <a:rPr lang="en-US" smtClean="0"/>
+              <a:t>‹#›</a:t>
+            </a:fld>
+            <a:endParaRPr lang="en-US"/>
+          </a:p>
+        </p:txBody>
+      </p:sp>
+    </p:spTree>
+    <p:extLst>
+      <p:ext uri="{BB962C8B-B14F-4D97-AF65-F5344CB8AC3E}">
+        <p14:creationId xmlns:p14="http://schemas.microsoft.com/office/powerpoint/2010/main" val="2020849905"/>
+      </p:ext>
+    </p:extLst>
+  </p:cSld>
+  <p:clrMapOvr>
+    <a:masterClrMapping/>
+  </p:clrMapOvr>
+</p:sldLayout>
+</file>
+
+<file path=ppt/slideLayouts/slideLayout3.xml><?xml version="1.0" encoding="utf-8"?>
+<p:sldLayout xmlns:a="http://schemas.openxmlformats.org/drawingml/2006/main" xmlns:r="http://schemas.openxmlformats.org/officeDocument/2006/relationships" xmlns:p="http://schemas.openxmlformats.org/presentationml/2006/main" type="secHead" preserve="1">
+  <p:cSld name="Section Header">
+    <p:spTree>
+      <p:nvGrpSpPr>
+        <p:cNvPr id="1" name=""/>
+        <p:cNvGrpSpPr/>
+        <p:nvPr/>
+      </p:nvGrpSpPr>
+      <p:grpSpPr>
+        <a:xfrm>
+          <a:off x="0" y="0"/>
+          <a:ext cx="0" cy="0"/>
+          <a:chOff x="0" y="0"/>
+          <a:chExt cx="0" cy="0"/>
+        </a:xfrm>
+      </p:grpSpPr>
+      <p:sp>
+        <p:nvSpPr>
+          <p:cNvPr id="2" name="Title 1"/>
+          <p:cNvSpPr>
+            <a:spLocks noGrp="1"/>
+          </p:cNvSpPr>
+          <p:nvPr>
+            <p:ph type="title"/>
+          </p:nvPr>
+        </p:nvSpPr>
+        <p:spPr>
+          <a:xfrm>
+            <a:off x="533400" y="1981199"/>
+            <a:ext cx="6402468" cy="2319867"/>
+          </a:xfrm>
+        </p:spPr>
+        <p:txBody>
+          <a:bodyPr anchor="b">
+            <a:normAutofit/>
+          </a:bodyPr>
+          <a:lstStyle>
+            <a:lvl1pPr algn="l">
+              <a:defRPr sz="3200" b="0" cap="all"/>
+            </a:lvl1pPr>
+          </a:lstStyle>
+          <a:p>
+            <a:r>
+              <a:rPr lang="de-DE" smtClean="0"/>
+              <a:t>Click to edit Master title style</a:t>
+            </a:r>
+            <a:endParaRPr lang="en-US" dirty="0"/>
+          </a:p>
+        </p:txBody>
+      </p:sp>
+      <p:sp>
+        <p:nvSpPr>
+          <p:cNvPr id="3" name="Text Placeholder 2"/>
+          <p:cNvSpPr>
+            <a:spLocks noGrp="1"/>
+          </p:cNvSpPr>
+          <p:nvPr>
+            <p:ph type="body" idx="1"/>
+          </p:nvPr>
+        </p:nvSpPr>
+        <p:spPr>
+          <a:xfrm>
+            <a:off x="533400" y="4487333"/>
+            <a:ext cx="6402467" cy="1532467"/>
+          </a:xfrm>
+        </p:spPr>
+        <p:txBody>
+          <a:bodyPr anchor="t">
+            <a:normAutofit/>
+          </a:bodyPr>
+          <a:lstStyle>
+            <a:lvl1pPr marL="0" indent="0" algn="l">
+              <a:buNone/>
+              <a:defRPr sz="1800">
+                <a:solidFill>
+                  <a:schemeClr val="bg2">
+                    <a:lumMod val="75000"/>
+                  </a:schemeClr>
+                </a:solidFill>
+              </a:defRPr>
+            </a:lvl1pPr>
+            <a:lvl2pPr marL="457200" indent="0">
+              <a:buNone/>
+              <a:defRPr sz="1800">
+                <a:solidFill>
+                  <a:schemeClr val="tx1">
+                    <a:tint val="75000"/>
+                  </a:schemeClr>
+                </a:solidFill>
+              </a:defRPr>
+            </a:lvl2pPr>
+            <a:lvl3pPr marL="914400" indent="0">
+              <a:buNone/>
+              <a:defRPr sz="1600">
+                <a:solidFill>
+                  <a:schemeClr val="tx1">
+                    <a:tint val="75000"/>
+                  </a:schemeClr>
+                </a:solidFill>
+              </a:defRPr>
+            </a:lvl3pPr>
+            <a:lvl4pPr marL="1371600" indent="0">
+              <a:buNone/>
+              <a:defRPr sz="1400">
+                <a:solidFill>
+                  <a:schemeClr val="tx1">
+                    <a:tint val="75000"/>
+                  </a:schemeClr>
+                </a:solidFill>
+              </a:defRPr>
+            </a:lvl4pPr>
+            <a:lvl5pPr marL="1828800" indent="0">
+              <a:buNone/>
+              <a:defRPr sz="1400">
+                <a:solidFill>
+                  <a:schemeClr val="tx1">
+                    <a:tint val="75000"/>
+                  </a:schemeClr>
+                </a:solidFill>
+              </a:defRPr>
+            </a:lvl5pPr>
+            <a:lvl6pPr marL="2286000" indent="0">
+              <a:buNone/>
+              <a:defRPr sz="1400">
+                <a:solidFill>
+                  <a:schemeClr val="tx1">
+                    <a:tint val="75000"/>
+                  </a:schemeClr>
+                </a:solidFill>
+              </a:defRPr>
+            </a:lvl6pPr>
+            <a:lvl7pPr marL="2743200" indent="0">
+              <a:buNone/>
+              <a:defRPr sz="1400">
+                <a:solidFill>
+                  <a:schemeClr val="tx1">
+                    <a:tint val="75000"/>
+                  </a:schemeClr>
+                </a:solidFill>
+              </a:defRPr>
+            </a:lvl7pPr>
+            <a:lvl8pPr marL="3200400" indent="0">
+              <a:buNone/>
+              <a:defRPr sz="1400">
+                <a:solidFill>
+                  <a:schemeClr val="tx1">
+                    <a:tint val="75000"/>
+                  </a:schemeClr>
+                </a:solidFill>
+              </a:defRPr>
+            </a:lvl8pPr>
+            <a:lvl9pPr marL="3657600" indent="0">
+              <a:buNone/>
+              <a:defRPr sz="1400">
+                <a:solidFill>
+                  <a:schemeClr val="tx1">
+                    <a:tint val="75000"/>
+                  </a:schemeClr>
+                </a:solidFill>
+              </a:defRPr>
+            </a:lvl9pPr>
+          </a:lstStyle>
+          <a:p>
+            <a:pPr lvl="0"/>
+            <a:r>
+              <a:rPr lang="de-DE" smtClean="0"/>
+              <a:t>Click to edit Master text styles</a:t>
+            </a:r>
+          </a:p>
+        </p:txBody>
+      </p:sp>
+      <p:sp>
+        <p:nvSpPr>
+          <p:cNvPr id="4" name="Date Placeholder 3"/>
+          <p:cNvSpPr>
+            <a:spLocks noGrp="1"/>
+          </p:cNvSpPr>
+          <p:nvPr>
+            <p:ph type="dt" sz="half" idx="10"/>
+          </p:nvPr>
+        </p:nvSpPr>
+        <p:spPr/>
+        <p:txBody>
+          <a:bodyPr/>
+          <a:lstStyle/>
+          <a:p>
+            <a:fld id="{2DF339BC-6F24-024F-B7C9-92814ECFBE50}" type="datetimeFigureOut">
+              <a:rPr lang="en-US" smtClean="0"/>
+              <a:t>10/28/15</a:t>
+            </a:fld>
+            <a:endParaRPr lang="en-US"/>
+          </a:p>
+        </p:txBody>
+      </p:sp>
+      <p:sp>
+        <p:nvSpPr>
+          <p:cNvPr id="5" name="Footer Placeholder 4"/>
+          <p:cNvSpPr>
+            <a:spLocks noGrp="1"/>
+          </p:cNvSpPr>
+          <p:nvPr>
+            <p:ph type="ftr" sz="quarter" idx="11"/>
+          </p:nvPr>
+        </p:nvSpPr>
+        <p:spPr/>
+        <p:txBody>
+          <a:bodyPr/>
+          <a:lstStyle/>
+          <a:p>
+            <a:endParaRPr lang="en-US"/>
+          </a:p>
+        </p:txBody>
+      </p:sp>
+      <p:sp>
+        <p:nvSpPr>
+          <p:cNvPr id="6" name="Slide Number Placeholder 5"/>
+          <p:cNvSpPr>
+            <a:spLocks noGrp="1"/>
+          </p:cNvSpPr>
+          <p:nvPr>
+            <p:ph type="sldNum" sz="quarter" idx="12"/>
+          </p:nvPr>
+        </p:nvSpPr>
+        <p:spPr/>
+        <p:txBody>
+          <a:bodyPr/>
+          <a:lstStyle/>
+          <a:p>
+            <a:fld id="{06470FF4-9DCD-3648-9EA5-775956410620}" type="slidenum">
+              <a:rPr lang="en-US" smtClean="0"/>
+              <a:t>‹#›</a:t>
+            </a:fld>
+            <a:endParaRPr lang="en-US"/>
+          </a:p>
+        </p:txBody>
+      </p:sp>
+    </p:spTree>
+    <p:extLst>
+      <p:ext uri="{BB962C8B-B14F-4D97-AF65-F5344CB8AC3E}">
+        <p14:creationId xmlns:p14="http://schemas.microsoft.com/office/powerpoint/2010/main" val="1970476030"/>
+      </p:ext>
+    </p:extLst>
   </p:cSld>
   <p:clrMapOvr>
     <a:masterClrMapping/>
@@ -2938,66 +3726,51 @@
             <p:ph type="title"/>
           </p:nvPr>
         </p:nvSpPr>
-        <p:spPr/>
+        <p:spPr>
+          <a:xfrm>
+            <a:off x="533400" y="4495800"/>
+            <a:ext cx="6554867" cy="1524000"/>
+          </a:xfrm>
+        </p:spPr>
         <p:txBody>
-          <a:bodyPr/>
-          <a:lstStyle/>
+          <a:bodyPr>
+            <a:normAutofit/>
+          </a:bodyPr>
+          <a:lstStyle>
+            <a:lvl1pPr>
+              <a:defRPr sz="3200"/>
+            </a:lvl1pPr>
+          </a:lstStyle>
           <a:p>
             <a:r>
               <a:rPr lang="de-DE" smtClean="0"/>
               <a:t>Click to edit Master title style</a:t>
             </a:r>
-            <a:endParaRPr/>
+            <a:endParaRPr lang="en-US" dirty="0"/>
           </a:p>
         </p:txBody>
       </p:sp>
       <p:sp>
         <p:nvSpPr>
-          <p:cNvPr id="3" name="Content Placeholder 2"/>
+          <p:cNvPr id="11" name="Content Placeholder 3"/>
           <p:cNvSpPr>
             <a:spLocks noGrp="1"/>
           </p:cNvSpPr>
           <p:nvPr>
-            <p:ph sz="half" idx="1"/>
+            <p:ph sz="half" idx="13"/>
           </p:nvPr>
         </p:nvSpPr>
         <p:spPr>
           <a:xfrm>
-            <a:off x="740664" y="2784475"/>
-            <a:ext cx="3767328" cy="3252788"/>
+            <a:off x="533400" y="533400"/>
+            <a:ext cx="3949967" cy="3767667"/>
           </a:xfrm>
         </p:spPr>
         <p:txBody>
-          <a:bodyPr/>
-          <a:lstStyle>
-            <a:lvl1pPr>
-              <a:defRPr sz="1800"/>
-            </a:lvl1pPr>
-            <a:lvl2pPr>
-              <a:defRPr sz="1800"/>
-            </a:lvl2pPr>
-            <a:lvl3pPr>
-              <a:defRPr sz="1800"/>
-            </a:lvl3pPr>
-            <a:lvl4pPr>
-              <a:defRPr sz="1800"/>
-            </a:lvl4pPr>
-            <a:lvl5pPr>
-              <a:defRPr sz="1800"/>
-            </a:lvl5pPr>
-            <a:lvl6pPr marL="1946275" indent="-227013">
-              <a:defRPr sz="1600"/>
-            </a:lvl6pPr>
-            <a:lvl7pPr marL="2173288" indent="-227013">
-              <a:defRPr sz="1600"/>
-            </a:lvl7pPr>
-            <a:lvl8pPr marL="2398713" indent="-227013">
-              <a:defRPr sz="1600"/>
-            </a:lvl8pPr>
-            <a:lvl9pPr marL="2625725" indent="-227013">
-              <a:defRPr sz="1600"/>
-            </a:lvl9pPr>
-          </a:lstStyle>
+          <a:bodyPr anchor="ctr">
+            <a:normAutofit/>
+          </a:bodyPr>
+          <a:lstStyle/>
           <a:p>
             <a:pPr lvl="0"/>
             <a:r>
@@ -3032,61 +3805,31 @@
               <a:rPr lang="de-DE" smtClean="0"/>
               <a:t>Fifth level</a:t>
             </a:r>
-            <a:endParaRPr dirty="0"/>
+            <a:endParaRPr lang="en-US" dirty="0"/>
           </a:p>
         </p:txBody>
       </p:sp>
       <p:sp>
         <p:nvSpPr>
-          <p:cNvPr id="4" name="Content Placeholder 3"/>
+          <p:cNvPr id="12" name="Content Placeholder 5"/>
           <p:cNvSpPr>
             <a:spLocks noGrp="1"/>
           </p:cNvSpPr>
           <p:nvPr>
-            <p:ph sz="half" idx="2"/>
+            <p:ph sz="quarter" idx="4"/>
           </p:nvPr>
         </p:nvSpPr>
         <p:spPr>
           <a:xfrm>
-            <a:off x="4634753" y="2784475"/>
-            <a:ext cx="3767328" cy="3252788"/>
+            <a:off x="4662362" y="533400"/>
+            <a:ext cx="3948238" cy="3759200"/>
           </a:xfrm>
         </p:spPr>
         <p:txBody>
-          <a:bodyPr/>
-          <a:lstStyle>
-            <a:lvl1pPr>
-              <a:defRPr sz="1800"/>
-            </a:lvl1pPr>
-            <a:lvl2pPr>
-              <a:defRPr sz="1800"/>
-            </a:lvl2pPr>
-            <a:lvl3pPr>
-              <a:defRPr sz="1800"/>
-            </a:lvl3pPr>
-            <a:lvl4pPr>
-              <a:defRPr sz="1800"/>
-            </a:lvl4pPr>
-            <a:lvl5pPr>
-              <a:defRPr sz="1800"/>
-            </a:lvl5pPr>
-            <a:lvl6pPr marL="1946275" indent="-227013">
-              <a:tabLst/>
-              <a:defRPr sz="1600"/>
-            </a:lvl6pPr>
-            <a:lvl7pPr marL="2173288" indent="-227013">
-              <a:tabLst/>
-              <a:defRPr sz="1600"/>
-            </a:lvl7pPr>
-            <a:lvl8pPr marL="2398713" indent="-227013">
-              <a:tabLst/>
-              <a:defRPr sz="1600"/>
-            </a:lvl8pPr>
-            <a:lvl9pPr marL="2625725" indent="-227013">
-              <a:tabLst/>
-              <a:defRPr sz="1600"/>
-            </a:lvl9pPr>
-          </a:lstStyle>
+          <a:bodyPr anchor="ctr">
+            <a:normAutofit/>
+          </a:bodyPr>
+          <a:lstStyle/>
           <a:p>
             <a:pPr lvl="0"/>
             <a:r>
@@ -3121,7 +3864,7 @@
               <a:rPr lang="de-DE" smtClean="0"/>
               <a:t>Fifth level</a:t>
             </a:r>
-            <a:endParaRPr dirty="0"/>
+            <a:endParaRPr lang="en-US" dirty="0"/>
           </a:p>
         </p:txBody>
       </p:sp>
@@ -3142,7 +3885,7 @@
           <a:p>
             <a:fld id="{2DF339BC-6F24-024F-B7C9-92814ECFBE50}" type="datetimeFigureOut">
               <a:rPr lang="en-US" smtClean="0"/>
-              <a:t>27/07/15</a:t>
+              <a:t>10/28/15</a:t>
             </a:fld>
             <a:endParaRPr lang="en-US"/>
           </a:p>
@@ -3191,6 +3934,11 @@
         </p:txBody>
       </p:sp>
     </p:spTree>
+    <p:extLst>
+      <p:ext uri="{BB962C8B-B14F-4D97-AF65-F5344CB8AC3E}">
+        <p14:creationId xmlns:p14="http://schemas.microsoft.com/office/powerpoint/2010/main" val="1445315823"/>
+      </p:ext>
+    </p:extLst>
   </p:cSld>
   <p:clrMapOvr>
     <a:masterClrMapping/>
@@ -3225,12 +3973,19 @@
             <p:ph type="title"/>
           </p:nvPr>
         </p:nvSpPr>
-        <p:spPr/>
+        <p:spPr>
+          <a:xfrm>
+            <a:off x="533400" y="4495800"/>
+            <a:ext cx="6554867" cy="1524000"/>
+          </a:xfrm>
+        </p:spPr>
         <p:txBody>
-          <a:bodyPr/>
+          <a:bodyPr>
+            <a:normAutofit/>
+          </a:bodyPr>
           <a:lstStyle>
             <a:lvl1pPr>
-              <a:defRPr/>
+              <a:defRPr sz="3200"/>
             </a:lvl1pPr>
           </a:lstStyle>
           <a:p>
@@ -3238,7 +3993,7 @@
               <a:rPr lang="de-DE" smtClean="0"/>
               <a:t>Click to edit Master title style</a:t>
             </a:r>
-            <a:endParaRPr/>
+            <a:endParaRPr lang="en-US" dirty="0"/>
           </a:p>
         </p:txBody>
       </p:sp>
@@ -3254,8 +4009,8 @@
         </p:nvSpPr>
         <p:spPr>
           <a:xfrm>
-            <a:off x="740664" y="2232211"/>
-            <a:ext cx="3767328" cy="762000"/>
+            <a:off x="762001" y="533400"/>
+            <a:ext cx="3716866" cy="609600"/>
           </a:xfrm>
         </p:spPr>
         <p:txBody>
@@ -3263,17 +4018,11 @@
             <a:noAutofit/>
           </a:bodyPr>
           <a:lstStyle>
-            <a:lvl1pPr marL="0" indent="0" algn="ctr">
-              <a:lnSpc>
-                <a:spcPts val="2600"/>
-              </a:lnSpc>
-              <a:spcBef>
-                <a:spcPts val="0"/>
-              </a:spcBef>
+            <a:lvl1pPr marL="0" indent="0">
               <a:buNone/>
-              <a:defRPr sz="2400" b="1">
+              <a:defRPr sz="2400" b="0" cap="all">
                 <a:solidFill>
-                  <a:schemeClr val="accent1"/>
+                  <a:schemeClr val="tx1"/>
                 </a:solidFill>
               </a:defRPr>
             </a:lvl1pPr>
@@ -3331,41 +4080,15 @@
         </p:nvSpPr>
         <p:spPr>
           <a:xfrm>
-            <a:off x="740664" y="3160059"/>
-            <a:ext cx="3767328" cy="2891491"/>
+            <a:off x="533399" y="1143000"/>
+            <a:ext cx="3945467" cy="3158067"/>
           </a:xfrm>
         </p:spPr>
         <p:txBody>
-          <a:bodyPr/>
-          <a:lstStyle>
-            <a:lvl1pPr>
-              <a:defRPr sz="1800"/>
-            </a:lvl1pPr>
-            <a:lvl2pPr>
-              <a:defRPr sz="1800"/>
-            </a:lvl2pPr>
-            <a:lvl3pPr>
-              <a:defRPr sz="1800"/>
-            </a:lvl3pPr>
-            <a:lvl4pPr>
-              <a:defRPr sz="1800"/>
-            </a:lvl4pPr>
-            <a:lvl5pPr>
-              <a:defRPr sz="1800"/>
-            </a:lvl5pPr>
-            <a:lvl6pPr marL="1946275" indent="-234950">
-              <a:defRPr sz="1600"/>
-            </a:lvl6pPr>
-            <a:lvl7pPr marL="2173288" indent="-234950">
-              <a:defRPr sz="1600"/>
-            </a:lvl7pPr>
-            <a:lvl8pPr marL="2398713" indent="-234950">
-              <a:defRPr sz="1600"/>
-            </a:lvl8pPr>
-            <a:lvl9pPr marL="2625725" indent="-234950">
-              <a:defRPr sz="1600"/>
-            </a:lvl9pPr>
-          </a:lstStyle>
+          <a:bodyPr anchor="t">
+            <a:normAutofit/>
+          </a:bodyPr>
+          <a:lstStyle/>
           <a:p>
             <a:pPr lvl="0"/>
             <a:r>
@@ -3400,7 +4123,7 @@
               <a:rPr lang="de-DE" smtClean="0"/>
               <a:t>Fifth level</a:t>
             </a:r>
-            <a:endParaRPr dirty="0"/>
+            <a:endParaRPr lang="en-US" dirty="0"/>
           </a:p>
         </p:txBody>
       </p:sp>
@@ -3416,8 +4139,8 @@
         </p:nvSpPr>
         <p:spPr>
           <a:xfrm>
-            <a:off x="4631578" y="2232211"/>
-            <a:ext cx="3767328" cy="762000"/>
+            <a:off x="4855016" y="566738"/>
+            <a:ext cx="3764051" cy="576262"/>
           </a:xfrm>
         </p:spPr>
         <p:txBody>
@@ -3425,17 +4148,11 @@
             <a:noAutofit/>
           </a:bodyPr>
           <a:lstStyle>
-            <a:lvl1pPr marL="0" indent="0" algn="ctr">
-              <a:lnSpc>
-                <a:spcPts val="2600"/>
-              </a:lnSpc>
-              <a:spcBef>
-                <a:spcPts val="0"/>
-              </a:spcBef>
+            <a:lvl1pPr marL="0" indent="0">
               <a:buNone/>
-              <a:defRPr sz="2400" b="1">
+              <a:defRPr sz="2400" b="0" cap="all">
                 <a:solidFill>
-                  <a:schemeClr val="accent1"/>
+                  <a:schemeClr val="tx1"/>
                 </a:solidFill>
               </a:defRPr>
             </a:lvl1pPr>
@@ -3493,41 +4210,15 @@
         </p:nvSpPr>
         <p:spPr>
           <a:xfrm>
-            <a:off x="4631578" y="3160059"/>
-            <a:ext cx="3767328" cy="2891491"/>
+            <a:off x="4662362" y="1143000"/>
+            <a:ext cx="3956705" cy="3149600"/>
           </a:xfrm>
         </p:spPr>
         <p:txBody>
-          <a:bodyPr/>
-          <a:lstStyle>
-            <a:lvl1pPr>
-              <a:defRPr sz="1800"/>
-            </a:lvl1pPr>
-            <a:lvl2pPr>
-              <a:defRPr sz="1800"/>
-            </a:lvl2pPr>
-            <a:lvl3pPr>
-              <a:defRPr sz="1800"/>
-            </a:lvl3pPr>
-            <a:lvl4pPr>
-              <a:defRPr sz="1800"/>
-            </a:lvl4pPr>
-            <a:lvl5pPr>
-              <a:defRPr sz="1800"/>
-            </a:lvl5pPr>
-            <a:lvl6pPr marL="1946275" indent="-234950">
-              <a:defRPr sz="1600"/>
-            </a:lvl6pPr>
-            <a:lvl7pPr marL="2173288" indent="-234950">
-              <a:defRPr sz="1600"/>
-            </a:lvl7pPr>
-            <a:lvl8pPr marL="2398713" indent="-234950">
-              <a:defRPr sz="1600"/>
-            </a:lvl8pPr>
-            <a:lvl9pPr marL="2625725" indent="-234950">
-              <a:defRPr sz="1600"/>
-            </a:lvl9pPr>
-          </a:lstStyle>
+          <a:bodyPr anchor="t">
+            <a:normAutofit/>
+          </a:bodyPr>
+          <a:lstStyle/>
           <a:p>
             <a:pPr lvl="0"/>
             <a:r>
@@ -3562,7 +4253,7 @@
               <a:rPr lang="de-DE" smtClean="0"/>
               <a:t>Fifth level</a:t>
             </a:r>
-            <a:endParaRPr dirty="0"/>
+            <a:endParaRPr lang="en-US" dirty="0"/>
           </a:p>
         </p:txBody>
       </p:sp>
@@ -3583,7 +4274,7 @@
           <a:p>
             <a:fld id="{2DF339BC-6F24-024F-B7C9-92814ECFBE50}" type="datetimeFigureOut">
               <a:rPr lang="en-US" smtClean="0"/>
-              <a:t>27/07/15</a:t>
+              <a:t>10/28/15</a:t>
             </a:fld>
             <a:endParaRPr lang="en-US"/>
           </a:p>
@@ -3632,6 +4323,11 @@
         </p:txBody>
       </p:sp>
     </p:spTree>
+    <p:extLst>
+      <p:ext uri="{BB962C8B-B14F-4D97-AF65-F5344CB8AC3E}">
+        <p14:creationId xmlns:p14="http://schemas.microsoft.com/office/powerpoint/2010/main" val="1235505944"/>
+      </p:ext>
+    </p:extLst>
   </p:cSld>
   <p:clrMapOvr>
     <a:masterClrMapping/>
@@ -3640,1238 +4336,6 @@
 </file>
 
 <file path=ppt/slideLayouts/slideLayout6.xml><?xml version="1.0" encoding="utf-8"?>
-<p:sldLayout xmlns:a="http://schemas.openxmlformats.org/drawingml/2006/main" xmlns:r="http://schemas.openxmlformats.org/officeDocument/2006/relationships" xmlns:p="http://schemas.openxmlformats.org/presentationml/2006/main" preserve="1">
-  <p:cSld name="2 Content, Top and Bottom">
-    <p:spTree>
-      <p:nvGrpSpPr>
-        <p:cNvPr id="1" name=""/>
-        <p:cNvGrpSpPr/>
-        <p:nvPr/>
-      </p:nvGrpSpPr>
-      <p:grpSpPr>
-        <a:xfrm>
-          <a:off x="0" y="0"/>
-          <a:ext cx="0" cy="0"/>
-          <a:chOff x="0" y="0"/>
-          <a:chExt cx="0" cy="0"/>
-        </a:xfrm>
-      </p:grpSpPr>
-      <p:sp>
-        <p:nvSpPr>
-          <p:cNvPr id="2" name="Title 1"/>
-          <p:cNvSpPr>
-            <a:spLocks noGrp="1"/>
-          </p:cNvSpPr>
-          <p:nvPr>
-            <p:ph type="title"/>
-          </p:nvPr>
-        </p:nvSpPr>
-        <p:spPr/>
-        <p:txBody>
-          <a:bodyPr/>
-          <a:lstStyle/>
-          <a:p>
-            <a:r>
-              <a:rPr lang="de-DE" smtClean="0"/>
-              <a:t>Click to edit Master title style</a:t>
-            </a:r>
-            <a:endParaRPr/>
-          </a:p>
-        </p:txBody>
-      </p:sp>
-      <p:sp>
-        <p:nvSpPr>
-          <p:cNvPr id="3" name="Content Placeholder 2"/>
-          <p:cNvSpPr>
-            <a:spLocks noGrp="1"/>
-          </p:cNvSpPr>
-          <p:nvPr>
-            <p:ph sz="half" idx="1"/>
-          </p:nvPr>
-        </p:nvSpPr>
-        <p:spPr>
-          <a:xfrm>
-            <a:off x="762000" y="2784475"/>
-            <a:ext cx="7656512" cy="1554480"/>
-          </a:xfrm>
-        </p:spPr>
-        <p:txBody>
-          <a:bodyPr/>
-          <a:lstStyle>
-            <a:lvl1pPr>
-              <a:defRPr sz="1800"/>
-            </a:lvl1pPr>
-            <a:lvl2pPr>
-              <a:defRPr sz="1800"/>
-            </a:lvl2pPr>
-            <a:lvl3pPr>
-              <a:defRPr sz="1800"/>
-            </a:lvl3pPr>
-            <a:lvl4pPr>
-              <a:defRPr sz="1800"/>
-            </a:lvl4pPr>
-            <a:lvl5pPr>
-              <a:defRPr sz="1800"/>
-            </a:lvl5pPr>
-            <a:lvl6pPr>
-              <a:defRPr sz="1800"/>
-            </a:lvl6pPr>
-            <a:lvl7pPr>
-              <a:defRPr sz="1800"/>
-            </a:lvl7pPr>
-            <a:lvl8pPr>
-              <a:defRPr sz="1800"/>
-            </a:lvl8pPr>
-            <a:lvl9pPr>
-              <a:defRPr sz="1800"/>
-            </a:lvl9pPr>
-          </a:lstStyle>
-          <a:p>
-            <a:pPr lvl="0"/>
-            <a:r>
-              <a:rPr lang="de-DE" smtClean="0"/>
-              <a:t>Click to edit Master text styles</a:t>
-            </a:r>
-          </a:p>
-          <a:p>
-            <a:pPr lvl="1"/>
-            <a:r>
-              <a:rPr lang="de-DE" smtClean="0"/>
-              <a:t>Second level</a:t>
-            </a:r>
-          </a:p>
-          <a:p>
-            <a:pPr lvl="2"/>
-            <a:r>
-              <a:rPr lang="de-DE" smtClean="0"/>
-              <a:t>Third level</a:t>
-            </a:r>
-          </a:p>
-          <a:p>
-            <a:pPr lvl="3"/>
-            <a:r>
-              <a:rPr lang="de-DE" smtClean="0"/>
-              <a:t>Fourth level</a:t>
-            </a:r>
-          </a:p>
-          <a:p>
-            <a:pPr lvl="4"/>
-            <a:r>
-              <a:rPr lang="de-DE" smtClean="0"/>
-              <a:t>Fifth level</a:t>
-            </a:r>
-            <a:endParaRPr dirty="0"/>
-          </a:p>
-        </p:txBody>
-      </p:sp>
-      <p:sp>
-        <p:nvSpPr>
-          <p:cNvPr id="5" name="Date Placeholder 4"/>
-          <p:cNvSpPr>
-            <a:spLocks noGrp="1"/>
-          </p:cNvSpPr>
-          <p:nvPr>
-            <p:ph type="dt" sz="half" idx="10"/>
-          </p:nvPr>
-        </p:nvSpPr>
-        <p:spPr/>
-        <p:txBody>
-          <a:bodyPr/>
-          <a:lstStyle/>
-          <a:p>
-            <a:fld id="{2DF339BC-6F24-024F-B7C9-92814ECFBE50}" type="datetimeFigureOut">
-              <a:rPr lang="en-US" smtClean="0"/>
-              <a:t>27/07/15</a:t>
-            </a:fld>
-            <a:endParaRPr lang="en-US"/>
-          </a:p>
-        </p:txBody>
-      </p:sp>
-      <p:sp>
-        <p:nvSpPr>
-          <p:cNvPr id="6" name="Footer Placeholder 5"/>
-          <p:cNvSpPr>
-            <a:spLocks noGrp="1"/>
-          </p:cNvSpPr>
-          <p:nvPr>
-            <p:ph type="ftr" sz="quarter" idx="11"/>
-          </p:nvPr>
-        </p:nvSpPr>
-        <p:spPr/>
-        <p:txBody>
-          <a:bodyPr/>
-          <a:lstStyle/>
-          <a:p>
-            <a:endParaRPr lang="en-US"/>
-          </a:p>
-        </p:txBody>
-      </p:sp>
-      <p:sp>
-        <p:nvSpPr>
-          <p:cNvPr id="7" name="Slide Number Placeholder 6"/>
-          <p:cNvSpPr>
-            <a:spLocks noGrp="1"/>
-          </p:cNvSpPr>
-          <p:nvPr>
-            <p:ph type="sldNum" sz="quarter" idx="12"/>
-          </p:nvPr>
-        </p:nvSpPr>
-        <p:spPr/>
-        <p:txBody>
-          <a:bodyPr/>
-          <a:lstStyle/>
-          <a:p>
-            <a:fld id="{06470FF4-9DCD-3648-9EA5-775956410620}" type="slidenum">
-              <a:rPr lang="en-US" smtClean="0"/>
-              <a:t>‹#›</a:t>
-            </a:fld>
-            <a:endParaRPr lang="en-US"/>
-          </a:p>
-        </p:txBody>
-      </p:sp>
-      <p:sp>
-        <p:nvSpPr>
-          <p:cNvPr id="8" name="Content Placeholder 2"/>
-          <p:cNvSpPr>
-            <a:spLocks noGrp="1"/>
-          </p:cNvSpPr>
-          <p:nvPr>
-            <p:ph sz="half" idx="13"/>
-          </p:nvPr>
-        </p:nvSpPr>
-        <p:spPr>
-          <a:xfrm>
-            <a:off x="762000" y="4497070"/>
-            <a:ext cx="7656512" cy="1554480"/>
-          </a:xfrm>
-        </p:spPr>
-        <p:txBody>
-          <a:bodyPr/>
-          <a:lstStyle>
-            <a:lvl1pPr>
-              <a:defRPr sz="1800"/>
-            </a:lvl1pPr>
-            <a:lvl2pPr>
-              <a:defRPr sz="1800"/>
-            </a:lvl2pPr>
-            <a:lvl3pPr>
-              <a:defRPr sz="1800"/>
-            </a:lvl3pPr>
-            <a:lvl4pPr>
-              <a:defRPr sz="1800"/>
-            </a:lvl4pPr>
-            <a:lvl5pPr>
-              <a:defRPr sz="1800"/>
-            </a:lvl5pPr>
-            <a:lvl6pPr>
-              <a:defRPr sz="1800"/>
-            </a:lvl6pPr>
-            <a:lvl7pPr>
-              <a:defRPr sz="1800"/>
-            </a:lvl7pPr>
-            <a:lvl8pPr>
-              <a:defRPr sz="1800"/>
-            </a:lvl8pPr>
-            <a:lvl9pPr>
-              <a:defRPr sz="1800"/>
-            </a:lvl9pPr>
-          </a:lstStyle>
-          <a:p>
-            <a:pPr lvl="0"/>
-            <a:r>
-              <a:rPr lang="de-DE" smtClean="0"/>
-              <a:t>Click to edit Master text styles</a:t>
-            </a:r>
-          </a:p>
-          <a:p>
-            <a:pPr lvl="1"/>
-            <a:r>
-              <a:rPr lang="de-DE" smtClean="0"/>
-              <a:t>Second level</a:t>
-            </a:r>
-          </a:p>
-          <a:p>
-            <a:pPr lvl="2"/>
-            <a:r>
-              <a:rPr lang="de-DE" smtClean="0"/>
-              <a:t>Third level</a:t>
-            </a:r>
-          </a:p>
-          <a:p>
-            <a:pPr lvl="3"/>
-            <a:r>
-              <a:rPr lang="de-DE" smtClean="0"/>
-              <a:t>Fourth level</a:t>
-            </a:r>
-          </a:p>
-          <a:p>
-            <a:pPr lvl="4"/>
-            <a:r>
-              <a:rPr lang="de-DE" smtClean="0"/>
-              <a:t>Fifth level</a:t>
-            </a:r>
-            <a:endParaRPr dirty="0"/>
-          </a:p>
-        </p:txBody>
-      </p:sp>
-    </p:spTree>
-  </p:cSld>
-  <p:clrMapOvr>
-    <a:masterClrMapping/>
-  </p:clrMapOvr>
-</p:sldLayout>
-</file>
-
-<file path=ppt/slideLayouts/slideLayout7.xml><?xml version="1.0" encoding="utf-8"?>
-<p:sldLayout xmlns:a="http://schemas.openxmlformats.org/drawingml/2006/main" xmlns:r="http://schemas.openxmlformats.org/officeDocument/2006/relationships" xmlns:p="http://schemas.openxmlformats.org/presentationml/2006/main" preserve="1">
-  <p:cSld name="3 Content">
-    <p:spTree>
-      <p:nvGrpSpPr>
-        <p:cNvPr id="1" name=""/>
-        <p:cNvGrpSpPr/>
-        <p:nvPr/>
-      </p:nvGrpSpPr>
-      <p:grpSpPr>
-        <a:xfrm>
-          <a:off x="0" y="0"/>
-          <a:ext cx="0" cy="0"/>
-          <a:chOff x="0" y="0"/>
-          <a:chExt cx="0" cy="0"/>
-        </a:xfrm>
-      </p:grpSpPr>
-      <p:sp>
-        <p:nvSpPr>
-          <p:cNvPr id="2" name="Title 1"/>
-          <p:cNvSpPr>
-            <a:spLocks noGrp="1"/>
-          </p:cNvSpPr>
-          <p:nvPr>
-            <p:ph type="title"/>
-          </p:nvPr>
-        </p:nvSpPr>
-        <p:spPr/>
-        <p:txBody>
-          <a:bodyPr/>
-          <a:lstStyle/>
-          <a:p>
-            <a:r>
-              <a:rPr lang="de-DE" smtClean="0"/>
-              <a:t>Click to edit Master title style</a:t>
-            </a:r>
-            <a:endParaRPr/>
-          </a:p>
-        </p:txBody>
-      </p:sp>
-      <p:sp>
-        <p:nvSpPr>
-          <p:cNvPr id="3" name="Content Placeholder 2"/>
-          <p:cNvSpPr>
-            <a:spLocks noGrp="1"/>
-          </p:cNvSpPr>
-          <p:nvPr>
-            <p:ph sz="half" idx="1"/>
-          </p:nvPr>
-        </p:nvSpPr>
-        <p:spPr>
-          <a:xfrm>
-            <a:off x="4636008" y="2784475"/>
-            <a:ext cx="3767328" cy="1554480"/>
-          </a:xfrm>
-        </p:spPr>
-        <p:txBody>
-          <a:bodyPr/>
-          <a:lstStyle>
-            <a:lvl1pPr>
-              <a:defRPr sz="1800"/>
-            </a:lvl1pPr>
-            <a:lvl2pPr>
-              <a:defRPr sz="1800"/>
-            </a:lvl2pPr>
-            <a:lvl3pPr>
-              <a:defRPr sz="1800"/>
-            </a:lvl3pPr>
-            <a:lvl4pPr>
-              <a:defRPr sz="1800"/>
-            </a:lvl4pPr>
-            <a:lvl5pPr>
-              <a:defRPr sz="1800"/>
-            </a:lvl5pPr>
-            <a:lvl6pPr marL="1946275" indent="-227013">
-              <a:defRPr sz="1600"/>
-            </a:lvl6pPr>
-            <a:lvl7pPr marL="2173288" indent="-227013">
-              <a:defRPr sz="1600"/>
-            </a:lvl7pPr>
-            <a:lvl8pPr marL="2398713" indent="-227013">
-              <a:defRPr sz="1600"/>
-            </a:lvl8pPr>
-            <a:lvl9pPr marL="2625725" indent="-227013">
-              <a:defRPr sz="1600"/>
-            </a:lvl9pPr>
-          </a:lstStyle>
-          <a:p>
-            <a:pPr lvl="0"/>
-            <a:r>
-              <a:rPr lang="de-DE" smtClean="0"/>
-              <a:t>Click to edit Master text styles</a:t>
-            </a:r>
-          </a:p>
-          <a:p>
-            <a:pPr lvl="1"/>
-            <a:r>
-              <a:rPr lang="de-DE" smtClean="0"/>
-              <a:t>Second level</a:t>
-            </a:r>
-          </a:p>
-          <a:p>
-            <a:pPr lvl="2"/>
-            <a:r>
-              <a:rPr lang="de-DE" smtClean="0"/>
-              <a:t>Third level</a:t>
-            </a:r>
-          </a:p>
-          <a:p>
-            <a:pPr lvl="3"/>
-            <a:r>
-              <a:rPr lang="de-DE" smtClean="0"/>
-              <a:t>Fourth level</a:t>
-            </a:r>
-          </a:p>
-          <a:p>
-            <a:pPr lvl="4"/>
-            <a:r>
-              <a:rPr lang="de-DE" smtClean="0"/>
-              <a:t>Fifth level</a:t>
-            </a:r>
-            <a:endParaRPr dirty="0"/>
-          </a:p>
-        </p:txBody>
-      </p:sp>
-      <p:sp>
-        <p:nvSpPr>
-          <p:cNvPr id="5" name="Date Placeholder 4"/>
-          <p:cNvSpPr>
-            <a:spLocks noGrp="1"/>
-          </p:cNvSpPr>
-          <p:nvPr>
-            <p:ph type="dt" sz="half" idx="10"/>
-          </p:nvPr>
-        </p:nvSpPr>
-        <p:spPr/>
-        <p:txBody>
-          <a:bodyPr/>
-          <a:lstStyle/>
-          <a:p>
-            <a:fld id="{2DF339BC-6F24-024F-B7C9-92814ECFBE50}" type="datetimeFigureOut">
-              <a:rPr lang="en-US" smtClean="0"/>
-              <a:t>27/07/15</a:t>
-            </a:fld>
-            <a:endParaRPr lang="en-US"/>
-          </a:p>
-        </p:txBody>
-      </p:sp>
-      <p:sp>
-        <p:nvSpPr>
-          <p:cNvPr id="6" name="Footer Placeholder 5"/>
-          <p:cNvSpPr>
-            <a:spLocks noGrp="1"/>
-          </p:cNvSpPr>
-          <p:nvPr>
-            <p:ph type="ftr" sz="quarter" idx="11"/>
-          </p:nvPr>
-        </p:nvSpPr>
-        <p:spPr/>
-        <p:txBody>
-          <a:bodyPr/>
-          <a:lstStyle/>
-          <a:p>
-            <a:endParaRPr lang="en-US"/>
-          </a:p>
-        </p:txBody>
-      </p:sp>
-      <p:sp>
-        <p:nvSpPr>
-          <p:cNvPr id="7" name="Slide Number Placeholder 6"/>
-          <p:cNvSpPr>
-            <a:spLocks noGrp="1"/>
-          </p:cNvSpPr>
-          <p:nvPr>
-            <p:ph type="sldNum" sz="quarter" idx="12"/>
-          </p:nvPr>
-        </p:nvSpPr>
-        <p:spPr/>
-        <p:txBody>
-          <a:bodyPr/>
-          <a:lstStyle/>
-          <a:p>
-            <a:fld id="{06470FF4-9DCD-3648-9EA5-775956410620}" type="slidenum">
-              <a:rPr lang="en-US" smtClean="0"/>
-              <a:t>‹#›</a:t>
-            </a:fld>
-            <a:endParaRPr lang="en-US"/>
-          </a:p>
-        </p:txBody>
-      </p:sp>
-      <p:sp>
-        <p:nvSpPr>
-          <p:cNvPr id="8" name="Content Placeholder 2"/>
-          <p:cNvSpPr>
-            <a:spLocks noGrp="1"/>
-          </p:cNvSpPr>
-          <p:nvPr>
-            <p:ph sz="half" idx="13"/>
-          </p:nvPr>
-        </p:nvSpPr>
-        <p:spPr>
-          <a:xfrm>
-            <a:off x="4636008" y="4497070"/>
-            <a:ext cx="3767328" cy="1554480"/>
-          </a:xfrm>
-        </p:spPr>
-        <p:txBody>
-          <a:bodyPr/>
-          <a:lstStyle>
-            <a:lvl1pPr>
-              <a:defRPr sz="1800"/>
-            </a:lvl1pPr>
-            <a:lvl2pPr>
-              <a:defRPr sz="1800"/>
-            </a:lvl2pPr>
-            <a:lvl3pPr>
-              <a:defRPr sz="1800"/>
-            </a:lvl3pPr>
-            <a:lvl4pPr>
-              <a:defRPr sz="1800"/>
-            </a:lvl4pPr>
-            <a:lvl5pPr>
-              <a:defRPr sz="1800"/>
-            </a:lvl5pPr>
-            <a:lvl6pPr marL="1946275" indent="-234950">
-              <a:defRPr sz="1600"/>
-            </a:lvl6pPr>
-            <a:lvl7pPr marL="2173288" indent="-234950">
-              <a:defRPr sz="1600"/>
-            </a:lvl7pPr>
-            <a:lvl8pPr marL="2398713" indent="-234950">
-              <a:defRPr sz="1600"/>
-            </a:lvl8pPr>
-            <a:lvl9pPr marL="2625725" indent="-234950">
-              <a:defRPr sz="1600"/>
-            </a:lvl9pPr>
-          </a:lstStyle>
-          <a:p>
-            <a:pPr lvl="0"/>
-            <a:r>
-              <a:rPr lang="de-DE" smtClean="0"/>
-              <a:t>Click to edit Master text styles</a:t>
-            </a:r>
-          </a:p>
-          <a:p>
-            <a:pPr lvl="1"/>
-            <a:r>
-              <a:rPr lang="de-DE" smtClean="0"/>
-              <a:t>Second level</a:t>
-            </a:r>
-          </a:p>
-          <a:p>
-            <a:pPr lvl="2"/>
-            <a:r>
-              <a:rPr lang="de-DE" smtClean="0"/>
-              <a:t>Third level</a:t>
-            </a:r>
-          </a:p>
-          <a:p>
-            <a:pPr lvl="3"/>
-            <a:r>
-              <a:rPr lang="de-DE" smtClean="0"/>
-              <a:t>Fourth level</a:t>
-            </a:r>
-          </a:p>
-          <a:p>
-            <a:pPr lvl="4"/>
-            <a:r>
-              <a:rPr lang="de-DE" smtClean="0"/>
-              <a:t>Fifth level</a:t>
-            </a:r>
-            <a:endParaRPr dirty="0"/>
-          </a:p>
-        </p:txBody>
-      </p:sp>
-      <p:sp>
-        <p:nvSpPr>
-          <p:cNvPr id="9" name="Content Placeholder 2"/>
-          <p:cNvSpPr>
-            <a:spLocks noGrp="1"/>
-          </p:cNvSpPr>
-          <p:nvPr>
-            <p:ph sz="half" idx="14"/>
-          </p:nvPr>
-        </p:nvSpPr>
-        <p:spPr>
-          <a:xfrm>
-            <a:off x="740664" y="2784475"/>
-            <a:ext cx="3767328" cy="3252788"/>
-          </a:xfrm>
-        </p:spPr>
-        <p:txBody>
-          <a:bodyPr/>
-          <a:lstStyle>
-            <a:lvl1pPr>
-              <a:defRPr sz="1800"/>
-            </a:lvl1pPr>
-            <a:lvl2pPr>
-              <a:defRPr sz="1800"/>
-            </a:lvl2pPr>
-            <a:lvl3pPr>
-              <a:defRPr sz="1800"/>
-            </a:lvl3pPr>
-            <a:lvl4pPr>
-              <a:defRPr sz="1800"/>
-            </a:lvl4pPr>
-            <a:lvl5pPr>
-              <a:defRPr sz="1800"/>
-            </a:lvl5pPr>
-            <a:lvl6pPr marL="1946275" indent="-234950">
-              <a:defRPr sz="1600"/>
-            </a:lvl6pPr>
-            <a:lvl7pPr marL="2173288" indent="-234950">
-              <a:defRPr sz="1600"/>
-            </a:lvl7pPr>
-            <a:lvl8pPr marL="2398713" indent="-234950">
-              <a:defRPr sz="1600"/>
-            </a:lvl8pPr>
-            <a:lvl9pPr marL="2625725" indent="-234950">
-              <a:defRPr sz="1600"/>
-            </a:lvl9pPr>
-          </a:lstStyle>
-          <a:p>
-            <a:pPr lvl="0"/>
-            <a:r>
-              <a:rPr lang="de-DE" smtClean="0"/>
-              <a:t>Click to edit Master text styles</a:t>
-            </a:r>
-          </a:p>
-          <a:p>
-            <a:pPr lvl="1"/>
-            <a:r>
-              <a:rPr lang="de-DE" smtClean="0"/>
-              <a:t>Second level</a:t>
-            </a:r>
-          </a:p>
-          <a:p>
-            <a:pPr lvl="2"/>
-            <a:r>
-              <a:rPr lang="de-DE" smtClean="0"/>
-              <a:t>Third level</a:t>
-            </a:r>
-          </a:p>
-          <a:p>
-            <a:pPr lvl="3"/>
-            <a:r>
-              <a:rPr lang="de-DE" smtClean="0"/>
-              <a:t>Fourth level</a:t>
-            </a:r>
-          </a:p>
-          <a:p>
-            <a:pPr lvl="4"/>
-            <a:r>
-              <a:rPr lang="de-DE" smtClean="0"/>
-              <a:t>Fifth level</a:t>
-            </a:r>
-            <a:endParaRPr dirty="0"/>
-          </a:p>
-        </p:txBody>
-      </p:sp>
-    </p:spTree>
-  </p:cSld>
-  <p:clrMapOvr>
-    <a:masterClrMapping/>
-  </p:clrMapOvr>
-</p:sldLayout>
-</file>
-
-<file path=ppt/slideLayouts/slideLayout8.xml><?xml version="1.0" encoding="utf-8"?>
-<p:sldLayout xmlns:a="http://schemas.openxmlformats.org/drawingml/2006/main" xmlns:r="http://schemas.openxmlformats.org/officeDocument/2006/relationships" xmlns:p="http://schemas.openxmlformats.org/presentationml/2006/main" preserve="1">
-  <p:cSld name="4 Content">
-    <p:spTree>
-      <p:nvGrpSpPr>
-        <p:cNvPr id="1" name=""/>
-        <p:cNvGrpSpPr/>
-        <p:nvPr/>
-      </p:nvGrpSpPr>
-      <p:grpSpPr>
-        <a:xfrm>
-          <a:off x="0" y="0"/>
-          <a:ext cx="0" cy="0"/>
-          <a:chOff x="0" y="0"/>
-          <a:chExt cx="0" cy="0"/>
-        </a:xfrm>
-      </p:grpSpPr>
-      <p:sp>
-        <p:nvSpPr>
-          <p:cNvPr id="2" name="Title 1"/>
-          <p:cNvSpPr>
-            <a:spLocks noGrp="1"/>
-          </p:cNvSpPr>
-          <p:nvPr>
-            <p:ph type="title"/>
-          </p:nvPr>
-        </p:nvSpPr>
-        <p:spPr/>
-        <p:txBody>
-          <a:bodyPr/>
-          <a:lstStyle/>
-          <a:p>
-            <a:r>
-              <a:rPr lang="de-DE" smtClean="0"/>
-              <a:t>Click to edit Master title style</a:t>
-            </a:r>
-            <a:endParaRPr/>
-          </a:p>
-        </p:txBody>
-      </p:sp>
-      <p:sp>
-        <p:nvSpPr>
-          <p:cNvPr id="3" name="Content Placeholder 2"/>
-          <p:cNvSpPr>
-            <a:spLocks noGrp="1"/>
-          </p:cNvSpPr>
-          <p:nvPr>
-            <p:ph sz="half" idx="1"/>
-          </p:nvPr>
-        </p:nvSpPr>
-        <p:spPr>
-          <a:xfrm>
-            <a:off x="4636008" y="2784475"/>
-            <a:ext cx="3767328" cy="1554480"/>
-          </a:xfrm>
-        </p:spPr>
-        <p:txBody>
-          <a:bodyPr/>
-          <a:lstStyle>
-            <a:lvl1pPr>
-              <a:defRPr sz="1800"/>
-            </a:lvl1pPr>
-            <a:lvl2pPr>
-              <a:defRPr sz="1800"/>
-            </a:lvl2pPr>
-            <a:lvl3pPr>
-              <a:defRPr sz="1800"/>
-            </a:lvl3pPr>
-            <a:lvl4pPr>
-              <a:defRPr sz="1800"/>
-            </a:lvl4pPr>
-            <a:lvl5pPr>
-              <a:defRPr sz="1800"/>
-            </a:lvl5pPr>
-            <a:lvl6pPr marL="1946275" indent="-227013">
-              <a:defRPr sz="1600"/>
-            </a:lvl6pPr>
-            <a:lvl7pPr marL="2173288" indent="-227013">
-              <a:defRPr sz="1600"/>
-            </a:lvl7pPr>
-            <a:lvl8pPr marL="2398713" indent="-227013">
-              <a:defRPr sz="1600"/>
-            </a:lvl8pPr>
-            <a:lvl9pPr marL="2625725" indent="-227013">
-              <a:defRPr sz="1600"/>
-            </a:lvl9pPr>
-          </a:lstStyle>
-          <a:p>
-            <a:pPr lvl="0"/>
-            <a:r>
-              <a:rPr lang="de-DE" smtClean="0"/>
-              <a:t>Click to edit Master text styles</a:t>
-            </a:r>
-          </a:p>
-          <a:p>
-            <a:pPr lvl="1"/>
-            <a:r>
-              <a:rPr lang="de-DE" smtClean="0"/>
-              <a:t>Second level</a:t>
-            </a:r>
-          </a:p>
-          <a:p>
-            <a:pPr lvl="2"/>
-            <a:r>
-              <a:rPr lang="de-DE" smtClean="0"/>
-              <a:t>Third level</a:t>
-            </a:r>
-          </a:p>
-          <a:p>
-            <a:pPr lvl="3"/>
-            <a:r>
-              <a:rPr lang="de-DE" smtClean="0"/>
-              <a:t>Fourth level</a:t>
-            </a:r>
-          </a:p>
-          <a:p>
-            <a:pPr lvl="4"/>
-            <a:r>
-              <a:rPr lang="de-DE" smtClean="0"/>
-              <a:t>Fifth level</a:t>
-            </a:r>
-            <a:endParaRPr dirty="0"/>
-          </a:p>
-        </p:txBody>
-      </p:sp>
-      <p:sp>
-        <p:nvSpPr>
-          <p:cNvPr id="5" name="Date Placeholder 4"/>
-          <p:cNvSpPr>
-            <a:spLocks noGrp="1"/>
-          </p:cNvSpPr>
-          <p:nvPr>
-            <p:ph type="dt" sz="half" idx="10"/>
-          </p:nvPr>
-        </p:nvSpPr>
-        <p:spPr/>
-        <p:txBody>
-          <a:bodyPr/>
-          <a:lstStyle/>
-          <a:p>
-            <a:fld id="{2DF339BC-6F24-024F-B7C9-92814ECFBE50}" type="datetimeFigureOut">
-              <a:rPr lang="en-US" smtClean="0"/>
-              <a:t>27/07/15</a:t>
-            </a:fld>
-            <a:endParaRPr lang="en-US"/>
-          </a:p>
-        </p:txBody>
-      </p:sp>
-      <p:sp>
-        <p:nvSpPr>
-          <p:cNvPr id="6" name="Footer Placeholder 5"/>
-          <p:cNvSpPr>
-            <a:spLocks noGrp="1"/>
-          </p:cNvSpPr>
-          <p:nvPr>
-            <p:ph type="ftr" sz="quarter" idx="11"/>
-          </p:nvPr>
-        </p:nvSpPr>
-        <p:spPr/>
-        <p:txBody>
-          <a:bodyPr/>
-          <a:lstStyle/>
-          <a:p>
-            <a:endParaRPr lang="en-US"/>
-          </a:p>
-        </p:txBody>
-      </p:sp>
-      <p:sp>
-        <p:nvSpPr>
-          <p:cNvPr id="7" name="Slide Number Placeholder 6"/>
-          <p:cNvSpPr>
-            <a:spLocks noGrp="1"/>
-          </p:cNvSpPr>
-          <p:nvPr>
-            <p:ph type="sldNum" sz="quarter" idx="12"/>
-          </p:nvPr>
-        </p:nvSpPr>
-        <p:spPr/>
-        <p:txBody>
-          <a:bodyPr/>
-          <a:lstStyle/>
-          <a:p>
-            <a:fld id="{06470FF4-9DCD-3648-9EA5-775956410620}" type="slidenum">
-              <a:rPr lang="en-US" smtClean="0"/>
-              <a:t>‹#›</a:t>
-            </a:fld>
-            <a:endParaRPr lang="en-US"/>
-          </a:p>
-        </p:txBody>
-      </p:sp>
-      <p:sp>
-        <p:nvSpPr>
-          <p:cNvPr id="8" name="Content Placeholder 2"/>
-          <p:cNvSpPr>
-            <a:spLocks noGrp="1"/>
-          </p:cNvSpPr>
-          <p:nvPr>
-            <p:ph sz="half" idx="13"/>
-          </p:nvPr>
-        </p:nvSpPr>
-        <p:spPr>
-          <a:xfrm>
-            <a:off x="4636008" y="4497070"/>
-            <a:ext cx="3767328" cy="1554480"/>
-          </a:xfrm>
-        </p:spPr>
-        <p:txBody>
-          <a:bodyPr/>
-          <a:lstStyle>
-            <a:lvl1pPr>
-              <a:defRPr sz="1800"/>
-            </a:lvl1pPr>
-            <a:lvl2pPr>
-              <a:defRPr sz="1800"/>
-            </a:lvl2pPr>
-            <a:lvl3pPr>
-              <a:defRPr sz="1800"/>
-            </a:lvl3pPr>
-            <a:lvl4pPr>
-              <a:defRPr sz="1800"/>
-            </a:lvl4pPr>
-            <a:lvl5pPr>
-              <a:defRPr sz="1800"/>
-            </a:lvl5pPr>
-            <a:lvl6pPr marL="1946275" indent="-234950" algn="l" defTabSz="914400" rtl="0" eaLnBrk="1" latinLnBrk="0" hangingPunct="1">
-              <a:spcBef>
-                <a:spcPct val="20000"/>
-              </a:spcBef>
-              <a:buSzPct val="90000"/>
-              <a:buFont typeface="Wingdings" pitchFamily="2" charset="2"/>
-              <a:buChar char=""/>
-              <a:defRPr lang="en-US" sz="1600" kern="1200" dirty="0" smtClean="0">
-                <a:solidFill>
-                  <a:schemeClr val="tx1">
-                    <a:lumMod val="65000"/>
-                    <a:lumOff val="35000"/>
-                  </a:schemeClr>
-                </a:solidFill>
-                <a:latin typeface="+mn-lt"/>
-                <a:ea typeface="+mn-ea"/>
-                <a:cs typeface="+mn-cs"/>
-              </a:defRPr>
-            </a:lvl6pPr>
-            <a:lvl7pPr marL="2173288" indent="-234950" algn="l" defTabSz="914400" rtl="0" eaLnBrk="1" latinLnBrk="0" hangingPunct="1">
-              <a:spcBef>
-                <a:spcPct val="20000"/>
-              </a:spcBef>
-              <a:buSzPct val="90000"/>
-              <a:buFont typeface="Wingdings" pitchFamily="2" charset="2"/>
-              <a:buChar char=""/>
-              <a:defRPr lang="en-US" sz="1600" kern="1200" dirty="0" smtClean="0">
-                <a:solidFill>
-                  <a:schemeClr val="tx1">
-                    <a:lumMod val="65000"/>
-                    <a:lumOff val="35000"/>
-                  </a:schemeClr>
-                </a:solidFill>
-                <a:latin typeface="+mn-lt"/>
-                <a:ea typeface="+mn-ea"/>
-                <a:cs typeface="+mn-cs"/>
-              </a:defRPr>
-            </a:lvl7pPr>
-            <a:lvl8pPr marL="2398713" indent="-234950" algn="l" defTabSz="914400" rtl="0" eaLnBrk="1" latinLnBrk="0" hangingPunct="1">
-              <a:spcBef>
-                <a:spcPct val="20000"/>
-              </a:spcBef>
-              <a:buSzPct val="90000"/>
-              <a:buFont typeface="Wingdings" pitchFamily="2" charset="2"/>
-              <a:buChar char=""/>
-              <a:defRPr lang="en-US" sz="1600" kern="1200" dirty="0" smtClean="0">
-                <a:solidFill>
-                  <a:schemeClr val="tx1">
-                    <a:lumMod val="65000"/>
-                    <a:lumOff val="35000"/>
-                  </a:schemeClr>
-                </a:solidFill>
-                <a:latin typeface="+mn-lt"/>
-                <a:ea typeface="+mn-ea"/>
-                <a:cs typeface="+mn-cs"/>
-              </a:defRPr>
-            </a:lvl8pPr>
-            <a:lvl9pPr marL="2625725" indent="-234950" algn="l" defTabSz="914400" rtl="0" eaLnBrk="1" latinLnBrk="0" hangingPunct="1">
-              <a:spcBef>
-                <a:spcPct val="20000"/>
-              </a:spcBef>
-              <a:buSzPct val="90000"/>
-              <a:buFont typeface="Wingdings" pitchFamily="2" charset="2"/>
-              <a:buChar char=""/>
-              <a:defRPr lang="en-US" sz="1600" kern="1200" dirty="0">
-                <a:solidFill>
-                  <a:schemeClr val="tx1">
-                    <a:lumMod val="65000"/>
-                    <a:lumOff val="35000"/>
-                  </a:schemeClr>
-                </a:solidFill>
-                <a:latin typeface="+mn-lt"/>
-                <a:ea typeface="+mn-ea"/>
-                <a:cs typeface="+mn-cs"/>
-              </a:defRPr>
-            </a:lvl9pPr>
-          </a:lstStyle>
-          <a:p>
-            <a:pPr lvl="0"/>
-            <a:r>
-              <a:rPr lang="de-DE" smtClean="0"/>
-              <a:t>Click to edit Master text styles</a:t>
-            </a:r>
-          </a:p>
-          <a:p>
-            <a:pPr lvl="1"/>
-            <a:r>
-              <a:rPr lang="de-DE" smtClean="0"/>
-              <a:t>Second level</a:t>
-            </a:r>
-          </a:p>
-          <a:p>
-            <a:pPr lvl="2"/>
-            <a:r>
-              <a:rPr lang="de-DE" smtClean="0"/>
-              <a:t>Third level</a:t>
-            </a:r>
-          </a:p>
-          <a:p>
-            <a:pPr lvl="3"/>
-            <a:r>
-              <a:rPr lang="de-DE" smtClean="0"/>
-              <a:t>Fourth level</a:t>
-            </a:r>
-          </a:p>
-          <a:p>
-            <a:pPr lvl="4"/>
-            <a:r>
-              <a:rPr lang="de-DE" smtClean="0"/>
-              <a:t>Fifth level</a:t>
-            </a:r>
-            <a:endParaRPr dirty="0"/>
-          </a:p>
-        </p:txBody>
-      </p:sp>
-      <p:sp>
-        <p:nvSpPr>
-          <p:cNvPr id="10" name="Content Placeholder 2"/>
-          <p:cNvSpPr>
-            <a:spLocks noGrp="1"/>
-          </p:cNvSpPr>
-          <p:nvPr>
-            <p:ph sz="half" idx="14"/>
-          </p:nvPr>
-        </p:nvSpPr>
-        <p:spPr>
-          <a:xfrm>
-            <a:off x="739775" y="2784475"/>
-            <a:ext cx="3767328" cy="1554480"/>
-          </a:xfrm>
-        </p:spPr>
-        <p:txBody>
-          <a:bodyPr/>
-          <a:lstStyle>
-            <a:lvl1pPr>
-              <a:defRPr sz="1800"/>
-            </a:lvl1pPr>
-            <a:lvl2pPr>
-              <a:defRPr sz="1800"/>
-            </a:lvl2pPr>
-            <a:lvl3pPr>
-              <a:defRPr sz="1800"/>
-            </a:lvl3pPr>
-            <a:lvl4pPr>
-              <a:defRPr sz="1800"/>
-            </a:lvl4pPr>
-            <a:lvl5pPr>
-              <a:defRPr sz="1800"/>
-            </a:lvl5pPr>
-            <a:lvl6pPr marL="1946275" indent="-227013">
-              <a:defRPr sz="1600"/>
-            </a:lvl6pPr>
-            <a:lvl7pPr marL="2173288" indent="-227013">
-              <a:defRPr sz="1600"/>
-            </a:lvl7pPr>
-            <a:lvl8pPr marL="2398713" indent="-227013">
-              <a:defRPr sz="1600"/>
-            </a:lvl8pPr>
-            <a:lvl9pPr marL="2625725" indent="-227013">
-              <a:defRPr sz="1600"/>
-            </a:lvl9pPr>
-          </a:lstStyle>
-          <a:p>
-            <a:pPr lvl="0"/>
-            <a:r>
-              <a:rPr lang="de-DE" smtClean="0"/>
-              <a:t>Click to edit Master text styles</a:t>
-            </a:r>
-          </a:p>
-          <a:p>
-            <a:pPr lvl="1"/>
-            <a:r>
-              <a:rPr lang="de-DE" smtClean="0"/>
-              <a:t>Second level</a:t>
-            </a:r>
-          </a:p>
-          <a:p>
-            <a:pPr lvl="2"/>
-            <a:r>
-              <a:rPr lang="de-DE" smtClean="0"/>
-              <a:t>Third level</a:t>
-            </a:r>
-          </a:p>
-          <a:p>
-            <a:pPr lvl="3"/>
-            <a:r>
-              <a:rPr lang="de-DE" smtClean="0"/>
-              <a:t>Fourth level</a:t>
-            </a:r>
-          </a:p>
-          <a:p>
-            <a:pPr lvl="4"/>
-            <a:r>
-              <a:rPr lang="de-DE" smtClean="0"/>
-              <a:t>Fifth level</a:t>
-            </a:r>
-            <a:endParaRPr dirty="0"/>
-          </a:p>
-        </p:txBody>
-      </p:sp>
-      <p:sp>
-        <p:nvSpPr>
-          <p:cNvPr id="11" name="Content Placeholder 2"/>
-          <p:cNvSpPr>
-            <a:spLocks noGrp="1"/>
-          </p:cNvSpPr>
-          <p:nvPr>
-            <p:ph sz="half" idx="15"/>
-          </p:nvPr>
-        </p:nvSpPr>
-        <p:spPr>
-          <a:xfrm>
-            <a:off x="739775" y="4497070"/>
-            <a:ext cx="3767328" cy="1554480"/>
-          </a:xfrm>
-        </p:spPr>
-        <p:txBody>
-          <a:bodyPr/>
-          <a:lstStyle>
-            <a:lvl1pPr>
-              <a:defRPr sz="1800"/>
-            </a:lvl1pPr>
-            <a:lvl2pPr>
-              <a:defRPr sz="1800"/>
-            </a:lvl2pPr>
-            <a:lvl3pPr>
-              <a:defRPr sz="1800"/>
-            </a:lvl3pPr>
-            <a:lvl4pPr>
-              <a:defRPr sz="1800"/>
-            </a:lvl4pPr>
-            <a:lvl5pPr>
-              <a:defRPr sz="1800"/>
-            </a:lvl5pPr>
-            <a:lvl6pPr marL="1946275" indent="-234950" algn="l" defTabSz="914400" rtl="0" eaLnBrk="1" latinLnBrk="0" hangingPunct="1">
-              <a:spcBef>
-                <a:spcPct val="20000"/>
-              </a:spcBef>
-              <a:buSzPct val="90000"/>
-              <a:buFont typeface="Wingdings" pitchFamily="2" charset="2"/>
-              <a:buChar char=""/>
-              <a:defRPr lang="en-US" sz="1600" kern="1200" dirty="0" smtClean="0">
-                <a:solidFill>
-                  <a:schemeClr val="tx1">
-                    <a:lumMod val="65000"/>
-                    <a:lumOff val="35000"/>
-                  </a:schemeClr>
-                </a:solidFill>
-                <a:latin typeface="+mn-lt"/>
-                <a:ea typeface="+mn-ea"/>
-                <a:cs typeface="+mn-cs"/>
-              </a:defRPr>
-            </a:lvl6pPr>
-            <a:lvl7pPr marL="2173288" indent="-234950" algn="l" defTabSz="914400" rtl="0" eaLnBrk="1" latinLnBrk="0" hangingPunct="1">
-              <a:spcBef>
-                <a:spcPct val="20000"/>
-              </a:spcBef>
-              <a:buSzPct val="90000"/>
-              <a:buFont typeface="Wingdings" pitchFamily="2" charset="2"/>
-              <a:buChar char=""/>
-              <a:defRPr lang="en-US" sz="1600" kern="1200" dirty="0" smtClean="0">
-                <a:solidFill>
-                  <a:schemeClr val="tx1">
-                    <a:lumMod val="65000"/>
-                    <a:lumOff val="35000"/>
-                  </a:schemeClr>
-                </a:solidFill>
-                <a:latin typeface="+mn-lt"/>
-                <a:ea typeface="+mn-ea"/>
-                <a:cs typeface="+mn-cs"/>
-              </a:defRPr>
-            </a:lvl7pPr>
-            <a:lvl8pPr marL="2398713" indent="-234950" algn="l" defTabSz="914400" rtl="0" eaLnBrk="1" latinLnBrk="0" hangingPunct="1">
-              <a:spcBef>
-                <a:spcPct val="20000"/>
-              </a:spcBef>
-              <a:buSzPct val="90000"/>
-              <a:buFont typeface="Wingdings" pitchFamily="2" charset="2"/>
-              <a:buChar char=""/>
-              <a:defRPr lang="en-US" sz="1600" kern="1200" dirty="0" smtClean="0">
-                <a:solidFill>
-                  <a:schemeClr val="tx1">
-                    <a:lumMod val="65000"/>
-                    <a:lumOff val="35000"/>
-                  </a:schemeClr>
-                </a:solidFill>
-                <a:latin typeface="+mn-lt"/>
-                <a:ea typeface="+mn-ea"/>
-                <a:cs typeface="+mn-cs"/>
-              </a:defRPr>
-            </a:lvl8pPr>
-            <a:lvl9pPr marL="2625725" indent="-234950" algn="l" defTabSz="914400" rtl="0" eaLnBrk="1" latinLnBrk="0" hangingPunct="1">
-              <a:spcBef>
-                <a:spcPct val="20000"/>
-              </a:spcBef>
-              <a:buSzPct val="90000"/>
-              <a:buFont typeface="Wingdings" pitchFamily="2" charset="2"/>
-              <a:buChar char=""/>
-              <a:defRPr lang="en-US" sz="1600" kern="1200" dirty="0">
-                <a:solidFill>
-                  <a:schemeClr val="tx1">
-                    <a:lumMod val="65000"/>
-                    <a:lumOff val="35000"/>
-                  </a:schemeClr>
-                </a:solidFill>
-                <a:latin typeface="+mn-lt"/>
-                <a:ea typeface="+mn-ea"/>
-                <a:cs typeface="+mn-cs"/>
-              </a:defRPr>
-            </a:lvl9pPr>
-          </a:lstStyle>
-          <a:p>
-            <a:pPr lvl="0"/>
-            <a:r>
-              <a:rPr lang="de-DE" smtClean="0"/>
-              <a:t>Click to edit Master text styles</a:t>
-            </a:r>
-          </a:p>
-          <a:p>
-            <a:pPr lvl="1"/>
-            <a:r>
-              <a:rPr lang="de-DE" smtClean="0"/>
-              <a:t>Second level</a:t>
-            </a:r>
-          </a:p>
-          <a:p>
-            <a:pPr lvl="2"/>
-            <a:r>
-              <a:rPr lang="de-DE" smtClean="0"/>
-              <a:t>Third level</a:t>
-            </a:r>
-          </a:p>
-          <a:p>
-            <a:pPr lvl="3"/>
-            <a:r>
-              <a:rPr lang="de-DE" smtClean="0"/>
-              <a:t>Fourth level</a:t>
-            </a:r>
-          </a:p>
-          <a:p>
-            <a:pPr lvl="4"/>
-            <a:r>
-              <a:rPr lang="de-DE" smtClean="0"/>
-              <a:t>Fifth level</a:t>
-            </a:r>
-            <a:endParaRPr dirty="0"/>
-          </a:p>
-        </p:txBody>
-      </p:sp>
-    </p:spTree>
-  </p:cSld>
-  <p:clrMapOvr>
-    <a:masterClrMapping/>
-  </p:clrMapOvr>
-</p:sldLayout>
-</file>
-
-<file path=ppt/slideLayouts/slideLayout9.xml><?xml version="1.0" encoding="utf-8"?>
 <p:sldLayout xmlns:a="http://schemas.openxmlformats.org/drawingml/2006/main" xmlns:r="http://schemas.openxmlformats.org/officeDocument/2006/relationships" xmlns:p="http://schemas.openxmlformats.org/presentationml/2006/main" type="titleOnly" preserve="1">
   <p:cSld name="Title Only">
     <p:spTree>
@@ -4898,16 +4362,27 @@
             <p:ph type="title"/>
           </p:nvPr>
         </p:nvSpPr>
-        <p:spPr/>
+        <p:spPr>
+          <a:xfrm>
+            <a:off x="533400" y="4495800"/>
+            <a:ext cx="6554867" cy="1524000"/>
+          </a:xfrm>
+        </p:spPr>
         <p:txBody>
-          <a:bodyPr/>
-          <a:lstStyle/>
+          <a:bodyPr>
+            <a:normAutofit/>
+          </a:bodyPr>
+          <a:lstStyle>
+            <a:lvl1pPr>
+              <a:defRPr sz="3200"/>
+            </a:lvl1pPr>
+          </a:lstStyle>
           <a:p>
             <a:r>
               <a:rPr lang="de-DE" smtClean="0"/>
               <a:t>Click to edit Master title style</a:t>
             </a:r>
-            <a:endParaRPr/>
+            <a:endParaRPr lang="en-US" dirty="0"/>
           </a:p>
         </p:txBody>
       </p:sp>
@@ -4928,7 +4403,7 @@
           <a:p>
             <a:fld id="{2DF339BC-6F24-024F-B7C9-92814ECFBE50}" type="datetimeFigureOut">
               <a:rPr lang="en-US" smtClean="0"/>
-              <a:t>27/07/15</a:t>
+              <a:t>10/28/15</a:t>
             </a:fld>
             <a:endParaRPr lang="en-US"/>
           </a:p>
@@ -4977,6 +4452,649 @@
         </p:txBody>
       </p:sp>
     </p:spTree>
+    <p:extLst>
+      <p:ext uri="{BB962C8B-B14F-4D97-AF65-F5344CB8AC3E}">
+        <p14:creationId xmlns:p14="http://schemas.microsoft.com/office/powerpoint/2010/main" val="1129017965"/>
+      </p:ext>
+    </p:extLst>
+  </p:cSld>
+  <p:clrMapOvr>
+    <a:masterClrMapping/>
+  </p:clrMapOvr>
+</p:sldLayout>
+</file>
+
+<file path=ppt/slideLayouts/slideLayout7.xml><?xml version="1.0" encoding="utf-8"?>
+<p:sldLayout xmlns:a="http://schemas.openxmlformats.org/drawingml/2006/main" xmlns:r="http://schemas.openxmlformats.org/officeDocument/2006/relationships" xmlns:p="http://schemas.openxmlformats.org/presentationml/2006/main" type="blank" preserve="1">
+  <p:cSld name="Blank">
+    <p:spTree>
+      <p:nvGrpSpPr>
+        <p:cNvPr id="1" name=""/>
+        <p:cNvGrpSpPr/>
+        <p:nvPr/>
+      </p:nvGrpSpPr>
+      <p:grpSpPr>
+        <a:xfrm>
+          <a:off x="0" y="0"/>
+          <a:ext cx="0" cy="0"/>
+          <a:chOff x="0" y="0"/>
+          <a:chExt cx="0" cy="0"/>
+        </a:xfrm>
+      </p:grpSpPr>
+      <p:sp>
+        <p:nvSpPr>
+          <p:cNvPr id="2" name="Date Placeholder 1"/>
+          <p:cNvSpPr>
+            <a:spLocks noGrp="1"/>
+          </p:cNvSpPr>
+          <p:nvPr>
+            <p:ph type="dt" sz="half" idx="10"/>
+          </p:nvPr>
+        </p:nvSpPr>
+        <p:spPr/>
+        <p:txBody>
+          <a:bodyPr/>
+          <a:lstStyle/>
+          <a:p>
+            <a:fld id="{2DF339BC-6F24-024F-B7C9-92814ECFBE50}" type="datetimeFigureOut">
+              <a:rPr lang="en-US" smtClean="0"/>
+              <a:t>10/28/15</a:t>
+            </a:fld>
+            <a:endParaRPr lang="en-US"/>
+          </a:p>
+        </p:txBody>
+      </p:sp>
+      <p:sp>
+        <p:nvSpPr>
+          <p:cNvPr id="3" name="Footer Placeholder 2"/>
+          <p:cNvSpPr>
+            <a:spLocks noGrp="1"/>
+          </p:cNvSpPr>
+          <p:nvPr>
+            <p:ph type="ftr" sz="quarter" idx="11"/>
+          </p:nvPr>
+        </p:nvSpPr>
+        <p:spPr/>
+        <p:txBody>
+          <a:bodyPr/>
+          <a:lstStyle/>
+          <a:p>
+            <a:endParaRPr lang="en-US"/>
+          </a:p>
+        </p:txBody>
+      </p:sp>
+      <p:sp>
+        <p:nvSpPr>
+          <p:cNvPr id="4" name="Slide Number Placeholder 3"/>
+          <p:cNvSpPr>
+            <a:spLocks noGrp="1"/>
+          </p:cNvSpPr>
+          <p:nvPr>
+            <p:ph type="sldNum" sz="quarter" idx="12"/>
+          </p:nvPr>
+        </p:nvSpPr>
+        <p:spPr/>
+        <p:txBody>
+          <a:bodyPr/>
+          <a:lstStyle/>
+          <a:p>
+            <a:fld id="{06470FF4-9DCD-3648-9EA5-775956410620}" type="slidenum">
+              <a:rPr lang="en-US" smtClean="0"/>
+              <a:t>‹#›</a:t>
+            </a:fld>
+            <a:endParaRPr lang="en-US"/>
+          </a:p>
+        </p:txBody>
+      </p:sp>
+    </p:spTree>
+    <p:extLst>
+      <p:ext uri="{BB962C8B-B14F-4D97-AF65-F5344CB8AC3E}">
+        <p14:creationId xmlns:p14="http://schemas.microsoft.com/office/powerpoint/2010/main" val="239432863"/>
+      </p:ext>
+    </p:extLst>
+  </p:cSld>
+  <p:clrMapOvr>
+    <a:masterClrMapping/>
+  </p:clrMapOvr>
+</p:sldLayout>
+</file>
+
+<file path=ppt/slideLayouts/slideLayout8.xml><?xml version="1.0" encoding="utf-8"?>
+<p:sldLayout xmlns:a="http://schemas.openxmlformats.org/drawingml/2006/main" xmlns:r="http://schemas.openxmlformats.org/officeDocument/2006/relationships" xmlns:p="http://schemas.openxmlformats.org/presentationml/2006/main" type="objTx" preserve="1">
+  <p:cSld name="Content with Caption">
+    <p:spTree>
+      <p:nvGrpSpPr>
+        <p:cNvPr id="1" name=""/>
+        <p:cNvGrpSpPr/>
+        <p:nvPr/>
+      </p:nvGrpSpPr>
+      <p:grpSpPr>
+        <a:xfrm>
+          <a:off x="0" y="0"/>
+          <a:ext cx="0" cy="0"/>
+          <a:chOff x="0" y="0"/>
+          <a:chExt cx="0" cy="0"/>
+        </a:xfrm>
+      </p:grpSpPr>
+      <p:sp>
+        <p:nvSpPr>
+          <p:cNvPr id="2" name="Title 1"/>
+          <p:cNvSpPr>
+            <a:spLocks noGrp="1"/>
+          </p:cNvSpPr>
+          <p:nvPr>
+            <p:ph type="title"/>
+          </p:nvPr>
+        </p:nvSpPr>
+        <p:spPr>
+          <a:xfrm>
+            <a:off x="5418667" y="533400"/>
+            <a:ext cx="3200400" cy="1524000"/>
+          </a:xfrm>
+        </p:spPr>
+        <p:txBody>
+          <a:bodyPr anchor="b">
+            <a:normAutofit/>
+          </a:bodyPr>
+          <a:lstStyle>
+            <a:lvl1pPr algn="l">
+              <a:defRPr sz="2000" b="0"/>
+            </a:lvl1pPr>
+          </a:lstStyle>
+          <a:p>
+            <a:r>
+              <a:rPr lang="de-DE" smtClean="0"/>
+              <a:t>Click to edit Master title style</a:t>
+            </a:r>
+            <a:endParaRPr lang="en-US" dirty="0"/>
+          </a:p>
+        </p:txBody>
+      </p:sp>
+      <p:sp>
+        <p:nvSpPr>
+          <p:cNvPr id="3" name="Content Placeholder 2"/>
+          <p:cNvSpPr>
+            <a:spLocks noGrp="1"/>
+          </p:cNvSpPr>
+          <p:nvPr>
+            <p:ph idx="1"/>
+          </p:nvPr>
+        </p:nvSpPr>
+        <p:spPr>
+          <a:xfrm>
+            <a:off x="533399" y="533400"/>
+            <a:ext cx="4438755" cy="5486400"/>
+          </a:xfrm>
+        </p:spPr>
+        <p:txBody>
+          <a:bodyPr anchor="ctr">
+            <a:normAutofit/>
+          </a:bodyPr>
+          <a:lstStyle/>
+          <a:p>
+            <a:pPr lvl="0"/>
+            <a:r>
+              <a:rPr lang="de-DE" smtClean="0"/>
+              <a:t>Click to edit Master text styles</a:t>
+            </a:r>
+          </a:p>
+          <a:p>
+            <a:pPr lvl="1"/>
+            <a:r>
+              <a:rPr lang="de-DE" smtClean="0"/>
+              <a:t>Second level</a:t>
+            </a:r>
+          </a:p>
+          <a:p>
+            <a:pPr lvl="2"/>
+            <a:r>
+              <a:rPr lang="de-DE" smtClean="0"/>
+              <a:t>Third level</a:t>
+            </a:r>
+          </a:p>
+          <a:p>
+            <a:pPr lvl="3"/>
+            <a:r>
+              <a:rPr lang="de-DE" smtClean="0"/>
+              <a:t>Fourth level</a:t>
+            </a:r>
+          </a:p>
+          <a:p>
+            <a:pPr lvl="4"/>
+            <a:r>
+              <a:rPr lang="de-DE" smtClean="0"/>
+              <a:t>Fifth level</a:t>
+            </a:r>
+            <a:endParaRPr lang="en-US" dirty="0"/>
+          </a:p>
+        </p:txBody>
+      </p:sp>
+      <p:sp>
+        <p:nvSpPr>
+          <p:cNvPr id="4" name="Text Placeholder 3"/>
+          <p:cNvSpPr>
+            <a:spLocks noGrp="1"/>
+          </p:cNvSpPr>
+          <p:nvPr>
+            <p:ph type="body" sz="half" idx="2"/>
+          </p:nvPr>
+        </p:nvSpPr>
+        <p:spPr>
+          <a:xfrm>
+            <a:off x="5418667" y="2209802"/>
+            <a:ext cx="3200400" cy="2091267"/>
+          </a:xfrm>
+        </p:spPr>
+        <p:txBody>
+          <a:bodyPr anchor="t">
+            <a:normAutofit/>
+          </a:bodyPr>
+          <a:lstStyle>
+            <a:lvl1pPr marL="0" indent="0">
+              <a:buNone/>
+              <a:defRPr sz="1600"/>
+            </a:lvl1pPr>
+            <a:lvl2pPr marL="457200" indent="0">
+              <a:buNone/>
+              <a:defRPr sz="1200"/>
+            </a:lvl2pPr>
+            <a:lvl3pPr marL="914400" indent="0">
+              <a:buNone/>
+              <a:defRPr sz="1000"/>
+            </a:lvl3pPr>
+            <a:lvl4pPr marL="1371600" indent="0">
+              <a:buNone/>
+              <a:defRPr sz="900"/>
+            </a:lvl4pPr>
+            <a:lvl5pPr marL="1828800" indent="0">
+              <a:buNone/>
+              <a:defRPr sz="900"/>
+            </a:lvl5pPr>
+            <a:lvl6pPr marL="2286000" indent="0">
+              <a:buNone/>
+              <a:defRPr sz="900"/>
+            </a:lvl6pPr>
+            <a:lvl7pPr marL="2743200" indent="0">
+              <a:buNone/>
+              <a:defRPr sz="900"/>
+            </a:lvl7pPr>
+            <a:lvl8pPr marL="3200400" indent="0">
+              <a:buNone/>
+              <a:defRPr sz="900"/>
+            </a:lvl8pPr>
+            <a:lvl9pPr marL="3657600" indent="0">
+              <a:buNone/>
+              <a:defRPr sz="900"/>
+            </a:lvl9pPr>
+          </a:lstStyle>
+          <a:p>
+            <a:pPr lvl="0"/>
+            <a:r>
+              <a:rPr lang="de-DE" smtClean="0"/>
+              <a:t>Click to edit Master text styles</a:t>
+            </a:r>
+          </a:p>
+        </p:txBody>
+      </p:sp>
+      <p:sp>
+        <p:nvSpPr>
+          <p:cNvPr id="5" name="Date Placeholder 4"/>
+          <p:cNvSpPr>
+            <a:spLocks noGrp="1"/>
+          </p:cNvSpPr>
+          <p:nvPr>
+            <p:ph type="dt" sz="half" idx="10"/>
+          </p:nvPr>
+        </p:nvSpPr>
+        <p:spPr/>
+        <p:txBody>
+          <a:bodyPr/>
+          <a:lstStyle/>
+          <a:p>
+            <a:fld id="{2DF339BC-6F24-024F-B7C9-92814ECFBE50}" type="datetimeFigureOut">
+              <a:rPr lang="en-US" smtClean="0"/>
+              <a:t>10/28/15</a:t>
+            </a:fld>
+            <a:endParaRPr lang="en-US"/>
+          </a:p>
+        </p:txBody>
+      </p:sp>
+      <p:sp>
+        <p:nvSpPr>
+          <p:cNvPr id="6" name="Footer Placeholder 5"/>
+          <p:cNvSpPr>
+            <a:spLocks noGrp="1"/>
+          </p:cNvSpPr>
+          <p:nvPr>
+            <p:ph type="ftr" sz="quarter" idx="11"/>
+          </p:nvPr>
+        </p:nvSpPr>
+        <p:spPr/>
+        <p:txBody>
+          <a:bodyPr/>
+          <a:lstStyle/>
+          <a:p>
+            <a:endParaRPr lang="en-US"/>
+          </a:p>
+        </p:txBody>
+      </p:sp>
+      <p:sp>
+        <p:nvSpPr>
+          <p:cNvPr id="7" name="Slide Number Placeholder 6"/>
+          <p:cNvSpPr>
+            <a:spLocks noGrp="1"/>
+          </p:cNvSpPr>
+          <p:nvPr>
+            <p:ph type="sldNum" sz="quarter" idx="12"/>
+          </p:nvPr>
+        </p:nvSpPr>
+        <p:spPr/>
+        <p:txBody>
+          <a:bodyPr/>
+          <a:lstStyle/>
+          <a:p>
+            <a:fld id="{06470FF4-9DCD-3648-9EA5-775956410620}" type="slidenum">
+              <a:rPr lang="en-US" smtClean="0"/>
+              <a:t>‹#›</a:t>
+            </a:fld>
+            <a:endParaRPr lang="en-US"/>
+          </a:p>
+        </p:txBody>
+      </p:sp>
+    </p:spTree>
+    <p:extLst>
+      <p:ext uri="{BB962C8B-B14F-4D97-AF65-F5344CB8AC3E}">
+        <p14:creationId xmlns:p14="http://schemas.microsoft.com/office/powerpoint/2010/main" val="1911257610"/>
+      </p:ext>
+    </p:extLst>
+  </p:cSld>
+  <p:clrMapOvr>
+    <a:masterClrMapping/>
+  </p:clrMapOvr>
+</p:sldLayout>
+</file>
+
+<file path=ppt/slideLayouts/slideLayout9.xml><?xml version="1.0" encoding="utf-8"?>
+<p:sldLayout xmlns:a="http://schemas.openxmlformats.org/drawingml/2006/main" xmlns:r="http://schemas.openxmlformats.org/officeDocument/2006/relationships" xmlns:p="http://schemas.openxmlformats.org/presentationml/2006/main" type="picTx" preserve="1">
+  <p:cSld name="Picture with Caption">
+    <p:spTree>
+      <p:nvGrpSpPr>
+        <p:cNvPr id="1" name=""/>
+        <p:cNvGrpSpPr/>
+        <p:nvPr/>
+      </p:nvGrpSpPr>
+      <p:grpSpPr>
+        <a:xfrm>
+          <a:off x="0" y="0"/>
+          <a:ext cx="0" cy="0"/>
+          <a:chOff x="0" y="0"/>
+          <a:chExt cx="0" cy="0"/>
+        </a:xfrm>
+      </p:grpSpPr>
+      <p:sp>
+        <p:nvSpPr>
+          <p:cNvPr id="2" name="Title 1"/>
+          <p:cNvSpPr>
+            <a:spLocks noGrp="1"/>
+          </p:cNvSpPr>
+          <p:nvPr>
+            <p:ph type="title"/>
+          </p:nvPr>
+        </p:nvSpPr>
+        <p:spPr>
+          <a:xfrm>
+            <a:off x="4495800" y="1447800"/>
+            <a:ext cx="3563258" cy="1143000"/>
+          </a:xfrm>
+        </p:spPr>
+        <p:txBody>
+          <a:bodyPr anchor="b">
+            <a:normAutofit/>
+          </a:bodyPr>
+          <a:lstStyle>
+            <a:lvl1pPr algn="l">
+              <a:defRPr sz="2400" b="0"/>
+            </a:lvl1pPr>
+          </a:lstStyle>
+          <a:p>
+            <a:r>
+              <a:rPr lang="de-DE" smtClean="0"/>
+              <a:t>Click to edit Master title style</a:t>
+            </a:r>
+            <a:endParaRPr lang="en-US" dirty="0"/>
+          </a:p>
+        </p:txBody>
+      </p:sp>
+      <p:sp>
+        <p:nvSpPr>
+          <p:cNvPr id="17" name="Picture Placeholder 2"/>
+          <p:cNvSpPr>
+            <a:spLocks noGrp="1" noChangeAspect="1"/>
+          </p:cNvSpPr>
+          <p:nvPr>
+            <p:ph type="pic" idx="13"/>
+          </p:nvPr>
+        </p:nvSpPr>
+        <p:spPr>
+          <a:xfrm>
+            <a:off x="762000" y="914400"/>
+            <a:ext cx="3280974" cy="4800600"/>
+          </a:xfrm>
+          <a:prstGeom prst="snip2DiagRect">
+            <a:avLst>
+              <a:gd name="adj1" fmla="val 10815"/>
+              <a:gd name="adj2" fmla="val 0"/>
+            </a:avLst>
+          </a:prstGeom>
+          <a:ln w="15875">
+            <a:solidFill>
+              <a:schemeClr val="tx1">
+                <a:alpha val="40000"/>
+              </a:schemeClr>
+            </a:solidFill>
+          </a:ln>
+          <a:effectLst>
+            <a:innerShdw blurRad="57150" dist="38100" dir="14460000">
+              <a:srgbClr val="000000">
+                <a:alpha val="70000"/>
+              </a:srgbClr>
+            </a:innerShdw>
+          </a:effectLst>
+        </p:spPr>
+        <p:txBody>
+          <a:bodyPr anchor="t">
+            <a:normAutofit/>
+          </a:bodyPr>
+          <a:lstStyle>
+            <a:lvl1pPr marL="0" indent="0" algn="ctr">
+              <a:buNone/>
+              <a:defRPr sz="1600"/>
+            </a:lvl1pPr>
+            <a:lvl2pPr marL="457200" indent="0">
+              <a:buNone/>
+              <a:defRPr sz="1600"/>
+            </a:lvl2pPr>
+            <a:lvl3pPr marL="914400" indent="0">
+              <a:buNone/>
+              <a:defRPr sz="1600"/>
+            </a:lvl3pPr>
+            <a:lvl4pPr marL="1371600" indent="0">
+              <a:buNone/>
+              <a:defRPr sz="1600"/>
+            </a:lvl4pPr>
+            <a:lvl5pPr marL="1828800" indent="0">
+              <a:buNone/>
+              <a:defRPr sz="1600"/>
+            </a:lvl5pPr>
+            <a:lvl6pPr marL="2286000" indent="0">
+              <a:buNone/>
+              <a:defRPr sz="1600"/>
+            </a:lvl6pPr>
+            <a:lvl7pPr marL="2743200" indent="0">
+              <a:buNone/>
+              <a:defRPr sz="1600"/>
+            </a:lvl7pPr>
+            <a:lvl8pPr marL="3200400" indent="0">
+              <a:buNone/>
+              <a:defRPr sz="1600"/>
+            </a:lvl8pPr>
+            <a:lvl9pPr marL="3657600" indent="0">
+              <a:buNone/>
+              <a:defRPr sz="1600"/>
+            </a:lvl9pPr>
+          </a:lstStyle>
+          <a:p>
+            <a:r>
+              <a:rPr lang="de-DE" smtClean="0"/>
+              <a:t>Drag picture to placeholder or click icon to add</a:t>
+            </a:r>
+            <a:endParaRPr lang="en-US" dirty="0"/>
+          </a:p>
+        </p:txBody>
+      </p:sp>
+      <p:sp>
+        <p:nvSpPr>
+          <p:cNvPr id="4" name="Text Placeholder 3"/>
+          <p:cNvSpPr>
+            <a:spLocks noGrp="1"/>
+          </p:cNvSpPr>
+          <p:nvPr>
+            <p:ph type="body" sz="half" idx="2"/>
+          </p:nvPr>
+        </p:nvSpPr>
+        <p:spPr>
+          <a:xfrm>
+            <a:off x="4496027" y="2743200"/>
+            <a:ext cx="3564223" cy="2082800"/>
+          </a:xfrm>
+        </p:spPr>
+        <p:txBody>
+          <a:bodyPr anchor="t">
+            <a:normAutofit/>
+          </a:bodyPr>
+          <a:lstStyle>
+            <a:lvl1pPr marL="0" indent="0">
+              <a:buNone/>
+              <a:defRPr sz="1800"/>
+            </a:lvl1pPr>
+            <a:lvl2pPr marL="457200" indent="0">
+              <a:buNone/>
+              <a:defRPr sz="1200"/>
+            </a:lvl2pPr>
+            <a:lvl3pPr marL="914400" indent="0">
+              <a:buNone/>
+              <a:defRPr sz="1000"/>
+            </a:lvl3pPr>
+            <a:lvl4pPr marL="1371600" indent="0">
+              <a:buNone/>
+              <a:defRPr sz="900"/>
+            </a:lvl4pPr>
+            <a:lvl5pPr marL="1828800" indent="0">
+              <a:buNone/>
+              <a:defRPr sz="900"/>
+            </a:lvl5pPr>
+            <a:lvl6pPr marL="2286000" indent="0">
+              <a:buNone/>
+              <a:defRPr sz="900"/>
+            </a:lvl6pPr>
+            <a:lvl7pPr marL="2743200" indent="0">
+              <a:buNone/>
+              <a:defRPr sz="900"/>
+            </a:lvl7pPr>
+            <a:lvl8pPr marL="3200400" indent="0">
+              <a:buNone/>
+              <a:defRPr sz="900"/>
+            </a:lvl8pPr>
+            <a:lvl9pPr marL="3657600" indent="0">
+              <a:buNone/>
+              <a:defRPr sz="900"/>
+            </a:lvl9pPr>
+          </a:lstStyle>
+          <a:p>
+            <a:pPr lvl="0"/>
+            <a:r>
+              <a:rPr lang="de-DE" smtClean="0"/>
+              <a:t>Click to edit Master text styles</a:t>
+            </a:r>
+          </a:p>
+        </p:txBody>
+      </p:sp>
+      <p:sp>
+        <p:nvSpPr>
+          <p:cNvPr id="5" name="Date Placeholder 4"/>
+          <p:cNvSpPr>
+            <a:spLocks noGrp="1"/>
+          </p:cNvSpPr>
+          <p:nvPr>
+            <p:ph type="dt" sz="half" idx="10"/>
+          </p:nvPr>
+        </p:nvSpPr>
+        <p:spPr/>
+        <p:txBody>
+          <a:bodyPr/>
+          <a:lstStyle/>
+          <a:p>
+            <a:fld id="{2DF339BC-6F24-024F-B7C9-92814ECFBE50}" type="datetimeFigureOut">
+              <a:rPr lang="en-US" smtClean="0"/>
+              <a:t>10/28/15</a:t>
+            </a:fld>
+            <a:endParaRPr lang="en-US"/>
+          </a:p>
+        </p:txBody>
+      </p:sp>
+      <p:sp>
+        <p:nvSpPr>
+          <p:cNvPr id="6" name="Footer Placeholder 5"/>
+          <p:cNvSpPr>
+            <a:spLocks noGrp="1"/>
+          </p:cNvSpPr>
+          <p:nvPr>
+            <p:ph type="ftr" sz="quarter" idx="11"/>
+          </p:nvPr>
+        </p:nvSpPr>
+        <p:spPr>
+          <a:xfrm>
+            <a:off x="533400" y="6172200"/>
+            <a:ext cx="5811724" cy="365125"/>
+          </a:xfrm>
+        </p:spPr>
+        <p:txBody>
+          <a:bodyPr/>
+          <a:lstStyle/>
+          <a:p>
+            <a:endParaRPr lang="en-US"/>
+          </a:p>
+        </p:txBody>
+      </p:sp>
+      <p:sp>
+        <p:nvSpPr>
+          <p:cNvPr id="7" name="Slide Number Placeholder 6"/>
+          <p:cNvSpPr>
+            <a:spLocks noGrp="1"/>
+          </p:cNvSpPr>
+          <p:nvPr>
+            <p:ph type="sldNum" sz="quarter" idx="12"/>
+          </p:nvPr>
+        </p:nvSpPr>
+        <p:spPr/>
+        <p:txBody>
+          <a:bodyPr/>
+          <a:lstStyle/>
+          <a:p>
+            <a:fld id="{06470FF4-9DCD-3648-9EA5-775956410620}" type="slidenum">
+              <a:rPr lang="en-US" smtClean="0"/>
+              <a:t>‹#›</a:t>
+            </a:fld>
+            <a:endParaRPr lang="en-US"/>
+          </a:p>
+        </p:txBody>
+      </p:sp>
+    </p:spTree>
+    <p:extLst>
+      <p:ext uri="{BB962C8B-B14F-4D97-AF65-F5344CB8AC3E}">
+        <p14:creationId xmlns:p14="http://schemas.microsoft.com/office/powerpoint/2010/main" val="446259444"/>
+      </p:ext>
+    </p:extLst>
   </p:cSld>
   <p:clrMapOvr>
     <a:masterClrMapping/>
@@ -4989,7 +5107,7 @@
   <p:cSld>
     <p:bg>
       <p:bgRef idx="1002">
-        <a:schemeClr val="bg1"/>
+        <a:schemeClr val="bg2"/>
       </p:bgRef>
     </p:bg>
     <p:spTree>
@@ -5006,6 +5124,196 @@
           <a:chExt cx="0" cy="0"/>
         </a:xfrm>
       </p:grpSpPr>
+      <p:grpSp>
+        <p:nvGrpSpPr>
+          <p:cNvPr id="7" name="Group 6"/>
+          <p:cNvGrpSpPr/>
+          <p:nvPr/>
+        </p:nvGrpSpPr>
+        <p:grpSpPr>
+          <a:xfrm>
+            <a:off x="6670675" y="3894667"/>
+            <a:ext cx="2470456" cy="2658533"/>
+            <a:chOff x="6687077" y="3259666"/>
+            <a:chExt cx="2981857" cy="3208867"/>
+          </a:xfrm>
+        </p:grpSpPr>
+        <p:cxnSp>
+          <p:nvCxnSpPr>
+            <p:cNvPr id="8" name="Straight Connector 7"/>
+            <p:cNvCxnSpPr/>
+            <p:nvPr/>
+          </p:nvCxnSpPr>
+          <p:spPr>
+            <a:xfrm flipH="1">
+              <a:off x="8756120" y="3259666"/>
+              <a:ext cx="912814" cy="912812"/>
+            </a:xfrm>
+            <a:prstGeom prst="line">
+              <a:avLst/>
+            </a:prstGeom>
+            <a:ln w="9525">
+              <a:solidFill>
+                <a:schemeClr val="tx1"/>
+              </a:solidFill>
+            </a:ln>
+          </p:spPr>
+          <p:style>
+            <a:lnRef idx="2">
+              <a:schemeClr val="accent1"/>
+            </a:lnRef>
+            <a:fillRef idx="0">
+              <a:schemeClr val="accent1"/>
+            </a:fillRef>
+            <a:effectRef idx="1">
+              <a:schemeClr val="accent1"/>
+            </a:effectRef>
+            <a:fontRef idx="minor">
+              <a:schemeClr val="tx1"/>
+            </a:fontRef>
+          </p:style>
+        </p:cxnSp>
+        <p:cxnSp>
+          <p:nvCxnSpPr>
+            <p:cNvPr id="9" name="Straight Connector 8"/>
+            <p:cNvCxnSpPr/>
+            <p:nvPr/>
+          </p:nvCxnSpPr>
+          <p:spPr>
+            <a:xfrm flipH="1">
+              <a:off x="6687077" y="3486677"/>
+              <a:ext cx="2981857" cy="2981856"/>
+            </a:xfrm>
+            <a:prstGeom prst="line">
+              <a:avLst/>
+            </a:prstGeom>
+            <a:ln w="9525">
+              <a:solidFill>
+                <a:schemeClr val="tx1"/>
+              </a:solidFill>
+            </a:ln>
+          </p:spPr>
+          <p:style>
+            <a:lnRef idx="2">
+              <a:schemeClr val="accent1"/>
+            </a:lnRef>
+            <a:fillRef idx="0">
+              <a:schemeClr val="accent1"/>
+            </a:fillRef>
+            <a:effectRef idx="1">
+              <a:schemeClr val="accent1"/>
+            </a:effectRef>
+            <a:fontRef idx="minor">
+              <a:schemeClr val="tx1"/>
+            </a:fontRef>
+          </p:style>
+        </p:cxnSp>
+        <p:cxnSp>
+          <p:nvCxnSpPr>
+            <p:cNvPr id="10" name="Straight Connector 9"/>
+            <p:cNvCxnSpPr/>
+            <p:nvPr/>
+          </p:nvCxnSpPr>
+          <p:spPr>
+            <a:xfrm flipH="1">
+              <a:off x="7772400" y="3581400"/>
+              <a:ext cx="1896534" cy="1896533"/>
+            </a:xfrm>
+            <a:prstGeom prst="line">
+              <a:avLst/>
+            </a:prstGeom>
+            <a:ln w="9525">
+              <a:solidFill>
+                <a:schemeClr val="tx1"/>
+              </a:solidFill>
+            </a:ln>
+          </p:spPr>
+          <p:style>
+            <a:lnRef idx="2">
+              <a:schemeClr val="accent1"/>
+            </a:lnRef>
+            <a:fillRef idx="0">
+              <a:schemeClr val="accent1"/>
+            </a:fillRef>
+            <a:effectRef idx="1">
+              <a:schemeClr val="accent1"/>
+            </a:effectRef>
+            <a:fontRef idx="minor">
+              <a:schemeClr val="tx1"/>
+            </a:fontRef>
+          </p:style>
+        </p:cxnSp>
+        <p:cxnSp>
+          <p:nvCxnSpPr>
+            <p:cNvPr id="11" name="Straight Connector 10"/>
+            <p:cNvCxnSpPr/>
+            <p:nvPr/>
+          </p:nvCxnSpPr>
+          <p:spPr>
+            <a:xfrm flipH="1">
+              <a:off x="7923214" y="3433394"/>
+              <a:ext cx="1739738" cy="1739740"/>
+            </a:xfrm>
+            <a:prstGeom prst="line">
+              <a:avLst/>
+            </a:prstGeom>
+            <a:ln w="28575">
+              <a:solidFill>
+                <a:schemeClr val="tx1"/>
+              </a:solidFill>
+            </a:ln>
+          </p:spPr>
+          <p:style>
+            <a:lnRef idx="2">
+              <a:schemeClr val="accent1"/>
+            </a:lnRef>
+            <a:fillRef idx="0">
+              <a:schemeClr val="accent1"/>
+            </a:fillRef>
+            <a:effectRef idx="1">
+              <a:schemeClr val="accent1"/>
+            </a:effectRef>
+            <a:fontRef idx="minor">
+              <a:schemeClr val="tx1"/>
+            </a:fontRef>
+          </p:style>
+        </p:cxnSp>
+        <p:cxnSp>
+          <p:nvCxnSpPr>
+            <p:cNvPr id="12" name="Straight Connector 11"/>
+            <p:cNvCxnSpPr/>
+            <p:nvPr/>
+          </p:nvCxnSpPr>
+          <p:spPr>
+            <a:xfrm flipH="1">
+              <a:off x="8398935" y="3985317"/>
+              <a:ext cx="1264017" cy="1264016"/>
+            </a:xfrm>
+            <a:prstGeom prst="line">
+              <a:avLst/>
+            </a:prstGeom>
+            <a:ln w="28575">
+              <a:solidFill>
+                <a:schemeClr val="tx1"/>
+              </a:solidFill>
+            </a:ln>
+          </p:spPr>
+          <p:style>
+            <a:lnRef idx="2">
+              <a:schemeClr val="accent1"/>
+            </a:lnRef>
+            <a:fillRef idx="0">
+              <a:schemeClr val="accent1"/>
+            </a:fillRef>
+            <a:effectRef idx="1">
+              <a:schemeClr val="accent1"/>
+            </a:effectRef>
+            <a:fontRef idx="minor">
+              <a:schemeClr val="tx1"/>
+            </a:fontRef>
+          </p:style>
+        </p:cxnSp>
+      </p:grpSp>
       <p:sp>
         <p:nvSpPr>
           <p:cNvPr id="2" name="Title Placeholder 1"/>
@@ -5018,16 +5326,17 @@
         </p:nvSpPr>
         <p:spPr>
           <a:xfrm>
-            <a:off x="457200" y="345141"/>
-            <a:ext cx="8229600" cy="1143000"/>
+            <a:off x="533400" y="4495800"/>
+            <a:ext cx="6554867" cy="1524000"/>
           </a:xfrm>
           <a:prstGeom prst="rect">
             <a:avLst/>
           </a:prstGeom>
+          <a:effectLst/>
         </p:spPr>
         <p:txBody>
           <a:bodyPr vert="horz" lIns="91440" tIns="45720" rIns="91440" bIns="45720" rtlCol="0" anchor="ctr">
-            <a:noAutofit/>
+            <a:normAutofit/>
           </a:bodyPr>
           <a:lstStyle/>
           <a:p>
@@ -5035,7 +5344,7 @@
               <a:rPr lang="de-DE" smtClean="0"/>
               <a:t>Click to edit Master title style</a:t>
             </a:r>
-            <a:endParaRPr/>
+            <a:endParaRPr lang="en-US" dirty="0"/>
           </a:p>
         </p:txBody>
       </p:sp>
@@ -5051,15 +5360,15 @@
         </p:nvSpPr>
         <p:spPr>
           <a:xfrm>
-            <a:off x="739775" y="2770094"/>
-            <a:ext cx="7662864" cy="3267169"/>
+            <a:off x="533400" y="533401"/>
+            <a:ext cx="6554867" cy="3767670"/>
           </a:xfrm>
           <a:prstGeom prst="rect">
             <a:avLst/>
           </a:prstGeom>
         </p:spPr>
         <p:txBody>
-          <a:bodyPr vert="horz" lIns="91440" tIns="45720" rIns="91440" bIns="45720" rtlCol="0">
+          <a:bodyPr vert="horz" lIns="91440" tIns="45720" rIns="91440" bIns="45720" rtlCol="0" anchor="ctr">
             <a:normAutofit/>
           </a:bodyPr>
           <a:lstStyle/>
@@ -5097,7 +5406,7 @@
               <a:rPr lang="de-DE" smtClean="0"/>
               <a:t>Fifth level</a:t>
             </a:r>
-            <a:endParaRPr dirty="0"/>
+            <a:endParaRPr lang="en-US" dirty="0"/>
           </a:p>
         </p:txBody>
       </p:sp>
@@ -5113,31 +5422,32 @@
         </p:nvSpPr>
         <p:spPr>
           <a:xfrm>
-            <a:off x="457200" y="6356350"/>
-            <a:ext cx="2133600" cy="365125"/>
+            <a:off x="7430245" y="6172203"/>
+            <a:ext cx="1200463" cy="365125"/>
           </a:xfrm>
           <a:prstGeom prst="rect">
             <a:avLst/>
           </a:prstGeom>
         </p:spPr>
         <p:txBody>
-          <a:bodyPr vert="horz" lIns="91440" tIns="45720" rIns="91440" bIns="45720" rtlCol="0" anchor="ctr"/>
+          <a:bodyPr vert="horz" lIns="91440" tIns="45720" rIns="91440" bIns="45720" rtlCol="0" anchor="t"/>
           <a:lstStyle>
-            <a:lvl1pPr algn="l">
-              <a:defRPr sz="1100" b="1">
+            <a:lvl1pPr algn="r">
+              <a:defRPr sz="1000" b="0" i="0">
                 <a:solidFill>
-                  <a:schemeClr val="tx1">
+                  <a:schemeClr val="bg2">
                     <a:lumMod val="50000"/>
-                    <a:lumOff val="50000"/>
                   </a:schemeClr>
                 </a:solidFill>
+                <a:effectLst/>
+                <a:latin typeface="+mn-lt"/>
               </a:defRPr>
             </a:lvl1pPr>
           </a:lstStyle>
           <a:p>
             <a:fld id="{2DF339BC-6F24-024F-B7C9-92814ECFBE50}" type="datetimeFigureOut">
               <a:rPr lang="en-US" smtClean="0"/>
-              <a:t>27/07/15</a:t>
+              <a:t>10/28/15</a:t>
             </a:fld>
             <a:endParaRPr lang="en-US"/>
           </a:p>
@@ -5155,24 +5465,25 @@
         </p:nvSpPr>
         <p:spPr>
           <a:xfrm>
-            <a:off x="5789613" y="6356350"/>
-            <a:ext cx="2895600" cy="365125"/>
+            <a:off x="533400" y="6172200"/>
+            <a:ext cx="5811724" cy="365125"/>
           </a:xfrm>
           <a:prstGeom prst="rect">
             <a:avLst/>
           </a:prstGeom>
         </p:spPr>
         <p:txBody>
-          <a:bodyPr vert="horz" lIns="91440" tIns="45720" rIns="91440" bIns="45720" rtlCol="0" anchor="ctr"/>
+          <a:bodyPr vert="horz" lIns="91440" tIns="45720" rIns="91440" bIns="45720" rtlCol="0" anchor="t"/>
           <a:lstStyle>
-            <a:lvl1pPr algn="r">
-              <a:defRPr sz="1100" b="1">
+            <a:lvl1pPr algn="l">
+              <a:defRPr sz="1000" b="0" i="0">
                 <a:solidFill>
-                  <a:schemeClr val="tx1">
+                  <a:schemeClr val="bg2">
                     <a:lumMod val="50000"/>
-                    <a:lumOff val="50000"/>
                   </a:schemeClr>
                 </a:solidFill>
+                <a:effectLst/>
+                <a:latin typeface="+mn-lt"/>
               </a:defRPr>
             </a:lvl1pPr>
           </a:lstStyle>
@@ -5193,24 +5504,25 @@
         </p:nvSpPr>
         <p:spPr>
           <a:xfrm>
-            <a:off x="4305300" y="6356350"/>
-            <a:ext cx="533400" cy="365125"/>
+            <a:off x="7774426" y="5578478"/>
+            <a:ext cx="856907" cy="669925"/>
           </a:xfrm>
           <a:prstGeom prst="rect">
             <a:avLst/>
           </a:prstGeom>
         </p:spPr>
         <p:txBody>
-          <a:bodyPr vert="horz" lIns="91440" tIns="45720" rIns="91440" bIns="45720" rtlCol="0" anchor="ctr"/>
+          <a:bodyPr vert="horz" lIns="91440" tIns="45720" rIns="91440" bIns="45720" rtlCol="0" anchor="b"/>
           <a:lstStyle>
-            <a:lvl1pPr algn="ctr">
-              <a:defRPr sz="1100" b="1">
+            <a:lvl1pPr algn="r">
+              <a:defRPr sz="2800" b="0" i="0">
                 <a:solidFill>
-                  <a:schemeClr val="tx1">
+                  <a:schemeClr val="bg2">
                     <a:lumMod val="50000"/>
-                    <a:lumOff val="50000"/>
                   </a:schemeClr>
                 </a:solidFill>
+                <a:effectLst/>
+                <a:latin typeface="+mn-lt"/>
               </a:defRPr>
             </a:lvl1pPr>
           </a:lstStyle>
@@ -5224,249 +5536,330 @@
         </p:txBody>
       </p:sp>
     </p:spTree>
+    <p:extLst>
+      <p:ext uri="{BB962C8B-B14F-4D97-AF65-F5344CB8AC3E}">
+        <p14:creationId xmlns:p14="http://schemas.microsoft.com/office/powerpoint/2010/main" val="1716692740"/>
+      </p:ext>
+    </p:extLst>
   </p:cSld>
-  <p:clrMap bg1="lt1" tx1="dk1" bg2="lt2" tx2="dk2" accent1="accent1" accent2="accent2" accent3="accent3" accent4="accent4" accent5="accent5" accent6="accent6" hlink="hlink" folHlink="folHlink"/>
+  <p:clrMap bg1="dk1" tx1="lt1" bg2="dk2" tx2="lt2" accent1="accent1" accent2="accent2" accent3="accent3" accent4="accent4" accent5="accent5" accent6="accent6" hlink="hlink" folHlink="folHlink"/>
   <p:sldLayoutIdLst>
-    <p:sldLayoutId id="2147483661" r:id="rId1"/>
-    <p:sldLayoutId id="2147483662" r:id="rId2"/>
-    <p:sldLayoutId id="2147483663" r:id="rId3"/>
-    <p:sldLayoutId id="2147483664" r:id="rId4"/>
-    <p:sldLayoutId id="2147483665" r:id="rId5"/>
-    <p:sldLayoutId id="2147483666" r:id="rId6"/>
-    <p:sldLayoutId id="2147483667" r:id="rId7"/>
-    <p:sldLayoutId id="2147483668" r:id="rId8"/>
-    <p:sldLayoutId id="2147483669" r:id="rId9"/>
-    <p:sldLayoutId id="2147483670" r:id="rId10"/>
-    <p:sldLayoutId id="2147483671" r:id="rId11"/>
-    <p:sldLayoutId id="2147483672" r:id="rId12"/>
-    <p:sldLayoutId id="2147483673" r:id="rId13"/>
-    <p:sldLayoutId id="2147483674" r:id="rId14"/>
-    <p:sldLayoutId id="2147483675" r:id="rId15"/>
-    <p:sldLayoutId id="2147483676" r:id="rId16"/>
+    <p:sldLayoutId id="2147483678" r:id="rId1"/>
+    <p:sldLayoutId id="2147483679" r:id="rId2"/>
+    <p:sldLayoutId id="2147483680" r:id="rId3"/>
+    <p:sldLayoutId id="2147483681" r:id="rId4"/>
+    <p:sldLayoutId id="2147483682" r:id="rId5"/>
+    <p:sldLayoutId id="2147483683" r:id="rId6"/>
+    <p:sldLayoutId id="2147483684" r:id="rId7"/>
+    <p:sldLayoutId id="2147483685" r:id="rId8"/>
+    <p:sldLayoutId id="2147483686" r:id="rId9"/>
+    <p:sldLayoutId id="2147483687" r:id="rId10"/>
+    <p:sldLayoutId id="2147483688" r:id="rId11"/>
+    <p:sldLayoutId id="2147483689" r:id="rId12"/>
+    <p:sldLayoutId id="2147483690" r:id="rId13"/>
+    <p:sldLayoutId id="2147483691" r:id="rId14"/>
+    <p:sldLayoutId id="2147483692" r:id="rId15"/>
+    <p:sldLayoutId id="2147483693" r:id="rId16"/>
+    <p:sldLayoutId id="2147483694" r:id="rId17"/>
   </p:sldLayoutIdLst>
   <p:txStyles>
     <p:titleStyle>
-      <a:lvl1pPr algn="ctr" defTabSz="914400" rtl="0" eaLnBrk="1" latinLnBrk="0" hangingPunct="1">
+      <a:lvl1pPr algn="l" defTabSz="457200" rtl="0" eaLnBrk="1" latinLnBrk="0" hangingPunct="1">
         <a:spcBef>
           <a:spcPct val="0"/>
         </a:spcBef>
         <a:buNone/>
-        <a:defRPr sz="4600" kern="1200">
+        <a:defRPr sz="3200" kern="1200" cap="all">
+          <a:ln w="3175" cmpd="sng">
+            <a:noFill/>
+          </a:ln>
           <a:solidFill>
-            <a:schemeClr val="bg1"/>
+            <a:schemeClr val="tx1"/>
           </a:solidFill>
+          <a:effectLst/>
           <a:latin typeface="+mj-lt"/>
           <a:ea typeface="+mj-ea"/>
           <a:cs typeface="+mj-cs"/>
         </a:defRPr>
       </a:lvl1pPr>
+      <a:lvl2pPr eaLnBrk="1" hangingPunct="1">
+        <a:defRPr>
+          <a:solidFill>
+            <a:schemeClr val="tx2"/>
+          </a:solidFill>
+        </a:defRPr>
+      </a:lvl2pPr>
+      <a:lvl3pPr eaLnBrk="1" hangingPunct="1">
+        <a:defRPr>
+          <a:solidFill>
+            <a:schemeClr val="tx2"/>
+          </a:solidFill>
+        </a:defRPr>
+      </a:lvl3pPr>
+      <a:lvl4pPr eaLnBrk="1" hangingPunct="1">
+        <a:defRPr>
+          <a:solidFill>
+            <a:schemeClr val="tx2"/>
+          </a:solidFill>
+        </a:defRPr>
+      </a:lvl4pPr>
+      <a:lvl5pPr eaLnBrk="1" hangingPunct="1">
+        <a:defRPr>
+          <a:solidFill>
+            <a:schemeClr val="tx2"/>
+          </a:solidFill>
+        </a:defRPr>
+      </a:lvl5pPr>
+      <a:lvl6pPr eaLnBrk="1" hangingPunct="1">
+        <a:defRPr>
+          <a:solidFill>
+            <a:schemeClr val="tx2"/>
+          </a:solidFill>
+        </a:defRPr>
+      </a:lvl6pPr>
+      <a:lvl7pPr eaLnBrk="1" hangingPunct="1">
+        <a:defRPr>
+          <a:solidFill>
+            <a:schemeClr val="tx2"/>
+          </a:solidFill>
+        </a:defRPr>
+      </a:lvl7pPr>
+      <a:lvl8pPr eaLnBrk="1" hangingPunct="1">
+        <a:defRPr>
+          <a:solidFill>
+            <a:schemeClr val="tx2"/>
+          </a:solidFill>
+        </a:defRPr>
+      </a:lvl8pPr>
+      <a:lvl9pPr eaLnBrk="1" hangingPunct="1">
+        <a:defRPr>
+          <a:solidFill>
+            <a:schemeClr val="tx2"/>
+          </a:solidFill>
+        </a:defRPr>
+      </a:lvl9pPr>
     </p:titleStyle>
     <p:bodyStyle>
-      <a:lvl1pPr marL="342900" indent="-342900" algn="l" defTabSz="914400" rtl="0" eaLnBrk="1" latinLnBrk="0" hangingPunct="1">
+      <a:lvl1pPr marL="285750" indent="-285750" algn="l" defTabSz="457200" rtl="0" eaLnBrk="1" latinLnBrk="0" hangingPunct="1">
         <a:spcBef>
-          <a:spcPts val="2000"/>
+          <a:spcPct val="20000"/>
         </a:spcBef>
+        <a:spcAft>
+          <a:spcPts val="600"/>
+        </a:spcAft>
         <a:buClr>
-          <a:schemeClr val="accent1"/>
+          <a:schemeClr val="tx1"/>
         </a:buClr>
-        <a:buSzPct val="90000"/>
-        <a:buFont typeface="Wingdings" pitchFamily="2" charset="2"/>
-        <a:buChar char="S"/>
-        <a:defRPr sz="2200" kern="1200">
+        <a:buSzPct val="80000"/>
+        <a:buFont typeface="Wingdings 3" panose="05040102010807070707" pitchFamily="18" charset="2"/>
+        <a:buChar char=""/>
+        <a:defRPr sz="2000" kern="1200" cap="none">
           <a:solidFill>
-            <a:schemeClr val="tx1">
-              <a:lumMod val="65000"/>
-              <a:lumOff val="35000"/>
+            <a:schemeClr val="bg2">
+              <a:lumMod val="75000"/>
             </a:schemeClr>
           </a:solidFill>
+          <a:effectLst/>
           <a:latin typeface="+mn-lt"/>
           <a:ea typeface="+mn-ea"/>
           <a:cs typeface="+mn-cs"/>
         </a:defRPr>
       </a:lvl1pPr>
-      <a:lvl2pPr marL="685800" indent="-336550" algn="l" defTabSz="914400" rtl="0" eaLnBrk="1" latinLnBrk="0" hangingPunct="1">
+      <a:lvl2pPr marL="742950" indent="-285750" algn="l" defTabSz="457200" rtl="0" eaLnBrk="1" latinLnBrk="0" hangingPunct="1">
         <a:spcBef>
+          <a:spcPct val="20000"/>
+        </a:spcBef>
+        <a:spcAft>
           <a:spcPts val="600"/>
-        </a:spcBef>
+        </a:spcAft>
         <a:buClr>
-          <a:schemeClr val="accent1">
-            <a:lumMod val="60000"/>
-            <a:lumOff val="40000"/>
-          </a:schemeClr>
+          <a:schemeClr val="tx1"/>
         </a:buClr>
-        <a:buSzPct val="90000"/>
-        <a:buFont typeface="Wingdings" pitchFamily="2" charset="2"/>
-        <a:buChar char="S"/>
-        <a:defRPr sz="2000" kern="1200">
+        <a:buSzPct val="80000"/>
+        <a:buFont typeface="Wingdings 3" panose="05040102010807070707" pitchFamily="18" charset="2"/>
+        <a:buChar char=""/>
+        <a:defRPr sz="1800" kern="1200" cap="none">
           <a:solidFill>
-            <a:schemeClr val="tx1">
-              <a:lumMod val="65000"/>
-              <a:lumOff val="35000"/>
+            <a:schemeClr val="bg2">
+              <a:lumMod val="75000"/>
             </a:schemeClr>
           </a:solidFill>
+          <a:effectLst/>
           <a:latin typeface="+mn-lt"/>
           <a:ea typeface="+mn-ea"/>
           <a:cs typeface="+mn-cs"/>
         </a:defRPr>
       </a:lvl2pPr>
-      <a:lvl3pPr marL="1035050" indent="-349250" algn="l" defTabSz="914400" rtl="0" eaLnBrk="1" latinLnBrk="0" hangingPunct="1">
+      <a:lvl3pPr marL="1200150" indent="-285750" algn="l" defTabSz="457200" rtl="0" eaLnBrk="1" latinLnBrk="0" hangingPunct="1">
         <a:spcBef>
+          <a:spcPct val="20000"/>
+        </a:spcBef>
+        <a:spcAft>
           <a:spcPts val="600"/>
-        </a:spcBef>
+        </a:spcAft>
         <a:buClr>
-          <a:schemeClr val="accent1"/>
+          <a:schemeClr val="tx1"/>
         </a:buClr>
-        <a:buSzPct val="90000"/>
-        <a:buFont typeface="Wingdings" pitchFamily="2" charset="2"/>
-        <a:buChar char="S"/>
-        <a:defRPr sz="1800" kern="1200">
+        <a:buSzPct val="80000"/>
+        <a:buFont typeface="Wingdings 3" panose="05040102010807070707" pitchFamily="18" charset="2"/>
+        <a:buChar char=""/>
+        <a:defRPr sz="1600" kern="1200" cap="none">
           <a:solidFill>
-            <a:schemeClr val="tx1">
-              <a:lumMod val="65000"/>
-              <a:lumOff val="35000"/>
+            <a:schemeClr val="bg2">
+              <a:lumMod val="75000"/>
             </a:schemeClr>
           </a:solidFill>
+          <a:effectLst/>
           <a:latin typeface="+mn-lt"/>
           <a:ea typeface="+mn-ea"/>
           <a:cs typeface="+mn-cs"/>
         </a:defRPr>
       </a:lvl3pPr>
-      <a:lvl4pPr marL="1371600" indent="-336550" algn="l" defTabSz="914400" rtl="0" eaLnBrk="1" latinLnBrk="0" hangingPunct="1">
+      <a:lvl4pPr marL="1543050" indent="-171450" algn="l" defTabSz="457200" rtl="0" eaLnBrk="1" latinLnBrk="0" hangingPunct="1">
         <a:spcBef>
+          <a:spcPct val="20000"/>
+        </a:spcBef>
+        <a:spcAft>
           <a:spcPts val="600"/>
-        </a:spcBef>
+        </a:spcAft>
         <a:buClr>
-          <a:schemeClr val="accent1">
-            <a:lumMod val="60000"/>
-            <a:lumOff val="40000"/>
-          </a:schemeClr>
+          <a:schemeClr val="tx1"/>
         </a:buClr>
-        <a:buSzPct val="90000"/>
-        <a:buFont typeface="Wingdings" pitchFamily="2" charset="2"/>
-        <a:buChar char="S"/>
-        <a:defRPr sz="1800" kern="1200">
+        <a:buSzPct val="80000"/>
+        <a:buFont typeface="Wingdings 3" panose="05040102010807070707" pitchFamily="18" charset="2"/>
+        <a:buChar char=""/>
+        <a:defRPr sz="1400" kern="1200" cap="none">
           <a:solidFill>
-            <a:schemeClr val="tx1">
-              <a:lumMod val="65000"/>
-              <a:lumOff val="35000"/>
+            <a:schemeClr val="bg2">
+              <a:lumMod val="75000"/>
             </a:schemeClr>
           </a:solidFill>
+          <a:effectLst/>
           <a:latin typeface="+mn-lt"/>
           <a:ea typeface="+mn-ea"/>
           <a:cs typeface="+mn-cs"/>
         </a:defRPr>
       </a:lvl4pPr>
-      <a:lvl5pPr marL="1720850" indent="-349250" algn="l" defTabSz="914400" rtl="0" eaLnBrk="1" latinLnBrk="0" hangingPunct="1">
+      <a:lvl5pPr marL="2000250" indent="-171450" algn="l" defTabSz="457200" rtl="0" eaLnBrk="1" latinLnBrk="0" hangingPunct="1">
         <a:spcBef>
+          <a:spcPct val="20000"/>
+        </a:spcBef>
+        <a:spcAft>
           <a:spcPts val="600"/>
-        </a:spcBef>
+        </a:spcAft>
         <a:buClr>
-          <a:schemeClr val="accent1"/>
+          <a:schemeClr val="tx1"/>
         </a:buClr>
-        <a:buSzPct val="90000"/>
-        <a:buFont typeface="Wingdings" pitchFamily="2" charset="2"/>
-        <a:buChar char="S"/>
-        <a:defRPr sz="1800" kern="1200">
+        <a:buSzPct val="80000"/>
+        <a:buFont typeface="Wingdings 3" panose="05040102010807070707" pitchFamily="18" charset="2"/>
+        <a:buChar char=""/>
+        <a:defRPr sz="1400" kern="1200" cap="none">
           <a:solidFill>
-            <a:schemeClr val="tx1">
-              <a:lumMod val="65000"/>
-              <a:lumOff val="35000"/>
+            <a:schemeClr val="bg2">
+              <a:lumMod val="75000"/>
             </a:schemeClr>
           </a:solidFill>
+          <a:effectLst/>
           <a:latin typeface="+mn-lt"/>
           <a:ea typeface="+mn-ea"/>
           <a:cs typeface="+mn-cs"/>
         </a:defRPr>
       </a:lvl5pPr>
-      <a:lvl6pPr marL="2055813" indent="-344488" algn="l" defTabSz="914400" rtl="0" eaLnBrk="1" latinLnBrk="0" hangingPunct="1">
+      <a:lvl6pPr marL="2514600" indent="-228600" algn="l" defTabSz="457200" rtl="0" eaLnBrk="1" latinLnBrk="0" hangingPunct="1">
         <a:spcBef>
           <a:spcPct val="20000"/>
         </a:spcBef>
+        <a:spcAft>
+          <a:spcPts val="600"/>
+        </a:spcAft>
         <a:buClr>
-          <a:schemeClr val="accent1">
-            <a:lumMod val="60000"/>
-            <a:lumOff val="40000"/>
-          </a:schemeClr>
+          <a:schemeClr val="tx1"/>
         </a:buClr>
-        <a:buSzPct val="90000"/>
-        <a:buFont typeface="Wingdings" pitchFamily="2" charset="2"/>
-        <a:buChar char=""/>
-        <a:defRPr lang="en-US" sz="1800" kern="1200" dirty="0" smtClean="0">
+        <a:buSzPct val="80000"/>
+        <a:buFont typeface="Wingdings 3" panose="05040102010807070707" pitchFamily="18" charset="2"/>
+        <a:buChar char=""/>
+        <a:defRPr sz="1400" kern="1200" cap="none">
           <a:solidFill>
-            <a:schemeClr val="tx1">
-              <a:lumMod val="65000"/>
-              <a:lumOff val="35000"/>
+            <a:schemeClr val="bg2">
+              <a:lumMod val="75000"/>
             </a:schemeClr>
           </a:solidFill>
+          <a:effectLst/>
           <a:latin typeface="+mn-lt"/>
           <a:ea typeface="+mn-ea"/>
           <a:cs typeface="+mn-cs"/>
         </a:defRPr>
       </a:lvl6pPr>
-      <a:lvl7pPr marL="2398713" indent="-344488" algn="l" defTabSz="914400" rtl="0" eaLnBrk="1" latinLnBrk="0" hangingPunct="1">
+      <a:lvl7pPr marL="2971800" indent="-228600" algn="l" defTabSz="457200" rtl="0" eaLnBrk="1" latinLnBrk="0" hangingPunct="1">
         <a:spcBef>
           <a:spcPct val="20000"/>
         </a:spcBef>
+        <a:spcAft>
+          <a:spcPts val="600"/>
+        </a:spcAft>
         <a:buClr>
-          <a:schemeClr val="accent1"/>
+          <a:schemeClr val="tx1"/>
         </a:buClr>
-        <a:buSzPct val="90000"/>
-        <a:buFont typeface="Wingdings" pitchFamily="2" charset="2"/>
-        <a:buChar char=""/>
-        <a:defRPr lang="en-US" sz="1800" kern="1200" dirty="0" smtClean="0">
+        <a:buSzPct val="80000"/>
+        <a:buFont typeface="Wingdings 3" panose="05040102010807070707" pitchFamily="18" charset="2"/>
+        <a:buChar char=""/>
+        <a:defRPr sz="1400" kern="1200" cap="none">
           <a:solidFill>
-            <a:schemeClr val="tx1">
-              <a:lumMod val="65000"/>
-              <a:lumOff val="35000"/>
+            <a:schemeClr val="bg2">
+              <a:lumMod val="75000"/>
             </a:schemeClr>
           </a:solidFill>
+          <a:effectLst/>
           <a:latin typeface="+mn-lt"/>
           <a:ea typeface="+mn-ea"/>
           <a:cs typeface="+mn-cs"/>
         </a:defRPr>
       </a:lvl7pPr>
-      <a:lvl8pPr marL="2743200" indent="-344488" algn="l" defTabSz="914400" rtl="0" eaLnBrk="1" latinLnBrk="0" hangingPunct="1">
+      <a:lvl8pPr marL="3429000" indent="-228600" algn="l" defTabSz="457200" rtl="0" eaLnBrk="1" latinLnBrk="0" hangingPunct="1">
         <a:spcBef>
           <a:spcPct val="20000"/>
         </a:spcBef>
+        <a:spcAft>
+          <a:spcPts val="600"/>
+        </a:spcAft>
         <a:buClr>
-          <a:schemeClr val="accent1">
-            <a:lumMod val="60000"/>
-            <a:lumOff val="40000"/>
-          </a:schemeClr>
+          <a:schemeClr val="tx1"/>
         </a:buClr>
-        <a:buSzPct val="90000"/>
-        <a:buFont typeface="Wingdings" pitchFamily="2" charset="2"/>
-        <a:buChar char=""/>
-        <a:defRPr lang="en-US" sz="1800" kern="1200" dirty="0" smtClean="0">
+        <a:buSzPct val="80000"/>
+        <a:buFont typeface="Wingdings 3" panose="05040102010807070707" pitchFamily="18" charset="2"/>
+        <a:buChar char=""/>
+        <a:defRPr sz="1400" kern="1200" cap="none">
           <a:solidFill>
-            <a:schemeClr val="tx1">
-              <a:lumMod val="65000"/>
-              <a:lumOff val="35000"/>
+            <a:schemeClr val="bg2">
+              <a:lumMod val="75000"/>
             </a:schemeClr>
           </a:solidFill>
+          <a:effectLst/>
           <a:latin typeface="+mn-lt"/>
           <a:ea typeface="+mn-ea"/>
           <a:cs typeface="+mn-cs"/>
         </a:defRPr>
       </a:lvl8pPr>
-      <a:lvl9pPr marL="3087688" indent="-344488" algn="l" defTabSz="914400" rtl="0" eaLnBrk="1" latinLnBrk="0" hangingPunct="1">
+      <a:lvl9pPr marL="3886200" indent="-228600" algn="l" defTabSz="457200" rtl="0" eaLnBrk="1" latinLnBrk="0" hangingPunct="1">
         <a:spcBef>
           <a:spcPct val="20000"/>
         </a:spcBef>
+        <a:spcAft>
+          <a:spcPts val="600"/>
+        </a:spcAft>
         <a:buClr>
-          <a:schemeClr val="accent1"/>
+          <a:schemeClr val="tx1"/>
         </a:buClr>
-        <a:buSzPct val="90000"/>
-        <a:buFont typeface="Wingdings" pitchFamily="2" charset="2"/>
-        <a:buChar char=""/>
-        <a:defRPr lang="en-US" sz="1800" kern="1200" dirty="0">
+        <a:buSzPct val="80000"/>
+        <a:buFont typeface="Wingdings 3" panose="05040102010807070707" pitchFamily="18" charset="2"/>
+        <a:buChar char=""/>
+        <a:defRPr sz="1400" kern="1200" cap="none">
           <a:solidFill>
-            <a:schemeClr val="tx1">
-              <a:lumMod val="65000"/>
-              <a:lumOff val="35000"/>
+            <a:schemeClr val="bg2">
+              <a:lumMod val="75000"/>
             </a:schemeClr>
           </a:solidFill>
+          <a:effectLst/>
           <a:latin typeface="+mn-lt"/>
           <a:ea typeface="+mn-ea"/>
           <a:cs typeface="+mn-cs"/>
@@ -5475,9 +5868,9 @@
     </p:bodyStyle>
     <p:otherStyle>
       <a:defPPr>
-        <a:defRPr/>
+        <a:defRPr lang="en-US"/>
       </a:defPPr>
-      <a:lvl1pPr marL="0" algn="l" defTabSz="914400" rtl="0" eaLnBrk="1" latinLnBrk="0" hangingPunct="1">
+      <a:lvl1pPr marL="0" algn="l" defTabSz="457200" rtl="0" eaLnBrk="1" latinLnBrk="0" hangingPunct="1">
         <a:defRPr sz="1800" kern="1200">
           <a:solidFill>
             <a:schemeClr val="tx1"/>
@@ -5487,7 +5880,7 @@
           <a:cs typeface="+mn-cs"/>
         </a:defRPr>
       </a:lvl1pPr>
-      <a:lvl2pPr marL="457200" algn="l" defTabSz="914400" rtl="0" eaLnBrk="1" latinLnBrk="0" hangingPunct="1">
+      <a:lvl2pPr marL="457200" algn="l" defTabSz="457200" rtl="0" eaLnBrk="1" latinLnBrk="0" hangingPunct="1">
         <a:defRPr sz="1800" kern="1200">
           <a:solidFill>
             <a:schemeClr val="tx1"/>
@@ -5497,7 +5890,7 @@
           <a:cs typeface="+mn-cs"/>
         </a:defRPr>
       </a:lvl2pPr>
-      <a:lvl3pPr marL="914400" algn="l" defTabSz="914400" rtl="0" eaLnBrk="1" latinLnBrk="0" hangingPunct="1">
+      <a:lvl3pPr marL="914400" algn="l" defTabSz="457200" rtl="0" eaLnBrk="1" latinLnBrk="0" hangingPunct="1">
         <a:defRPr sz="1800" kern="1200">
           <a:solidFill>
             <a:schemeClr val="tx1"/>
@@ -5507,7 +5900,7 @@
           <a:cs typeface="+mn-cs"/>
         </a:defRPr>
       </a:lvl3pPr>
-      <a:lvl4pPr marL="1371600" algn="l" defTabSz="914400" rtl="0" eaLnBrk="1" latinLnBrk="0" hangingPunct="1">
+      <a:lvl4pPr marL="1371600" algn="l" defTabSz="457200" rtl="0" eaLnBrk="1" latinLnBrk="0" hangingPunct="1">
         <a:defRPr sz="1800" kern="1200">
           <a:solidFill>
             <a:schemeClr val="tx1"/>
@@ -5517,7 +5910,7 @@
           <a:cs typeface="+mn-cs"/>
         </a:defRPr>
       </a:lvl4pPr>
-      <a:lvl5pPr marL="1828800" algn="l" defTabSz="914400" rtl="0" eaLnBrk="1" latinLnBrk="0" hangingPunct="1">
+      <a:lvl5pPr marL="1828800" algn="l" defTabSz="457200" rtl="0" eaLnBrk="1" latinLnBrk="0" hangingPunct="1">
         <a:defRPr sz="1800" kern="1200">
           <a:solidFill>
             <a:schemeClr val="tx1"/>
@@ -5527,7 +5920,7 @@
           <a:cs typeface="+mn-cs"/>
         </a:defRPr>
       </a:lvl5pPr>
-      <a:lvl6pPr marL="2286000" algn="l" defTabSz="914400" rtl="0" eaLnBrk="1" latinLnBrk="0" hangingPunct="1">
+      <a:lvl6pPr marL="2286000" algn="l" defTabSz="457200" rtl="0" eaLnBrk="1" latinLnBrk="0" hangingPunct="1">
         <a:defRPr sz="1800" kern="1200">
           <a:solidFill>
             <a:schemeClr val="tx1"/>
@@ -5537,7 +5930,7 @@
           <a:cs typeface="+mn-cs"/>
         </a:defRPr>
       </a:lvl6pPr>
-      <a:lvl7pPr marL="2743200" algn="l" defTabSz="914400" rtl="0" eaLnBrk="1" latinLnBrk="0" hangingPunct="1">
+      <a:lvl7pPr marL="2743200" algn="l" defTabSz="457200" rtl="0" eaLnBrk="1" latinLnBrk="0" hangingPunct="1">
         <a:defRPr sz="1800" kern="1200">
           <a:solidFill>
             <a:schemeClr val="tx1"/>
@@ -5547,7 +5940,7 @@
           <a:cs typeface="+mn-cs"/>
         </a:defRPr>
       </a:lvl7pPr>
-      <a:lvl8pPr marL="3200400" algn="l" defTabSz="914400" rtl="0" eaLnBrk="1" latinLnBrk="0" hangingPunct="1">
+      <a:lvl8pPr marL="3200400" algn="l" defTabSz="457200" rtl="0" eaLnBrk="1" latinLnBrk="0" hangingPunct="1">
         <a:defRPr sz="1800" kern="1200">
           <a:solidFill>
             <a:schemeClr val="tx1"/>
@@ -5557,7 +5950,7 @@
           <a:cs typeface="+mn-cs"/>
         </a:defRPr>
       </a:lvl8pPr>
-      <a:lvl9pPr marL="3657600" algn="l" defTabSz="914400" rtl="0" eaLnBrk="1" latinLnBrk="0" hangingPunct="1">
+      <a:lvl9pPr marL="3657600" algn="l" defTabSz="457200" rtl="0" eaLnBrk="1" latinLnBrk="0" hangingPunct="1">
         <a:defRPr sz="1800" kern="1200">
           <a:solidFill>
             <a:schemeClr val="tx1"/>
@@ -5766,7 +6159,7 @@
   <p:timing>
     <p:tnLst>
       <p:par>
-        <p:cTn xmlns:p14="http://schemas.microsoft.com/office/powerpoint/2010/main" id="1" dur="indefinite" restart="never" nodeType="tmRoot">
+        <p:cTn id="1" dur="indefinite" restart="never" nodeType="tmRoot">
           <p:childTnLst>
             <p:seq concurrent="1" nextAc="seek">
               <p:cTn id="2" dur="indefinite" nodeType="mainSeq">
@@ -6199,6 +6592,54 @@
           </a:p>
         </p:txBody>
       </p:sp>
+      <p:sp>
+        <p:nvSpPr>
+          <p:cNvPr id="5" name="Content Placeholder 4"/>
+          <p:cNvSpPr>
+            <a:spLocks noGrp="1"/>
+          </p:cNvSpPr>
+          <p:nvPr>
+            <p:ph sz="half" idx="13"/>
+          </p:nvPr>
+        </p:nvSpPr>
+        <p:spPr>
+          <a:xfrm>
+            <a:off x="5113283" y="0"/>
+            <a:ext cx="3949967" cy="3767667"/>
+          </a:xfrm>
+        </p:spPr>
+        <p:txBody>
+          <a:bodyPr/>
+          <a:lstStyle/>
+          <a:p>
+            <a:r>
+              <a:rPr lang="en-US" dirty="0" smtClean="0"/>
+              <a:t>Provides access to the mathematical functions defined by the C standard.</a:t>
+            </a:r>
+          </a:p>
+          <a:p>
+            <a:r>
+              <a:rPr lang="en-US" dirty="0" smtClean="0"/>
+              <a:t>Almost all return float</a:t>
+            </a:r>
+          </a:p>
+          <a:p>
+            <a:r>
+              <a:rPr lang="en-US" dirty="0" smtClean="0"/>
+              <a:t>Do not work with complex numbers. In this case </a:t>
+            </a:r>
+            <a:r>
+              <a:rPr lang="en-US" i="1" dirty="0" err="1" smtClean="0"/>
+              <a:t>cmath</a:t>
+            </a:r>
+            <a:r>
+              <a:rPr lang="en-US" dirty="0" smtClean="0"/>
+              <a:t> should be used</a:t>
+            </a:r>
+            <a:endParaRPr lang="en-US" dirty="0"/>
+          </a:p>
+        </p:txBody>
+      </p:sp>
       <p:graphicFrame>
         <p:nvGraphicFramePr>
           <p:cNvPr id="6" name="Content Placeholder 5"/>
@@ -6206,16 +6647,16 @@
             <a:graphicFrameLocks noGrp="1"/>
           </p:cNvGraphicFramePr>
           <p:nvPr>
-            <p:ph sz="half" idx="1"/>
+            <p:ph sz="quarter" idx="4"/>
             <p:extLst>
               <p:ext uri="{D42A27DB-BD31-4B8C-83A1-F6EECF244321}">
-                <p14:modId xmlns:p14="http://schemas.microsoft.com/office/powerpoint/2010/main" val="532435854"/>
+                <p14:modId xmlns:p14="http://schemas.microsoft.com/office/powerpoint/2010/main" val="1101511826"/>
               </p:ext>
             </p:extLst>
           </p:nvPr>
         </p:nvGraphicFramePr>
         <p:xfrm>
-          <a:off x="280558" y="2784475"/>
+          <a:off x="332809" y="498475"/>
           <a:ext cx="4227940" cy="3873716"/>
         </p:xfrm>
         <a:graphic>
@@ -7088,49 +7529,6 @@
           </a:graphicData>
         </a:graphic>
       </p:graphicFrame>
-      <p:sp>
-        <p:nvSpPr>
-          <p:cNvPr id="5" name="Content Placeholder 4"/>
-          <p:cNvSpPr>
-            <a:spLocks noGrp="1"/>
-          </p:cNvSpPr>
-          <p:nvPr>
-            <p:ph sz="half" idx="2"/>
-          </p:nvPr>
-        </p:nvSpPr>
-        <p:spPr/>
-        <p:txBody>
-          <a:bodyPr/>
-          <a:lstStyle/>
-          <a:p>
-            <a:r>
-              <a:rPr lang="en-US" dirty="0" smtClean="0"/>
-              <a:t>Provides access to the mathematical functions defined by the C standard.</a:t>
-            </a:r>
-          </a:p>
-          <a:p>
-            <a:r>
-              <a:rPr lang="en-US" dirty="0" smtClean="0"/>
-              <a:t>Almost all return float</a:t>
-            </a:r>
-          </a:p>
-          <a:p>
-            <a:r>
-              <a:rPr lang="en-US" dirty="0" smtClean="0"/>
-              <a:t>Do not work with complex numbers. In this case </a:t>
-            </a:r>
-            <a:r>
-              <a:rPr lang="en-US" i="1" dirty="0" err="1" smtClean="0"/>
-              <a:t>cmath</a:t>
-            </a:r>
-            <a:r>
-              <a:rPr lang="en-US" dirty="0" smtClean="0"/>
-              <a:t> should be used</a:t>
-            </a:r>
-            <a:endParaRPr lang="en-US" dirty="0"/>
-          </a:p>
-        </p:txBody>
-      </p:sp>
     </p:spTree>
     <p:extLst>
       <p:ext uri="{BB962C8B-B14F-4D97-AF65-F5344CB8AC3E}">
@@ -7144,7 +7542,7 @@
   <p:timing>
     <p:tnLst>
       <p:par>
-        <p:cTn xmlns:p14="http://schemas.microsoft.com/office/powerpoint/2010/main" id="1" dur="indefinite" restart="never" nodeType="tmRoot"/>
+        <p:cTn id="1" dur="indefinite" restart="never" nodeType="tmRoot"/>
       </p:par>
     </p:tnLst>
   </p:timing>
@@ -7199,6 +7597,139 @@
           </a:p>
         </p:txBody>
       </p:sp>
+      <p:sp>
+        <p:nvSpPr>
+          <p:cNvPr id="4" name="Content Placeholder 3"/>
+          <p:cNvSpPr>
+            <a:spLocks noGrp="1"/>
+          </p:cNvSpPr>
+          <p:nvPr>
+            <p:ph sz="half" idx="13"/>
+          </p:nvPr>
+        </p:nvSpPr>
+        <p:spPr>
+          <a:xfrm>
+            <a:off x="4961709" y="259080"/>
+            <a:ext cx="3949967" cy="3767667"/>
+          </a:xfrm>
+        </p:spPr>
+        <p:txBody>
+          <a:bodyPr>
+            <a:normAutofit lnSpcReduction="10000"/>
+          </a:bodyPr>
+          <a:lstStyle/>
+          <a:p>
+            <a:r>
+              <a:rPr lang="en-US" dirty="0" smtClean="0"/>
+              <a:t>Generates pseudorandom numbers</a:t>
+            </a:r>
+          </a:p>
+          <a:p>
+            <a:r>
+              <a:rPr lang="en-US" dirty="0" smtClean="0"/>
+              <a:t>Produces 53bit precision floats</a:t>
+            </a:r>
+          </a:p>
+          <a:p>
+            <a:r>
+              <a:rPr lang="en-US" dirty="0" smtClean="0"/>
+              <a:t>Frequent functions:</a:t>
+            </a:r>
+          </a:p>
+          <a:p>
+            <a:pPr lvl="1"/>
+            <a:r>
+              <a:rPr lang="en-US" dirty="0" err="1" smtClean="0"/>
+              <a:t>random.random</a:t>
+            </a:r>
+            <a:r>
+              <a:rPr lang="en-US" dirty="0" smtClean="0"/>
+              <a:t>()</a:t>
+            </a:r>
+          </a:p>
+          <a:p>
+            <a:pPr lvl="1"/>
+            <a:r>
+              <a:rPr lang="en-US" dirty="0" err="1" smtClean="0"/>
+              <a:t>random.randint</a:t>
+            </a:r>
+            <a:r>
+              <a:rPr lang="en-US" dirty="0" smtClean="0"/>
+              <a:t>(a, b)</a:t>
+            </a:r>
+          </a:p>
+          <a:p>
+            <a:pPr lvl="1"/>
+            <a:r>
+              <a:rPr lang="en-US" dirty="0" err="1"/>
+              <a:t>r</a:t>
+            </a:r>
+            <a:r>
+              <a:rPr lang="en-US" dirty="0" err="1" smtClean="0"/>
+              <a:t>andom.choice</a:t>
+            </a:r>
+            <a:r>
+              <a:rPr lang="en-US" dirty="0" smtClean="0"/>
+              <a:t>(</a:t>
+            </a:r>
+            <a:r>
+              <a:rPr lang="en-US" dirty="0" err="1" smtClean="0"/>
+              <a:t>seq</a:t>
+            </a:r>
+            <a:r>
+              <a:rPr lang="en-US" dirty="0" smtClean="0"/>
+              <a:t>)</a:t>
+            </a:r>
+          </a:p>
+          <a:p>
+            <a:pPr lvl="1"/>
+            <a:r>
+              <a:rPr lang="en-US" dirty="0" err="1"/>
+              <a:t>r</a:t>
+            </a:r>
+            <a:r>
+              <a:rPr lang="en-US" dirty="0" err="1" smtClean="0"/>
+              <a:t>andom.shuffle</a:t>
+            </a:r>
+            <a:r>
+              <a:rPr lang="en-US" dirty="0" smtClean="0"/>
+              <a:t>(</a:t>
+            </a:r>
+            <a:r>
+              <a:rPr lang="en-US" dirty="0" err="1" smtClean="0"/>
+              <a:t>seq</a:t>
+            </a:r>
+            <a:r>
+              <a:rPr lang="en-US" dirty="0" smtClean="0"/>
+              <a:t>)</a:t>
+            </a:r>
+          </a:p>
+          <a:p>
+            <a:pPr lvl="1"/>
+            <a:r>
+              <a:rPr lang="en-US" dirty="0" err="1"/>
+              <a:t>r</a:t>
+            </a:r>
+            <a:r>
+              <a:rPr lang="en-US" dirty="0" err="1" smtClean="0"/>
+              <a:t>andom.sample</a:t>
+            </a:r>
+            <a:r>
+              <a:rPr lang="en-US" dirty="0" smtClean="0"/>
+              <a:t>(</a:t>
+            </a:r>
+            <a:r>
+              <a:rPr lang="en-US" dirty="0" err="1" smtClean="0"/>
+              <a:t>seq</a:t>
+            </a:r>
+            <a:r>
+              <a:rPr lang="en-US" dirty="0" smtClean="0"/>
+              <a:t>, k)</a:t>
+            </a:r>
+            <a:endParaRPr lang="en-US" dirty="0"/>
+          </a:p>
+        </p:txBody>
+      </p:sp>
       <p:graphicFrame>
         <p:nvGraphicFramePr>
           <p:cNvPr id="5" name="Content Placeholder 4"/>
@@ -7206,17 +7737,17 @@
             <a:graphicFrameLocks noGrp="1"/>
           </p:cNvGraphicFramePr>
           <p:nvPr>
-            <p:ph sz="half" idx="1"/>
+            <p:ph sz="quarter" idx="4"/>
             <p:extLst>
               <p:ext uri="{D42A27DB-BD31-4B8C-83A1-F6EECF244321}">
-                <p14:modId xmlns:p14="http://schemas.microsoft.com/office/powerpoint/2010/main" val="978712274"/>
+                <p14:modId xmlns:p14="http://schemas.microsoft.com/office/powerpoint/2010/main" val="325835621"/>
               </p:ext>
             </p:extLst>
           </p:nvPr>
         </p:nvGraphicFramePr>
         <p:xfrm>
-          <a:off x="267345" y="2784475"/>
-          <a:ext cx="4241154" cy="3337560"/>
+          <a:off x="319597" y="390313"/>
+          <a:ext cx="4241154" cy="3505200"/>
         </p:xfrm>
         <a:graphic>
           <a:graphicData uri="http://schemas.openxmlformats.org/drawingml/2006/table">
@@ -7678,134 +8209,6 @@
           </a:graphicData>
         </a:graphic>
       </p:graphicFrame>
-      <p:sp>
-        <p:nvSpPr>
-          <p:cNvPr id="4" name="Content Placeholder 3"/>
-          <p:cNvSpPr>
-            <a:spLocks noGrp="1"/>
-          </p:cNvSpPr>
-          <p:nvPr>
-            <p:ph sz="half" idx="2"/>
-          </p:nvPr>
-        </p:nvSpPr>
-        <p:spPr/>
-        <p:txBody>
-          <a:bodyPr>
-            <a:normAutofit lnSpcReduction="10000"/>
-          </a:bodyPr>
-          <a:lstStyle/>
-          <a:p>
-            <a:r>
-              <a:rPr lang="en-US" dirty="0" smtClean="0"/>
-              <a:t>Generates pseudorandom numbers</a:t>
-            </a:r>
-          </a:p>
-          <a:p>
-            <a:r>
-              <a:rPr lang="en-US" dirty="0" smtClean="0"/>
-              <a:t>Produces 53bit precision floats</a:t>
-            </a:r>
-          </a:p>
-          <a:p>
-            <a:r>
-              <a:rPr lang="en-US" dirty="0" smtClean="0"/>
-              <a:t>Frequent functions:</a:t>
-            </a:r>
-          </a:p>
-          <a:p>
-            <a:pPr lvl="1"/>
-            <a:r>
-              <a:rPr lang="en-US" dirty="0" err="1" smtClean="0"/>
-              <a:t>random.random</a:t>
-            </a:r>
-            <a:r>
-              <a:rPr lang="en-US" dirty="0" smtClean="0"/>
-              <a:t>()</a:t>
-            </a:r>
-          </a:p>
-          <a:p>
-            <a:pPr lvl="1"/>
-            <a:r>
-              <a:rPr lang="en-US" dirty="0" err="1" smtClean="0"/>
-              <a:t>random.randint</a:t>
-            </a:r>
-            <a:r>
-              <a:rPr lang="en-US" dirty="0" smtClean="0"/>
-              <a:t>(a, b)</a:t>
-            </a:r>
-          </a:p>
-          <a:p>
-            <a:pPr lvl="1"/>
-            <a:r>
-              <a:rPr lang="en-US" dirty="0" err="1"/>
-              <a:t>r</a:t>
-            </a:r>
-            <a:r>
-              <a:rPr lang="en-US" dirty="0" err="1" smtClean="0"/>
-              <a:t>andom.choice</a:t>
-            </a:r>
-            <a:r>
-              <a:rPr lang="en-US" dirty="0" smtClean="0"/>
-              <a:t>(</a:t>
-            </a:r>
-            <a:r>
-              <a:rPr lang="en-US" dirty="0" err="1" smtClean="0"/>
-              <a:t>seq</a:t>
-            </a:r>
-            <a:r>
-              <a:rPr lang="en-US" dirty="0" smtClean="0"/>
-              <a:t>)</a:t>
-            </a:r>
-          </a:p>
-          <a:p>
-            <a:pPr lvl="1"/>
-            <a:r>
-              <a:rPr lang="en-US" dirty="0" err="1"/>
-              <a:t>r</a:t>
-            </a:r>
-            <a:r>
-              <a:rPr lang="en-US" dirty="0" err="1" smtClean="0"/>
-              <a:t>andom.shuffle</a:t>
-            </a:r>
-            <a:r>
-              <a:rPr lang="en-US" dirty="0" smtClean="0"/>
-              <a:t>(</a:t>
-            </a:r>
-            <a:r>
-              <a:rPr lang="en-US" dirty="0" err="1" smtClean="0"/>
-              <a:t>seq</a:t>
-            </a:r>
-            <a:r>
-              <a:rPr lang="en-US" dirty="0" smtClean="0"/>
-              <a:t>)</a:t>
-            </a:r>
-          </a:p>
-          <a:p>
-            <a:pPr lvl="1"/>
-            <a:r>
-              <a:rPr lang="en-US" dirty="0" err="1"/>
-              <a:t>r</a:t>
-            </a:r>
-            <a:r>
-              <a:rPr lang="en-US" dirty="0" err="1" smtClean="0"/>
-              <a:t>andom.sample</a:t>
-            </a:r>
-            <a:r>
-              <a:rPr lang="en-US" dirty="0" smtClean="0"/>
-              <a:t>(</a:t>
-            </a:r>
-            <a:r>
-              <a:rPr lang="en-US" dirty="0" err="1" smtClean="0"/>
-              <a:t>seq</a:t>
-            </a:r>
-            <a:r>
-              <a:rPr lang="en-US" dirty="0" smtClean="0"/>
-              <a:t>, k)</a:t>
-            </a:r>
-            <a:endParaRPr lang="en-US" dirty="0"/>
-          </a:p>
-        </p:txBody>
-      </p:sp>
     </p:spTree>
     <p:extLst>
       <p:ext uri="{BB962C8B-B14F-4D97-AF65-F5344CB8AC3E}">
@@ -7819,7 +8222,7 @@
   <p:timing>
     <p:tnLst>
       <p:par>
-        <p:cTn xmlns:p14="http://schemas.microsoft.com/office/powerpoint/2010/main" id="1" dur="indefinite" restart="never" nodeType="tmRoot"/>
+        <p:cTn id="1" dur="indefinite" restart="never" nodeType="tmRoot"/>
       </p:par>
     </p:tnLst>
   </p:timing>
@@ -7944,7 +8347,7 @@
   <p:timing>
     <p:tnLst>
       <p:par>
-        <p:cTn xmlns:p14="http://schemas.microsoft.com/office/powerpoint/2010/main" id="1" dur="indefinite" restart="never" nodeType="tmRoot"/>
+        <p:cTn id="1" dur="indefinite" restart="never" nodeType="tmRoot"/>
       </p:par>
     </p:tnLst>
   </p:timing>
@@ -8053,7 +8456,7 @@
   <p:timing>
     <p:tnLst>
       <p:par>
-        <p:cTn xmlns:p14="http://schemas.microsoft.com/office/powerpoint/2010/main" id="1" dur="indefinite" restart="never" nodeType="tmRoot">
+        <p:cTn id="1" dur="indefinite" restart="never" nodeType="tmRoot">
           <p:childTnLst>
             <p:seq concurrent="1" nextAc="seek">
               <p:cTn id="2" dur="indefinite" nodeType="mainSeq">
@@ -8488,13 +8891,13 @@
             <p:ph idx="1"/>
             <p:extLst>
               <p:ext uri="{D42A27DB-BD31-4B8C-83A1-F6EECF244321}">
-                <p14:modId xmlns:p14="http://schemas.microsoft.com/office/powerpoint/2010/main" val="3152730943"/>
+                <p14:modId xmlns:p14="http://schemas.microsoft.com/office/powerpoint/2010/main" val="36483909"/>
               </p:ext>
             </p:extLst>
           </p:nvPr>
         </p:nvGraphicFramePr>
         <p:xfrm>
-          <a:off x="739775" y="2548664"/>
+          <a:off x="778963" y="522859"/>
           <a:ext cx="7662865" cy="3832608"/>
         </p:xfrm>
         <a:graphic>
@@ -10315,7 +10718,7 @@
   <p:timing>
     <p:tnLst>
       <p:par>
-        <p:cTn xmlns:p14="http://schemas.microsoft.com/office/powerpoint/2010/main" id="1" dur="indefinite" restart="never" nodeType="tmRoot"/>
+        <p:cTn id="1" dur="indefinite" restart="never" nodeType="tmRoot"/>
       </p:par>
     </p:tnLst>
   </p:timing>
@@ -10370,7 +10773,7 @@
         </p:nvSpPr>
         <p:spPr>
           <a:xfrm>
-            <a:off x="177194" y="3433931"/>
+            <a:off x="295324" y="1633020"/>
             <a:ext cx="4769499" cy="923330"/>
           </a:xfrm>
           <a:prstGeom prst="rect">
@@ -10490,8 +10893,8 @@
         </p:nvGrpSpPr>
         <p:grpSpPr>
           <a:xfrm>
-            <a:off x="3411004" y="3018053"/>
-            <a:ext cx="5433980" cy="1200329"/>
+            <a:off x="4011895" y="1243615"/>
+            <a:ext cx="4833089" cy="1200329"/>
             <a:chOff x="3411004" y="3018053"/>
             <a:chExt cx="5433980" cy="1200329"/>
           </a:xfrm>
@@ -10659,8 +11062,8 @@
         </p:nvGrpSpPr>
         <p:grpSpPr>
           <a:xfrm>
-            <a:off x="3411004" y="3863630"/>
-            <a:ext cx="5433980" cy="1503819"/>
+            <a:off x="4011895" y="2160725"/>
+            <a:ext cx="4833089" cy="1503819"/>
             <a:chOff x="3411004" y="3863630"/>
             <a:chExt cx="5433980" cy="1503819"/>
           </a:xfrm>
@@ -10808,7 +11211,7 @@
   <p:timing>
     <p:tnLst>
       <p:par>
-        <p:cTn xmlns:p14="http://schemas.microsoft.com/office/powerpoint/2010/main" id="1" dur="indefinite" restart="never" nodeType="tmRoot">
+        <p:cTn id="1" dur="indefinite" restart="never" nodeType="tmRoot">
           <p:childTnLst>
             <p:seq concurrent="1" nextAc="seek">
               <p:cTn id="2" dur="indefinite" nodeType="mainSeq">
@@ -11072,13 +11475,13 @@
         </p:nvSpPr>
         <p:spPr>
           <a:xfrm>
-            <a:off x="4459406" y="2874941"/>
+            <a:off x="4916606" y="774403"/>
             <a:ext cx="4120427" cy="3267169"/>
           </a:xfrm>
         </p:spPr>
         <p:txBody>
           <a:bodyPr>
-            <a:normAutofit fontScale="92500" lnSpcReduction="10000"/>
+            <a:normAutofit fontScale="92500"/>
           </a:bodyPr>
           <a:lstStyle/>
           <a:p>
@@ -11130,8 +11533,8 @@
         </p:nvSpPr>
         <p:spPr>
           <a:xfrm>
-            <a:off x="457200" y="2746894"/>
-            <a:ext cx="3357259" cy="3970318"/>
+            <a:off x="817774" y="774403"/>
+            <a:ext cx="3749744" cy="3970318"/>
           </a:xfrm>
           <a:prstGeom prst="rect">
             <a:avLst/>
@@ -11145,167 +11548,243 @@
           <a:lstStyle/>
           <a:p>
             <a:r>
+              <a:rPr lang="en-US" b="1" dirty="0" err="1"/>
+              <a:t>def</a:t>
+            </a:r>
+            <a:r>
+              <a:rPr lang="en-US" b="1" dirty="0"/>
+              <a:t> </a:t>
+            </a:r>
+            <a:r>
+              <a:rPr lang="en-US" b="1" dirty="0" err="1"/>
+              <a:t>addNumbers</a:t>
+            </a:r>
+            <a:r>
+              <a:rPr lang="en-US" b="1" dirty="0"/>
+              <a:t> </a:t>
+            </a:r>
+            <a:r>
+              <a:rPr lang="en-US" dirty="0"/>
+              <a:t>(num1</a:t>
+            </a:r>
+            <a:r>
+              <a:rPr lang="en-US" dirty="0"/>
+              <a:t>, </a:t>
+            </a:r>
+            <a:r>
+              <a:rPr lang="en-US" dirty="0"/>
+              <a:t>num2):</a:t>
+            </a:r>
+            <a:br>
+              <a:rPr lang="en-US" dirty="0"/>
+            </a:br>
+            <a:r>
+              <a:rPr lang="en-US" dirty="0"/>
+              <a:t>    </a:t>
+            </a:r>
+            <a:r>
+              <a:rPr lang="en-US" b="1" dirty="0"/>
+              <a:t>return </a:t>
+            </a:r>
+            <a:r>
+              <a:rPr lang="en-US" dirty="0"/>
+              <a:t>num1 + num2</a:t>
+            </a:r>
+            <a:br>
+              <a:rPr lang="en-US" dirty="0"/>
+            </a:br>
+            <a:r>
+              <a:rPr lang="en-US" dirty="0"/>
+              <a:t/>
+            </a:r>
+            <a:br>
+              <a:rPr lang="en-US" dirty="0"/>
+            </a:br>
+            <a:r>
+              <a:rPr lang="en-US" b="1" dirty="0" err="1"/>
+              <a:t>def</a:t>
+            </a:r>
+            <a:r>
+              <a:rPr lang="en-US" b="1" dirty="0"/>
+              <a:t> </a:t>
+            </a:r>
+            <a:r>
+              <a:rPr lang="en-US" b="1" dirty="0" err="1"/>
+              <a:t>printTwice</a:t>
+            </a:r>
+            <a:r>
+              <a:rPr lang="en-US" b="1" dirty="0"/>
+              <a:t> </a:t>
+            </a:r>
+            <a:r>
+              <a:rPr lang="en-US" dirty="0"/>
+              <a:t>(</a:t>
+            </a:r>
+            <a:r>
               <a:rPr lang="en-US" dirty="0" err="1"/>
-              <a:t>d</a:t>
-            </a:r>
-            <a:r>
-              <a:rPr lang="en-US" dirty="0" err="1" smtClean="0"/>
-              <a:t>ef</a:t>
-            </a:r>
-            <a:r>
-              <a:rPr lang="en-US" dirty="0" smtClean="0"/>
-              <a:t> </a:t>
-            </a:r>
-            <a:r>
-              <a:rPr lang="en-US" dirty="0" err="1" smtClean="0"/>
+              <a:t>valToPrint</a:t>
+            </a:r>
+            <a:r>
+              <a:rPr lang="en-US" dirty="0"/>
+              <a:t>):</a:t>
+            </a:r>
+            <a:br>
+              <a:rPr lang="en-US" dirty="0"/>
+            </a:br>
+            <a:r>
+              <a:rPr lang="en-US" dirty="0"/>
+              <a:t>    </a:t>
+            </a:r>
+            <a:r>
+              <a:rPr lang="en-US" b="1" dirty="0"/>
+              <a:t>print </a:t>
+            </a:r>
+            <a:r>
+              <a:rPr lang="en-US" dirty="0" err="1"/>
+              <a:t>valToPrint</a:t>
+            </a:r>
+            <a:r>
+              <a:rPr lang="en-US" dirty="0"/>
+              <a:t/>
+            </a:r>
+            <a:br>
+              <a:rPr lang="en-US" dirty="0"/>
+            </a:br>
+            <a:r>
+              <a:rPr lang="en-US" dirty="0"/>
+              <a:t>    </a:t>
+            </a:r>
+            <a:r>
+              <a:rPr lang="en-US" b="1" dirty="0"/>
+              <a:t>print </a:t>
+            </a:r>
+            <a:r>
+              <a:rPr lang="en-US" dirty="0" err="1"/>
+              <a:t>valToPrint</a:t>
+            </a:r>
+            <a:r>
+              <a:rPr lang="en-US" dirty="0"/>
+              <a:t/>
+            </a:r>
+            <a:br>
+              <a:rPr lang="en-US" dirty="0"/>
+            </a:br>
+            <a:r>
+              <a:rPr lang="en-US" dirty="0"/>
+              <a:t/>
+            </a:r>
+            <a:br>
+              <a:rPr lang="en-US" dirty="0"/>
+            </a:br>
+            <a:r>
+              <a:rPr lang="en-US" dirty="0"/>
+              <a:t>x = </a:t>
+            </a:r>
+            <a:r>
+              <a:rPr lang="en-US" dirty="0" err="1"/>
               <a:t>addNumbers</a:t>
             </a:r>
             <a:r>
-              <a:rPr lang="en-US" dirty="0" smtClean="0"/>
-              <a:t> (num1, num2):</a:t>
-            </a:r>
-          </a:p>
-          <a:p>
-            <a:r>
               <a:rPr lang="en-US" dirty="0"/>
-              <a:t> </a:t>
-            </a:r>
-            <a:r>
-              <a:rPr lang="en-US" dirty="0" smtClean="0"/>
-              <a:t>  return num1 + num2</a:t>
-            </a:r>
-          </a:p>
-          <a:p>
-            <a:endParaRPr lang="en-US" dirty="0"/>
-          </a:p>
-          <a:p>
+              <a:t>(</a:t>
+            </a:r>
+            <a:r>
+              <a:rPr lang="en-US" dirty="0"/>
+              <a:t>4, 6</a:t>
+            </a:r>
+            <a:r>
+              <a:rPr lang="en-US" dirty="0"/>
+              <a:t>)</a:t>
+            </a:r>
+            <a:br>
+              <a:rPr lang="en-US" dirty="0"/>
+            </a:br>
+            <a:r>
+              <a:rPr lang="en-US" dirty="0"/>
+              <a:t>y = </a:t>
+            </a:r>
             <a:r>
               <a:rPr lang="en-US" dirty="0" err="1"/>
-              <a:t>d</a:t>
-            </a:r>
-            <a:r>
-              <a:rPr lang="en-US" dirty="0" err="1" smtClean="0"/>
-              <a:t>ef</a:t>
-            </a:r>
-            <a:r>
-              <a:rPr lang="en-US" dirty="0" smtClean="0"/>
-              <a:t> </a:t>
-            </a:r>
-            <a:r>
-              <a:rPr lang="en-US" dirty="0" err="1" smtClean="0"/>
               <a:t>printTwice</a:t>
             </a:r>
             <a:r>
-              <a:rPr lang="en-US" dirty="0" smtClean="0"/>
-              <a:t> (</a:t>
-            </a:r>
-            <a:r>
-              <a:rPr lang="en-US" dirty="0" err="1" smtClean="0"/>
-              <a:t>valToPrint</a:t>
-            </a:r>
-            <a:r>
-              <a:rPr lang="en-US" dirty="0" smtClean="0"/>
+              <a:rPr lang="en-US" dirty="0"/>
+              <a:t>(</a:t>
+            </a:r>
+            <a:r>
+              <a:rPr lang="en-US" dirty="0"/>
+              <a:t>"hello"</a:t>
+            </a:r>
+            <a:r>
+              <a:rPr lang="en-US" dirty="0"/>
               <a:t>)</a:t>
             </a:r>
-          </a:p>
-          <a:p>
-            <a:r>
+            <a:br>
               <a:rPr lang="en-US" dirty="0"/>
-              <a:t> </a:t>
-            </a:r>
-            <a:r>
-              <a:rPr lang="en-US" dirty="0" smtClean="0"/>
-              <a:t>  print </a:t>
-            </a:r>
-            <a:r>
-              <a:rPr lang="en-US" dirty="0" err="1" smtClean="0"/>
-              <a:t>valToPrint</a:t>
-            </a:r>
-            <a:endParaRPr lang="en-US" dirty="0" smtClean="0"/>
-          </a:p>
-          <a:p>
+            </a:br>
             <a:r>
               <a:rPr lang="en-US" dirty="0"/>
-              <a:t> </a:t>
-            </a:r>
-            <a:r>
-              <a:rPr lang="en-US" dirty="0" smtClean="0"/>
-              <a:t>  print </a:t>
-            </a:r>
-            <a:r>
-              <a:rPr lang="en-US" dirty="0" err="1" smtClean="0"/>
-              <a:t>valToPrint</a:t>
-            </a:r>
-            <a:endParaRPr lang="en-US" dirty="0" smtClean="0"/>
-          </a:p>
-          <a:p>
-            <a:endParaRPr lang="en-US" dirty="0"/>
-          </a:p>
-          <a:p>
-            <a:r>
-              <a:rPr lang="en-US" dirty="0" smtClean="0"/>
-              <a:t>x = </a:t>
-            </a:r>
-            <a:r>
-              <a:rPr lang="en-US" dirty="0" err="1" smtClean="0"/>
-              <a:t>addNumbers</a:t>
-            </a:r>
-            <a:r>
-              <a:rPr lang="en-US" dirty="0" smtClean="0"/>
-              <a:t>(4, 6)</a:t>
-            </a:r>
-          </a:p>
-          <a:p>
-            <a:r>
-              <a:rPr lang="en-US" dirty="0" smtClean="0"/>
-              <a:t>y = </a:t>
-            </a:r>
-            <a:r>
-              <a:rPr lang="en-US" dirty="0" err="1" smtClean="0"/>
-              <a:t>printTwice</a:t>
-            </a:r>
-            <a:r>
-              <a:rPr lang="en-US" dirty="0" smtClean="0"/>
-              <a:t>(“hello”)</a:t>
-            </a:r>
-          </a:p>
-          <a:p>
-            <a:endParaRPr lang="en-US" dirty="0"/>
-          </a:p>
-          <a:p>
-            <a:r>
-              <a:rPr lang="en-US" dirty="0" smtClean="0"/>
-              <a:t>print “The value of x is:”, x</a:t>
-            </a:r>
-          </a:p>
-          <a:p>
-            <a:r>
+              <a:t/>
+            </a:r>
+            <a:br>
               <a:rPr lang="en-US" dirty="0"/>
-              <a:t>p</a:t>
-            </a:r>
-            <a:r>
-              <a:rPr lang="en-US" dirty="0" smtClean="0"/>
-              <a:t>rint “The value of y is:”, y</a:t>
-            </a:r>
-          </a:p>
-          <a:p>
+            </a:br>
+            <a:r>
+              <a:rPr lang="en-US" b="1" dirty="0"/>
+              <a:t>print </a:t>
+            </a:r>
             <a:r>
               <a:rPr lang="en-US" dirty="0"/>
-              <a:t>p</a:t>
-            </a:r>
-            <a:r>
-              <a:rPr lang="en-US" dirty="0" smtClean="0"/>
-              <a:t>rint “Type of x is: “, type(x)</a:t>
-            </a:r>
-          </a:p>
-          <a:p>
+              <a:t>"The value of x is:", </a:t>
+            </a:r>
             <a:r>
               <a:rPr lang="en-US" dirty="0"/>
-              <a:t>p</a:t>
-            </a:r>
-            <a:r>
-              <a:rPr lang="en-US" dirty="0" smtClean="0"/>
-              <a:t>rint “Type of y is: “, type(y)</a:t>
+              <a:t>x</a:t>
+            </a:r>
+            <a:br>
+              <a:rPr lang="en-US" dirty="0"/>
+            </a:br>
+            <a:r>
+              <a:rPr lang="en-US" b="1" dirty="0"/>
+              <a:t>print </a:t>
+            </a:r>
+            <a:r>
+              <a:rPr lang="en-US" dirty="0"/>
+              <a:t>"The value of y is:", </a:t>
+            </a:r>
+            <a:r>
+              <a:rPr lang="en-US" dirty="0"/>
+              <a:t>y</a:t>
+            </a:r>
+            <a:br>
+              <a:rPr lang="en-US" dirty="0"/>
+            </a:br>
+            <a:r>
+              <a:rPr lang="en-US" b="1" dirty="0"/>
+              <a:t>print </a:t>
+            </a:r>
+            <a:r>
+              <a:rPr lang="en-US" dirty="0"/>
+              <a:t>"Type of x is: ", type</a:t>
+            </a:r>
+            <a:r>
+              <a:rPr lang="en-US" dirty="0"/>
+              <a:t>(x)</a:t>
+            </a:r>
+            <a:br>
+              <a:rPr lang="en-US" dirty="0"/>
+            </a:br>
+            <a:r>
+              <a:rPr lang="en-US" b="1" dirty="0"/>
+              <a:t>print </a:t>
+            </a:r>
+            <a:r>
+              <a:rPr lang="en-US" dirty="0"/>
+              <a:t>"Type of y is: ", type</a:t>
+            </a:r>
+            <a:r>
+              <a:rPr lang="en-US" dirty="0"/>
+              <a:t>(y)</a:t>
             </a:r>
             <a:endParaRPr lang="en-US" dirty="0"/>
           </a:p>
@@ -11324,7 +11803,7 @@
   <p:timing>
     <p:tnLst>
       <p:par>
-        <p:cTn xmlns:p14="http://schemas.microsoft.com/office/powerpoint/2010/main" id="1" dur="indefinite" restart="never" nodeType="tmRoot">
+        <p:cTn id="1" dur="indefinite" restart="never" nodeType="tmRoot">
           <p:childTnLst>
             <p:seq concurrent="1" nextAc="seek">
               <p:cTn id="2" dur="indefinite" nodeType="mainSeq">
@@ -11802,7 +12281,7 @@
         </p:nvSpPr>
         <p:spPr>
           <a:xfrm>
-            <a:off x="3843867" y="2770094"/>
+            <a:off x="3767667" y="756963"/>
             <a:ext cx="4558772" cy="3267169"/>
           </a:xfrm>
         </p:spPr>
@@ -11842,7 +12321,7 @@
         </p:nvSpPr>
         <p:spPr>
           <a:xfrm>
-            <a:off x="457200" y="2820894"/>
+            <a:off x="533400" y="1018220"/>
             <a:ext cx="3234267" cy="2308324"/>
           </a:xfrm>
           <a:prstGeom prst="rect">
@@ -11929,7 +12408,7 @@
   <p:timing>
     <p:tnLst>
       <p:par>
-        <p:cTn xmlns:p14="http://schemas.microsoft.com/office/powerpoint/2010/main" id="1" dur="indefinite" restart="never" nodeType="tmRoot">
+        <p:cTn id="1" dur="indefinite" restart="never" nodeType="tmRoot">
           <p:childTnLst>
             <p:seq concurrent="1" nextAc="seek">
               <p:cTn id="2" dur="indefinite" nodeType="mainSeq">
@@ -12296,7 +12775,7 @@
         </p:nvSpPr>
         <p:spPr>
           <a:xfrm>
-            <a:off x="3843867" y="2770094"/>
+            <a:off x="3810833" y="392654"/>
             <a:ext cx="4558772" cy="3267169"/>
           </a:xfrm>
         </p:spPr>
@@ -12325,7 +12804,7 @@
         </p:nvSpPr>
         <p:spPr>
           <a:xfrm>
-            <a:off x="457200" y="2820894"/>
+            <a:off x="404949" y="1018220"/>
             <a:ext cx="3234267" cy="2308324"/>
           </a:xfrm>
           <a:prstGeom prst="rect">
@@ -12415,7 +12894,7 @@
   <p:timing>
     <p:tnLst>
       <p:par>
-        <p:cTn xmlns:p14="http://schemas.microsoft.com/office/powerpoint/2010/main" id="1" dur="indefinite" restart="never" nodeType="tmRoot">
+        <p:cTn id="1" dur="indefinite" restart="never" nodeType="tmRoot">
           <p:childTnLst>
             <p:seq concurrent="1" nextAc="seek">
               <p:cTn id="2" dur="indefinite" nodeType="mainSeq">
@@ -12721,13 +13200,13 @@
         </p:nvSpPr>
         <p:spPr>
           <a:xfrm>
-            <a:off x="3843867" y="2770094"/>
+            <a:off x="4098216" y="723719"/>
             <a:ext cx="4558772" cy="3267169"/>
           </a:xfrm>
         </p:spPr>
         <p:txBody>
           <a:bodyPr>
-            <a:normAutofit fontScale="85000" lnSpcReduction="10000"/>
+            <a:normAutofit fontScale="92500" lnSpcReduction="10000"/>
           </a:bodyPr>
           <a:lstStyle/>
           <a:p>
@@ -12764,7 +13243,7 @@
         </p:nvSpPr>
         <p:spPr>
           <a:xfrm>
-            <a:off x="457200" y="2820894"/>
+            <a:off x="404948" y="900654"/>
             <a:ext cx="3234267" cy="2585323"/>
           </a:xfrm>
           <a:prstGeom prst="rect">
@@ -12856,7 +13335,7 @@
   <p:timing>
     <p:tnLst>
       <p:par>
-        <p:cTn xmlns:p14="http://schemas.microsoft.com/office/powerpoint/2010/main" id="1" dur="indefinite" restart="never" nodeType="tmRoot">
+        <p:cTn id="1" dur="indefinite" restart="never" nodeType="tmRoot">
           <p:childTnLst>
             <p:seq concurrent="1" nextAc="seek">
               <p:cTn id="2" dur="indefinite" nodeType="mainSeq">
@@ -13277,7 +13756,7 @@
         </p:nvSpPr>
         <p:spPr>
           <a:xfrm>
-            <a:off x="3877733" y="2770094"/>
+            <a:off x="4178179" y="666974"/>
             <a:ext cx="4524906" cy="3267169"/>
           </a:xfrm>
         </p:spPr>
@@ -13307,8 +13786,8 @@
         </p:nvSpPr>
         <p:spPr>
           <a:xfrm>
-            <a:off x="457200" y="2820894"/>
-            <a:ext cx="3234267" cy="2862323"/>
+            <a:off x="533400" y="770624"/>
+            <a:ext cx="3398520" cy="2862323"/>
           </a:xfrm>
           <a:prstGeom prst="rect">
             <a:avLst/>
@@ -13414,7 +13893,7 @@
   <p:timing>
     <p:tnLst>
       <p:par>
-        <p:cTn xmlns:p14="http://schemas.microsoft.com/office/powerpoint/2010/main" id="1" dur="indefinite" restart="never" nodeType="tmRoot">
+        <p:cTn id="1" dur="indefinite" restart="never" nodeType="tmRoot">
           <p:childTnLst>
             <p:seq concurrent="1" nextAc="seek">
               <p:cTn id="2" dur="indefinite" nodeType="mainSeq">
@@ -13662,9 +14141,9 @@
 </file>
 
 <file path=ppt/theme/theme1.xml><?xml version="1.0" encoding="utf-8"?>
-<a:theme xmlns:a="http://schemas.openxmlformats.org/drawingml/2006/main" name="Genesis">
+<a:theme xmlns:a="http://schemas.openxmlformats.org/drawingml/2006/main" name="Slice">
   <a:themeElements>
-    <a:clrScheme name="Genesis">
+    <a:clrScheme name="Slice">
       <a:dk1>
         <a:sysClr val="windowText" lastClr="000000"/>
       </a:dk1>
@@ -13672,55 +14151,109 @@
         <a:sysClr val="window" lastClr="FFFFFF"/>
       </a:lt1>
       <a:dk2>
-        <a:srgbClr val="465466"/>
+        <a:srgbClr val="146194"/>
       </a:dk2>
       <a:lt2>
-        <a:srgbClr val="BBD7F8"/>
+        <a:srgbClr val="76DBF4"/>
       </a:lt2>
       <a:accent1>
-        <a:srgbClr val="80B606"/>
+        <a:srgbClr val="052F61"/>
       </a:accent1>
       <a:accent2>
-        <a:srgbClr val="E29F1D"/>
+        <a:srgbClr val="A50E82"/>
       </a:accent2>
       <a:accent3>
-        <a:srgbClr val="2397E2"/>
+        <a:srgbClr val="14967C"/>
       </a:accent3>
       <a:accent4>
-        <a:srgbClr val="35ACA2"/>
+        <a:srgbClr val="6A9E1F"/>
       </a:accent4>
       <a:accent5>
-        <a:srgbClr val="5430BB"/>
+        <a:srgbClr val="E87D37"/>
       </a:accent5>
       <a:accent6>
-        <a:srgbClr val="8D34E0"/>
+        <a:srgbClr val="C62324"/>
       </a:accent6>
       <a:hlink>
-        <a:srgbClr val="00B0F0"/>
+        <a:srgbClr val="0D2E46"/>
       </a:hlink>
       <a:folHlink>
-        <a:srgbClr val="0070C0"/>
+        <a:srgbClr val="356A95"/>
       </a:folHlink>
     </a:clrScheme>
-    <a:fontScheme name="Genesis">
+    <a:fontScheme name="Slice">
       <a:majorFont>
-        <a:latin typeface="Calisto MT"/>
+        <a:latin typeface="Century Gothic" panose="020B0502020202020204"/>
         <a:ea typeface=""/>
         <a:cs typeface=""/>
-        <a:font script="Jpan" typeface="ＭＳ 明朝"/>
-        <a:font script="Hans" typeface="宋体"/>
-        <a:font script="Hant" typeface="新細明體"/>
+        <a:font script="Jpan" typeface="メイリオ"/>
+        <a:font script="Hang" typeface="HY중고딕"/>
+        <a:font script="Hans" typeface="幼圆"/>
+        <a:font script="Hant" typeface="微軟正黑體"/>
+        <a:font script="Arab" typeface="Tahoma"/>
+        <a:font script="Hebr" typeface="Gisha"/>
+        <a:font script="Thai" typeface="DilleniaUPC"/>
+        <a:font script="Ethi" typeface="Nyala"/>
+        <a:font script="Beng" typeface="Vrinda"/>
+        <a:font script="Gujr" typeface="Shruti"/>
+        <a:font script="Khmr" typeface="DaunPenh"/>
+        <a:font script="Knda" typeface="Tunga"/>
+        <a:font script="Guru" typeface="Raavi"/>
+        <a:font script="Cans" typeface="Euphemia"/>
+        <a:font script="Cher" typeface="Plantagenet Cherokee"/>
+        <a:font script="Yiii" typeface="Microsoft Yi Baiti"/>
+        <a:font script="Tibt" typeface="Microsoft Himalaya"/>
+        <a:font script="Thaa" typeface="MV Boli"/>
+        <a:font script="Deva" typeface="Mangal"/>
+        <a:font script="Telu" typeface="Gautami"/>
+        <a:font script="Taml" typeface="Latha"/>
+        <a:font script="Syrc" typeface="Estrangelo Edessa"/>
+        <a:font script="Orya" typeface="Kalinga"/>
+        <a:font script="Mlym" typeface="Kartika"/>
+        <a:font script="Laoo" typeface="DokChampa"/>
+        <a:font script="Sinh" typeface="Iskoola Pota"/>
+        <a:font script="Mong" typeface="Mongolian Baiti"/>
+        <a:font script="Viet" typeface="Tahoma"/>
+        <a:font script="Uigh" typeface="Microsoft Uighur"/>
+        <a:font script="Geor" typeface="Sylfaen"/>
       </a:majorFont>
       <a:minorFont>
-        <a:latin typeface="Calisto MT"/>
+        <a:latin typeface="Century Gothic" panose="020B0502020202020204"/>
         <a:ea typeface=""/>
         <a:cs typeface=""/>
-        <a:font script="Jpan" typeface="ＭＳ 明朝"/>
-        <a:font script="Hans" typeface="宋体"/>
-        <a:font script="Hant" typeface="新細明體"/>
+        <a:font script="Jpan" typeface="メイリオ"/>
+        <a:font script="Hang" typeface="HY중고딕"/>
+        <a:font script="Hans" typeface="幼圆"/>
+        <a:font script="Hant" typeface="微軟正黑體"/>
+        <a:font script="Arab" typeface="Tahoma"/>
+        <a:font script="Hebr" typeface="Gisha"/>
+        <a:font script="Thai" typeface="DilleniaUPC"/>
+        <a:font script="Ethi" typeface="Nyala"/>
+        <a:font script="Beng" typeface="Vrinda"/>
+        <a:font script="Gujr" typeface="Shruti"/>
+        <a:font script="Khmr" typeface="DaunPenh"/>
+        <a:font script="Knda" typeface="Tunga"/>
+        <a:font script="Guru" typeface="Raavi"/>
+        <a:font script="Cans" typeface="Euphemia"/>
+        <a:font script="Cher" typeface="Plantagenet Cherokee"/>
+        <a:font script="Yiii" typeface="Microsoft Yi Baiti"/>
+        <a:font script="Tibt" typeface="Microsoft Himalaya"/>
+        <a:font script="Thaa" typeface="MV Boli"/>
+        <a:font script="Deva" typeface="Mangal"/>
+        <a:font script="Telu" typeface="Gautami"/>
+        <a:font script="Taml" typeface="Latha"/>
+        <a:font script="Syrc" typeface="Estrangelo Edessa"/>
+        <a:font script="Orya" typeface="Kalinga"/>
+        <a:font script="Mlym" typeface="Kartika"/>
+        <a:font script="Laoo" typeface="DokChampa"/>
+        <a:font script="Sinh" typeface="Iskoola Pota"/>
+        <a:font script="Mong" typeface="Mongolian Baiti"/>
+        <a:font script="Viet" typeface="Tahoma"/>
+        <a:font script="Uigh" typeface="Microsoft Uighur"/>
+        <a:font script="Geor" typeface="Sylfaen"/>
       </a:minorFont>
     </a:fontScheme>
-    <a:fmtScheme name="Genesis">
+    <a:fmtScheme name="Slice">
       <a:fillStyleLst>
         <a:solidFill>
           <a:schemeClr val="phClr"/>
@@ -13729,55 +14262,35 @@
           <a:gsLst>
             <a:gs pos="0">
               <a:schemeClr val="phClr">
-                <a:tint val="100000"/>
-                <a:shade val="70000"/>
-                <a:satMod val="100000"/>
-                <a:greenMod val="110000"/>
-              </a:schemeClr>
-            </a:gs>
-            <a:gs pos="75000">
-              <a:schemeClr val="phClr">
-                <a:tint val="40000"/>
-                <a:satMod val="150000"/>
-                <a:redMod val="100000"/>
-                <a:blueMod val="100000"/>
+                <a:tint val="62000"/>
+                <a:hueMod val="94000"/>
+                <a:satMod val="140000"/>
+                <a:lumMod val="110000"/>
               </a:schemeClr>
             </a:gs>
             <a:gs pos="100000">
               <a:schemeClr val="phClr">
-                <a:tint val="60000"/>
-                <a:satMod val="120000"/>
-                <a:redMod val="100000"/>
-                <a:blueMod val="100000"/>
+                <a:tint val="84000"/>
+                <a:satMod val="160000"/>
               </a:schemeClr>
             </a:gs>
           </a:gsLst>
-          <a:path path="circle">
-            <a:fillToRect l="25000" t="25000" r="5000" b="5000"/>
-          </a:path>
+          <a:lin ang="5400000" scaled="0"/>
         </a:gradFill>
         <a:gradFill rotWithShape="1">
           <a:gsLst>
             <a:gs pos="0">
               <a:schemeClr val="phClr">
-                <a:tint val="50000"/>
-                <a:shade val="100000"/>
-                <a:alpha val="100000"/>
-                <a:satMod val="150000"/>
-              </a:schemeClr>
-            </a:gs>
-            <a:gs pos="40000">
-              <a:schemeClr val="phClr">
-                <a:tint val="70000"/>
-                <a:shade val="100000"/>
-                <a:alpha val="100000"/>
-                <a:satMod val="150000"/>
+                <a:tint val="98000"/>
+                <a:hueMod val="94000"/>
+                <a:satMod val="130000"/>
+                <a:lumMod val="138000"/>
               </a:schemeClr>
             </a:gs>
             <a:gs pos="100000">
               <a:schemeClr val="phClr">
-                <a:shade val="90000"/>
-                <a:satMod val="110000"/>
+                <a:shade val="94000"/>
+                <a:lumMod val="88000"/>
               </a:schemeClr>
             </a:gs>
           </a:gsLst>
@@ -13785,22 +14298,25 @@
         </a:gradFill>
       </a:fillStyleLst>
       <a:lnStyleLst>
-        <a:ln w="12700" cap="flat" cmpd="sng" algn="ctr">
+        <a:ln w="9525" cap="rnd" cmpd="sng" algn="ctr">
           <a:solidFill>
             <a:schemeClr val="phClr">
-              <a:shade val="95000"/>
-              <a:satMod val="105000"/>
+              <a:tint val="76000"/>
+              <a:alpha val="60000"/>
+              <a:hueMod val="94000"/>
             </a:schemeClr>
           </a:solidFill>
           <a:prstDash val="solid"/>
         </a:ln>
-        <a:ln w="31750" cap="flat" cmpd="sng" algn="ctr">
+        <a:ln w="12700" cap="rnd" cmpd="sng" algn="ctr">
           <a:solidFill>
-            <a:schemeClr val="phClr"/>
+            <a:schemeClr val="phClr">
+              <a:hueMod val="94000"/>
+            </a:schemeClr>
           </a:solidFill>
           <a:prstDash val="solid"/>
         </a:ln>
-        <a:ln w="31750" cap="flat" cmpd="sng" algn="ctr">
+        <a:ln w="28575" cap="rnd" cmpd="sng" algn="ctr">
           <a:solidFill>
             <a:schemeClr val="phClr"/>
           </a:solidFill>
@@ -13813,103 +14329,88 @@
         </a:effectStyle>
         <a:effectStyle>
           <a:effectLst>
-            <a:outerShdw blurRad="88900" dist="50800" dir="11400000" sx="102000" sy="101000" algn="tl" rotWithShape="0">
+            <a:innerShdw blurRad="25400" dist="12700" dir="13500000">
               <a:srgbClr val="000000">
-                <a:alpha val="35000"/>
+                <a:alpha val="45000"/>
               </a:srgbClr>
-            </a:outerShdw>
+            </a:innerShdw>
           </a:effectLst>
-          <a:scene3d>
-            <a:camera prst="perspectiveFront" fov="4800000"/>
-            <a:lightRig rig="morning" dir="tl"/>
-          </a:scene3d>
-          <a:sp3d prstMaterial="softmetal">
-            <a:bevelT w="0" h="0"/>
-          </a:sp3d>
         </a:effectStyle>
         <a:effectStyle>
           <a:effectLst>
-            <a:innerShdw blurRad="50800" dist="25400" dir="13500000">
+            <a:outerShdw blurRad="50800" dist="38100" dir="5400000" rotWithShape="0">
               <a:srgbClr val="000000">
-                <a:alpha val="75000"/>
+                <a:alpha val="46000"/>
               </a:srgbClr>
-            </a:innerShdw>
-            <a:reflection blurRad="101600" stA="40000" endPos="50000" dist="63500" dir="5400000" fadeDir="7200000" sy="-100000" kx="300000" rotWithShape="0"/>
+            </a:outerShdw>
           </a:effectLst>
           <a:scene3d>
             <a:camera prst="orthographicFront">
               <a:rot lat="0" lon="0" rev="0"/>
             </a:camera>
-            <a:lightRig rig="chilly" dir="tr">
-              <a:rot lat="0" lon="0" rev="1200000"/>
-            </a:lightRig>
+            <a:lightRig rig="threePt" dir="t"/>
           </a:scene3d>
           <a:sp3d prstMaterial="plastic">
-            <a:bevelT w="0" h="0"/>
+            <a:bevelT w="25400" h="25400"/>
           </a:sp3d>
         </a:effectStyle>
       </a:effectStyleLst>
       <a:bgFillStyleLst>
-        <a:blipFill rotWithShape="1">
-          <a:blip xmlns:r="http://schemas.openxmlformats.org/officeDocument/2006/relationships" r:embed="rId1"/>
-          <a:stretch/>
-        </a:blipFill>
-        <a:blipFill rotWithShape="1">
-          <a:blip xmlns:r="http://schemas.openxmlformats.org/officeDocument/2006/relationships" r:embed="rId2"/>
-          <a:stretch/>
-        </a:blipFill>
-        <a:blipFill rotWithShape="1">
-          <a:blip xmlns:r="http://schemas.openxmlformats.org/officeDocument/2006/relationships" r:embed="rId3"/>
-          <a:stretch/>
-        </a:blipFill>
+        <a:solidFill>
+          <a:schemeClr val="phClr"/>
+        </a:solidFill>
+        <a:gradFill rotWithShape="1">
+          <a:gsLst>
+            <a:gs pos="10000">
+              <a:schemeClr val="phClr">
+                <a:tint val="97000"/>
+                <a:hueMod val="92000"/>
+                <a:satMod val="169000"/>
+                <a:lumMod val="164000"/>
+              </a:schemeClr>
+            </a:gs>
+            <a:gs pos="100000">
+              <a:schemeClr val="phClr">
+                <a:shade val="96000"/>
+                <a:satMod val="120000"/>
+                <a:lumMod val="90000"/>
+              </a:schemeClr>
+            </a:gs>
+          </a:gsLst>
+          <a:lin ang="6120000" scaled="1"/>
+        </a:gradFill>
+        <a:gradFill rotWithShape="1">
+          <a:gsLst>
+            <a:gs pos="0">
+              <a:schemeClr val="phClr">
+                <a:tint val="97000"/>
+                <a:hueMod val="92000"/>
+                <a:satMod val="169000"/>
+                <a:lumMod val="164000"/>
+              </a:schemeClr>
+            </a:gs>
+            <a:gs pos="100000">
+              <a:schemeClr val="phClr">
+                <a:shade val="96000"/>
+                <a:satMod val="120000"/>
+                <a:lumMod val="90000"/>
+              </a:schemeClr>
+            </a:gs>
+          </a:gsLst>
+          <a:path path="circle">
+            <a:fillToRect b="100000"/>
+          </a:path>
+        </a:gradFill>
       </a:bgFillStyleLst>
     </a:fmtScheme>
   </a:themeElements>
-  <a:objectDefaults>
-    <a:spDef>
-      <a:spPr/>
-      <a:bodyPr rtlCol="0" anchor="ctr"/>
-      <a:lstStyle>
-        <a:defPPr algn="ctr">
-          <a:defRPr/>
-        </a:defPPr>
-      </a:lstStyle>
-      <a:style>
-        <a:lnRef idx="1">
-          <a:schemeClr val="accent1"/>
-        </a:lnRef>
-        <a:fillRef idx="3">
-          <a:schemeClr val="accent1"/>
-        </a:fillRef>
-        <a:effectRef idx="2">
-          <a:schemeClr val="accent1"/>
-        </a:effectRef>
-        <a:fontRef idx="minor">
-          <a:schemeClr val="lt1"/>
-        </a:fontRef>
-      </a:style>
-    </a:spDef>
-    <a:lnDef>
-      <a:spPr/>
-      <a:bodyPr/>
-      <a:lstStyle/>
-      <a:style>
-        <a:lnRef idx="2">
-          <a:schemeClr val="accent1"/>
-        </a:lnRef>
-        <a:fillRef idx="0">
-          <a:schemeClr val="accent1"/>
-        </a:fillRef>
-        <a:effectRef idx="1">
-          <a:schemeClr val="accent1"/>
-        </a:effectRef>
-        <a:fontRef idx="minor">
-          <a:schemeClr val="tx1"/>
-        </a:fontRef>
-      </a:style>
-    </a:lnDef>
-  </a:objectDefaults>
+  <a:objectDefaults/>
   <a:extraClrSchemeLst/>
+  <a:extLst>
+    <a:ext uri="{05A4C25C-085E-4340-85A3-A5531E510DB2}">
+      <thm15:themeFamily xmlns:thm15="http://schemas.microsoft.com/office/thememl/2012/main" name="Slice" id="{0507925B-6AC9-4358-8E18-C330545D08F8}" vid="{13FEC7C6-62A9-40C4-99D2-581AACACAA2F}"/>
+    </a:ext>
+  </a:extLst>
 </a:theme>
 </file>
 
